--- a/Courses/Software-Sciences/Module-2-DS-and-Algo-New/04.1-Multidimentional-Arrays-Basics/04.1-Multidimentional-Arrays-Basics.pptx
+++ b/Courses/Software-Sciences/Module-2-DS-and-Algo-New/04.1-Multidimentional-Arrays-Basics/04.1-Multidimentional-Arrays-Basics.pptx
@@ -274,7 +274,7 @@
             </a:lvl1pPr>
           </a:lstStyle>
           <a:p>
-            <a:endParaRPr lang="bg-BG"/>
+            <a:endParaRPr lang="bg-BG" dirty="0"/>
           </a:p>
         </p:txBody>
       </p:sp>
@@ -313,9 +313,9 @@
           <a:p>
             <a:fld id="{4E087215-0C8F-4762-A664-737A353EC9A4}" type="datetimeFigureOut">
               <a:rPr lang="bg-BG" smtClean="0"/>
-              <a:t>27.01.23 г.</a:t>
+              <a:t>6.7.2023 г.</a:t>
             </a:fld>
-            <a:endParaRPr lang="bg-BG"/>
+            <a:endParaRPr lang="bg-BG" dirty="0"/>
           </a:p>
         </p:txBody>
       </p:sp>
@@ -471,7 +471,7 @@
             </a:lvl1pPr>
           </a:lstStyle>
           <a:p>
-            <a:endParaRPr lang="en-US"/>
+            <a:endParaRPr lang="en-US" dirty="0"/>
           </a:p>
         </p:txBody>
       </p:sp>
@@ -504,9 +504,9 @@
           <a:p>
             <a:fld id="{72D84649-876A-46C9-8472-14CB09C070D8}" type="datetimeFigureOut">
               <a:rPr lang="en-US" smtClean="0"/>
-              <a:t>1/27/23</a:t>
+              <a:t>7/6/2023</a:t>
             </a:fld>
-            <a:endParaRPr lang="en-US"/>
+            <a:endParaRPr lang="en-US" dirty="0"/>
           </a:p>
         </p:txBody>
       </p:sp>
@@ -539,7 +539,7 @@
           <a:bodyPr vert="horz" lIns="91440" tIns="45720" rIns="91440" bIns="45720" rtlCol="0" anchor="ctr"/>
           <a:lstStyle/>
           <a:p>
-            <a:endParaRPr lang="en-US"/>
+            <a:endParaRPr lang="en-US" dirty="0"/>
           </a:p>
         </p:txBody>
       </p:sp>
@@ -970,7 +970,7 @@
           <a:bodyPr/>
           <a:lstStyle/>
           <a:p>
-            <a:endParaRPr lang="en-US"/>
+            <a:endParaRPr lang="en-US" dirty="0"/>
           </a:p>
         </p:txBody>
       </p:sp>
@@ -1100,7 +1100,7 @@
               <a:pPr/>
               <a:t>30</a:t>
             </a:fld>
-            <a:endParaRPr lang="en-US"/>
+            <a:endParaRPr lang="en-US" dirty="0"/>
           </a:p>
         </p:txBody>
       </p:sp>
@@ -1138,17 +1138,17 @@
           </a:lstStyle>
           <a:p>
             <a:r>
-              <a:rPr lang="en-US"/>
+              <a:rPr lang="en-US" dirty="0"/>
               <a:t>© SoftUni – </a:t>
             </a:r>
             <a:r>
-              <a:rPr lang="en-US" u="sng">
+              <a:rPr lang="en-US" u="sng" dirty="0">
                 <a:hlinkClick r:id="rId3"/>
               </a:rPr>
               <a:t>https://softuni.org</a:t>
             </a:r>
             <a:r>
-              <a:rPr lang="en-US"/>
+              <a:rPr lang="en-US" dirty="0"/>
               <a:t>. Copyrighted document. Unauthorized copy or reproduction is not permitted.</a:t>
             </a:r>
           </a:p>
@@ -1524,20 +1524,19 @@
           <a:lstStyle/>
           <a:p>
             <a:r>
-              <a:rPr lang="en-US"/>
+              <a:rPr lang="en-US" dirty="0"/>
               <a:t>© SoftUni – </a:t>
             </a:r>
             <a:r>
-              <a:rPr lang="en-US" u="sng">
+              <a:rPr lang="en-US" u="sng" dirty="0">
                 <a:hlinkClick r:id="rId3"/>
               </a:rPr>
               <a:t>https://softuni.org</a:t>
             </a:r>
             <a:r>
-              <a:rPr lang="en-US"/>
+              <a:rPr lang="en-US" dirty="0"/>
               <a:t>. Copyrighted document. Unauthorized copy or reproduction is not permitted.</a:t>
             </a:r>
-            <a:endParaRPr lang="en-US" dirty="0"/>
           </a:p>
         </p:txBody>
       </p:sp>
@@ -2138,7 +2137,7 @@
           <a:bodyPr/>
           <a:lstStyle/>
           <a:p>
-            <a:endParaRPr lang="en-US"/>
+            <a:endParaRPr lang="en-US" dirty="0"/>
           </a:p>
         </p:txBody>
       </p:sp>
@@ -2268,7 +2267,7 @@
               <a:pPr/>
               <a:t>29</a:t>
             </a:fld>
-            <a:endParaRPr lang="en-US"/>
+            <a:endParaRPr lang="en-US" dirty="0"/>
           </a:p>
         </p:txBody>
       </p:sp>
@@ -2306,17 +2305,17 @@
           </a:lstStyle>
           <a:p>
             <a:r>
-              <a:rPr lang="en-US"/>
+              <a:rPr lang="en-US" dirty="0"/>
               <a:t>© SoftUni – </a:t>
             </a:r>
             <a:r>
-              <a:rPr lang="en-US" u="sng">
+              <a:rPr lang="en-US" u="sng" dirty="0">
                 <a:hlinkClick r:id="rId3"/>
               </a:rPr>
               <a:t>https://softuni.org</a:t>
             </a:r>
             <a:r>
-              <a:rPr lang="en-US"/>
+              <a:rPr lang="en-US" dirty="0"/>
               <a:t>. Copyrighted document. Unauthorized copy or reproduction is not permitted.</a:t>
             </a:r>
           </a:p>
@@ -2416,7 +2415,7 @@
               <a:tabLst/>
               <a:defRPr/>
             </a:pPr>
-            <a:endParaRPr kumimoji="0" lang="en-US" altLang="ko-KR" sz="2398" b="0" i="0" u="none" strike="noStrike" kern="1200" cap="none" spc="0" normalizeH="0" baseline="0" noProof="0">
+            <a:endParaRPr kumimoji="0" lang="en-US" altLang="ko-KR" sz="2398" b="0" i="0" u="none" strike="noStrike" kern="1200" cap="none" spc="0" normalizeH="0" baseline="0" noProof="0" dirty="0">
               <a:ln>
                 <a:noFill/>
               </a:ln>
@@ -3045,7 +3044,7 @@
               <a:tabLst/>
               <a:defRPr/>
             </a:pPr>
-            <a:endParaRPr kumimoji="0" lang="en-US" altLang="ko-KR" sz="2398" b="0" i="0" u="none" strike="noStrike" kern="1200" cap="none" spc="0" normalizeH="0" baseline="0" noProof="0">
+            <a:endParaRPr kumimoji="0" lang="en-US" altLang="ko-KR" sz="2398" b="0" i="0" u="none" strike="noStrike" kern="1200" cap="none" spc="0" normalizeH="0" baseline="0" noProof="0" dirty="0">
               <a:ln>
                 <a:noFill/>
               </a:ln>
@@ -3168,7 +3167,7 @@
               <a:tabLst/>
               <a:defRPr/>
             </a:pPr>
-            <a:endParaRPr kumimoji="0" lang="en-US" altLang="ko-KR" sz="2398" b="0" i="0" u="none" strike="noStrike" kern="1200" cap="none" spc="0" normalizeH="0" baseline="0" noProof="0">
+            <a:endParaRPr kumimoji="0" lang="en-US" altLang="ko-KR" sz="2398" b="0" i="0" u="none" strike="noStrike" kern="1200" cap="none" spc="0" normalizeH="0" baseline="0" noProof="0" dirty="0">
               <a:ln>
                 <a:noFill/>
               </a:ln>
@@ -3441,7 +3440,7 @@
               <a:tabLst/>
               <a:defRPr/>
             </a:pPr>
-            <a:endParaRPr kumimoji="0" lang="en-US" altLang="ko-KR" sz="2398" b="0" i="0" u="none" strike="noStrike" kern="1200" cap="none" spc="0" normalizeH="0" baseline="0" noProof="0">
+            <a:endParaRPr kumimoji="0" lang="en-US" altLang="ko-KR" sz="2398" b="0" i="0" u="none" strike="noStrike" kern="1200" cap="none" spc="0" normalizeH="0" baseline="0" noProof="0" dirty="0">
               <a:ln>
                 <a:noFill/>
               </a:ln>
@@ -3627,7 +3626,7 @@
               <a:pPr/>
               <a:t>‹#›</a:t>
             </a:fld>
-            <a:endParaRPr lang="en-US" noProof="0"/>
+            <a:endParaRPr lang="en-US" noProof="0" dirty="0"/>
           </a:p>
         </p:txBody>
       </p:sp>
@@ -3781,7 +3780,7 @@
           </a:lstStyle>
           <a:p>
             <a:r>
-              <a:rPr lang="en-US" altLang="ko-KR" noProof="0"/>
+              <a:rPr lang="en-US" altLang="ko-KR" noProof="0" dirty="0"/>
               <a:t>Your Picture Here</a:t>
             </a:r>
           </a:p>
@@ -3845,7 +3844,7 @@
               <a:tabLst/>
               <a:defRPr/>
             </a:pPr>
-            <a:endParaRPr kumimoji="0" lang="en-US" altLang="ko-KR" sz="2398" b="0" i="0" u="none" strike="noStrike" kern="1200" cap="none" spc="0" normalizeH="0" baseline="0" noProof="0">
+            <a:endParaRPr kumimoji="0" lang="en-US" altLang="ko-KR" sz="2398" b="0" i="0" u="none" strike="noStrike" kern="1200" cap="none" spc="0" normalizeH="0" baseline="0" noProof="0" dirty="0">
               <a:ln>
                 <a:noFill/>
               </a:ln>
@@ -3920,7 +3919,7 @@
               <a:tabLst/>
               <a:defRPr/>
             </a:pPr>
-            <a:endParaRPr kumimoji="0" lang="en-US" altLang="ko-KR" sz="2398" b="0" i="0" u="none" strike="noStrike" kern="1200" cap="none" spc="0" normalizeH="0" baseline="0" noProof="0">
+            <a:endParaRPr kumimoji="0" lang="en-US" altLang="ko-KR" sz="2398" b="0" i="0" u="none" strike="noStrike" kern="1200" cap="none" spc="0" normalizeH="0" baseline="0" noProof="0" dirty="0">
               <a:ln>
                 <a:noFill/>
               </a:ln>
@@ -4001,7 +4000,7 @@
               <a:tabLst/>
               <a:defRPr/>
             </a:pPr>
-            <a:endParaRPr kumimoji="0" lang="en-US" altLang="ko-KR" sz="2398" b="0" i="0" u="none" strike="noStrike" kern="1200" cap="none" spc="0" normalizeH="0" baseline="0" noProof="0">
+            <a:endParaRPr kumimoji="0" lang="en-US" altLang="ko-KR" sz="2398" b="0" i="0" u="none" strike="noStrike" kern="1200" cap="none" spc="0" normalizeH="0" baseline="0" noProof="0" dirty="0">
               <a:ln>
                 <a:noFill/>
               </a:ln>
@@ -4082,7 +4081,7 @@
               <a:tabLst/>
               <a:defRPr/>
             </a:pPr>
-            <a:endParaRPr kumimoji="0" lang="en-US" altLang="ko-KR" sz="2398" b="0" i="0" u="none" strike="noStrike" kern="1200" cap="none" spc="0" normalizeH="0" baseline="0" noProof="0">
+            <a:endParaRPr kumimoji="0" lang="en-US" altLang="ko-KR" sz="2398" b="0" i="0" u="none" strike="noStrike" kern="1200" cap="none" spc="0" normalizeH="0" baseline="0" noProof="0" dirty="0">
               <a:ln>
                 <a:noFill/>
               </a:ln>
@@ -4286,7 +4285,7 @@
               <a:tabLst/>
               <a:defRPr/>
             </a:pPr>
-            <a:endParaRPr kumimoji="0" lang="en-US" altLang="ko-KR" sz="2398" b="0" i="0" u="none" strike="noStrike" kern="1200" cap="none" spc="0" normalizeH="0" baseline="0" noProof="0">
+            <a:endParaRPr kumimoji="0" lang="en-US" altLang="ko-KR" sz="2398" b="0" i="0" u="none" strike="noStrike" kern="1200" cap="none" spc="0" normalizeH="0" baseline="0" noProof="0" dirty="0">
               <a:ln>
                 <a:noFill/>
               </a:ln>
@@ -5792,7 +5791,7 @@
               <a:tabLst/>
               <a:defRPr/>
             </a:pPr>
-            <a:endParaRPr kumimoji="0" lang="en-US" altLang="ko-KR" sz="2398" b="0" i="0" u="none" strike="noStrike" kern="1200" cap="none" spc="0" normalizeH="0" baseline="0" noProof="0">
+            <a:endParaRPr kumimoji="0" lang="en-US" altLang="ko-KR" sz="2398" b="0" i="0" u="none" strike="noStrike" kern="1200" cap="none" spc="0" normalizeH="0" baseline="0" noProof="0" dirty="0">
               <a:ln>
                 <a:noFill/>
               </a:ln>
@@ -6120,7 +6119,7 @@
               <a:tabLst/>
               <a:defRPr/>
             </a:pPr>
-            <a:endParaRPr kumimoji="0" lang="en-US" altLang="ko-KR" sz="2398" b="0" i="0" u="none" strike="noStrike" kern="1200" cap="none" spc="0" normalizeH="0" baseline="0" noProof="0">
+            <a:endParaRPr kumimoji="0" lang="en-US" altLang="ko-KR" sz="2398" b="0" i="0" u="none" strike="noStrike" kern="1200" cap="none" spc="0" normalizeH="0" baseline="0" noProof="0" dirty="0">
               <a:ln>
                 <a:noFill/>
               </a:ln>
@@ -6290,7 +6289,7 @@
               <a:pPr/>
               <a:t>‹#›</a:t>
             </a:fld>
-            <a:endParaRPr lang="en-US" noProof="0"/>
+            <a:endParaRPr lang="en-US" noProof="0" dirty="0"/>
           </a:p>
         </p:txBody>
       </p:sp>
@@ -6485,7 +6484,7 @@
               <a:tabLst/>
               <a:defRPr/>
             </a:pPr>
-            <a:endParaRPr kumimoji="0" lang="en-US" altLang="ko-KR" sz="2398" b="0" i="0" u="none" strike="noStrike" kern="1200" cap="none" spc="0" normalizeH="0" baseline="0" noProof="0">
+            <a:endParaRPr kumimoji="0" lang="en-US" altLang="ko-KR" sz="2398" b="0" i="0" u="none" strike="noStrike" kern="1200" cap="none" spc="0" normalizeH="0" baseline="0" noProof="0" dirty="0">
               <a:ln>
                 <a:noFill/>
               </a:ln>
@@ -7746,7 +7745,7 @@
               <a:pPr/>
               <a:t>‹#›</a:t>
             </a:fld>
-            <a:endParaRPr lang="en-US" noProof="0"/>
+            <a:endParaRPr lang="en-US" noProof="0" dirty="0"/>
           </a:p>
         </p:txBody>
       </p:sp>
@@ -7814,7 +7813,7 @@
               <a:tabLst/>
               <a:defRPr/>
             </a:pPr>
-            <a:endParaRPr kumimoji="0" lang="en-US" altLang="ko-KR" sz="2398" b="0" i="0" u="none" strike="noStrike" kern="1200" cap="none" spc="0" normalizeH="0" baseline="0" noProof="0">
+            <a:endParaRPr kumimoji="0" lang="en-US" altLang="ko-KR" sz="2398" b="0" i="0" u="none" strike="noStrike" kern="1200" cap="none" spc="0" normalizeH="0" baseline="0" noProof="0" dirty="0">
               <a:ln>
                 <a:noFill/>
               </a:ln>
@@ -8182,7 +8181,7 @@
               <a:tabLst/>
               <a:defRPr/>
             </a:pPr>
-            <a:endParaRPr kumimoji="0" lang="en-US" altLang="ko-KR" sz="2398" b="0" i="0" u="none" strike="noStrike" kern="1200" cap="none" spc="0" normalizeH="0" baseline="0" noProof="0">
+            <a:endParaRPr kumimoji="0" lang="en-US" altLang="ko-KR" sz="2398" b="0" i="0" u="none" strike="noStrike" kern="1200" cap="none" spc="0" normalizeH="0" baseline="0" noProof="0" dirty="0">
               <a:ln>
                 <a:noFill/>
               </a:ln>
@@ -8841,70 +8840,10 @@
           <a:lstStyle/>
           <a:p>
             <a:r>
-              <a:rPr lang="en-US" sz="3550" dirty="0" err="1">
-                <a:cs typeface="Calibri"/>
-              </a:rPr>
-              <a:t>Обработка</a:t>
-            </a:r>
-            <a:r>
               <a:rPr lang="en-US" sz="3550" dirty="0">
                 <a:cs typeface="Calibri"/>
               </a:rPr>
-              <a:t> </a:t>
-            </a:r>
-            <a:r>
-              <a:rPr lang="en-US" sz="3550" dirty="0" err="1">
-                <a:cs typeface="Calibri"/>
-              </a:rPr>
-              <a:t>на</a:t>
-            </a:r>
-            <a:r>
-              <a:rPr lang="en-US" sz="3550" dirty="0">
-                <a:cs typeface="Calibri"/>
-              </a:rPr>
-              <a:t> </a:t>
-            </a:r>
-            <a:r>
-              <a:rPr lang="en-US" sz="3550" dirty="0" err="1">
-                <a:cs typeface="Calibri"/>
-              </a:rPr>
-              <a:t>матрици</a:t>
-            </a:r>
-            <a:r>
-              <a:rPr lang="en-US" sz="3550" dirty="0">
-                <a:cs typeface="Calibri"/>
-              </a:rPr>
-              <a:t> и </a:t>
-            </a:r>
-            <a:r>
-              <a:rPr lang="en-US" sz="3550" dirty="0" err="1">
-                <a:cs typeface="Calibri"/>
-              </a:rPr>
-              <a:t>на</a:t>
-            </a:r>
-            <a:r>
-              <a:rPr lang="en-US" sz="3550" dirty="0">
-                <a:cs typeface="Calibri"/>
-              </a:rPr>
-              <a:t> </a:t>
-            </a:r>
-            <a:r>
-              <a:rPr lang="en-US" sz="3550" dirty="0" err="1">
-                <a:cs typeface="Calibri"/>
-              </a:rPr>
-              <a:t>назъбени</a:t>
-            </a:r>
-            <a:r>
-              <a:rPr lang="en-US" sz="3550" dirty="0">
-                <a:cs typeface="Calibri"/>
-              </a:rPr>
-              <a:t> </a:t>
-            </a:r>
-            <a:r>
-              <a:rPr lang="en-US" sz="3550" dirty="0" err="1">
-                <a:cs typeface="Calibri"/>
-              </a:rPr>
-              <a:t>матрици</a:t>
+              <a:t>Обработка на матрици и на назъбени матрици</a:t>
             </a:r>
           </a:p>
         </p:txBody>
@@ -8955,10 +8894,10 @@
           <a:lstStyle/>
           <a:p>
             <a:r>
-              <a:rPr lang="en-US" sz="1950"/>
+              <a:rPr lang="en-US" sz="1950" dirty="0"/>
               <a:t>Софтуерен университет</a:t>
             </a:r>
-            <a:endParaRPr lang="en-US" sz="1950" b="0">
+            <a:endParaRPr lang="en-US" sz="1950" b="0" dirty="0">
               <a:ea typeface="+mn-lt"/>
               <a:cs typeface="+mn-lt"/>
             </a:endParaRPr>
@@ -9006,10 +8945,10 @@
           <a:lstStyle/>
           <a:p>
             <a:r>
-              <a:rPr lang="en-US" sz="2750"/>
+              <a:rPr lang="en-US" sz="2750" dirty="0"/>
               <a:t>СофтУни</a:t>
             </a:r>
-            <a:endParaRPr lang="en-US" sz="2750" b="0">
+            <a:endParaRPr lang="en-US" sz="2750" b="0" dirty="0">
               <a:ea typeface="+mn-lt"/>
               <a:cs typeface="+mn-lt"/>
             </a:endParaRPr>
@@ -9037,10 +8976,10 @@
           <a:lstStyle/>
           <a:p>
             <a:r>
-              <a:rPr lang="en-US" sz="2350"/>
+              <a:rPr lang="en-US" sz="2350" dirty="0"/>
               <a:t>Преподавателски екип</a:t>
             </a:r>
-            <a:endParaRPr lang="en-US" sz="2350" b="0">
+            <a:endParaRPr lang="en-US" sz="2350" b="0" dirty="0">
               <a:ea typeface="+mn-lt"/>
               <a:cs typeface="+mn-lt"/>
             </a:endParaRPr>
@@ -9142,48 +9081,8 @@
           <a:lstStyle/>
           <a:p>
             <a:r>
-              <a:rPr lang="en-US" sz="3950" dirty="0" err="1"/>
-              <a:t>Задача</a:t>
-            </a:r>
-            <a:r>
               <a:rPr lang="en-US" sz="3950" dirty="0"/>
-              <a:t>: </a:t>
-            </a:r>
-            <a:r>
-              <a:rPr lang="en-US" sz="3950" dirty="0" err="1"/>
-              <a:t>Сума</a:t>
-            </a:r>
-            <a:r>
-              <a:rPr lang="en-US" sz="3950" dirty="0"/>
-              <a:t> </a:t>
-            </a:r>
-            <a:r>
-              <a:rPr lang="en-US" sz="3950" dirty="0" err="1"/>
-              <a:t>на</a:t>
-            </a:r>
-            <a:r>
-              <a:rPr lang="en-US" sz="3950" dirty="0"/>
-              <a:t> </a:t>
-            </a:r>
-            <a:r>
-              <a:rPr lang="en-US" sz="3950" dirty="0" err="1"/>
-              <a:t>елементите</a:t>
-            </a:r>
-            <a:r>
-              <a:rPr lang="en-US" sz="3950" dirty="0"/>
-              <a:t> </a:t>
-            </a:r>
-            <a:r>
-              <a:rPr lang="en-US" sz="3950" dirty="0" err="1"/>
-              <a:t>от</a:t>
-            </a:r>
-            <a:r>
-              <a:rPr lang="en-US" sz="3950" dirty="0"/>
-              <a:t> </a:t>
-            </a:r>
-            <a:r>
-              <a:rPr lang="en-US" sz="3950" dirty="0" err="1"/>
-              <a:t>масива</a:t>
+              <a:t>Задача: Сума на елементите от масива</a:t>
             </a:r>
           </a:p>
         </p:txBody>
@@ -9953,193 +9852,55 @@
           <a:p>
             <a:pPr marL="456565" indent="-456565"/>
             <a:r>
-              <a:rPr lang="en-US" sz="3600" dirty="0" err="1"/>
-              <a:t>Прочетете</a:t>
-            </a:r>
-            <a:r>
               <a:rPr lang="en-US" sz="3600" dirty="0"/>
-              <a:t> </a:t>
-            </a:r>
-            <a:r>
-              <a:rPr lang="en-US" sz="3600" dirty="0" err="1"/>
-              <a:t>матрицата</a:t>
-            </a:r>
-            <a:r>
-              <a:rPr lang="en-US" sz="3600" dirty="0"/>
-              <a:t> </a:t>
-            </a:r>
-            <a:r>
-              <a:rPr lang="en-US" sz="3600" dirty="0" err="1"/>
-              <a:t>от</a:t>
-            </a:r>
-            <a:r>
-              <a:rPr lang="en-US" sz="3600" dirty="0"/>
-              <a:t> </a:t>
-            </a:r>
-            <a:r>
-              <a:rPr lang="en-US" sz="3600" dirty="0" err="1"/>
-              <a:t>конзолата</a:t>
-            </a:r>
-            <a:endParaRPr lang="bg-BG" sz="3350" dirty="0" err="1">
+              <a:t>Прочетете матрицата от конзолата</a:t>
+            </a:r>
+            <a:endParaRPr lang="bg-BG" sz="3350" dirty="0">
               <a:cs typeface="Calibri"/>
             </a:endParaRPr>
           </a:p>
           <a:p>
             <a:pPr marL="456565" indent="-456565"/>
             <a:r>
-              <a:rPr lang="en-US" sz="3600" dirty="0" err="1"/>
-              <a:t>Отпечатайте</a:t>
-            </a:r>
-            <a:r>
               <a:rPr lang="en-US" sz="3600" dirty="0"/>
-              <a:t> </a:t>
-            </a:r>
-            <a:r>
-              <a:rPr lang="en-US" sz="3600" dirty="0" err="1"/>
-              <a:t>броя</a:t>
-            </a:r>
-            <a:r>
-              <a:rPr lang="en-US" sz="3600" dirty="0"/>
-              <a:t> </a:t>
-            </a:r>
-            <a:r>
-              <a:rPr lang="en-US" sz="3600" dirty="0" err="1"/>
-              <a:t>на</a:t>
-            </a:r>
-            <a:r>
-              <a:rPr lang="en-US" sz="3600" dirty="0"/>
-              <a:t> </a:t>
-            </a:r>
-            <a:r>
-              <a:rPr lang="en-US" sz="3600" dirty="0" err="1"/>
-              <a:t>редиците</a:t>
-            </a:r>
-            <a:endParaRPr lang="en-US" sz="3600" dirty="0" err="1">
+              <a:t>Отпечатайте броя на редиците</a:t>
+            </a:r>
+            <a:endParaRPr lang="en-US" sz="3600" dirty="0">
               <a:cs typeface="Calibri"/>
             </a:endParaRPr>
           </a:p>
           <a:p>
             <a:pPr marL="456565" indent="-456565"/>
             <a:r>
-              <a:rPr lang="en-US" sz="3600" dirty="0" err="1"/>
-              <a:t>Отпечатайте</a:t>
-            </a:r>
-            <a:r>
               <a:rPr lang="en-US" sz="3600" dirty="0"/>
-              <a:t> </a:t>
-            </a:r>
-            <a:r>
-              <a:rPr lang="en-US" sz="3600" dirty="0" err="1"/>
-              <a:t>броя</a:t>
-            </a:r>
-            <a:r>
-              <a:rPr lang="en-US" sz="3600" dirty="0"/>
-              <a:t> </a:t>
-            </a:r>
-            <a:r>
-              <a:rPr lang="en-US" sz="3600" dirty="0" err="1"/>
-              <a:t>на</a:t>
-            </a:r>
-            <a:r>
-              <a:rPr lang="en-US" sz="3600" dirty="0"/>
-              <a:t> </a:t>
-            </a:r>
-            <a:r>
-              <a:rPr lang="en-US" sz="3600" dirty="0" err="1"/>
-              <a:t>колоните</a:t>
-            </a:r>
-            <a:endParaRPr lang="en-US" sz="3600" dirty="0" err="1">
+              <a:t>Отпечатайте броя на колоните</a:t>
+            </a:r>
+            <a:endParaRPr lang="en-US" sz="3600" dirty="0">
               <a:cs typeface="Calibri"/>
             </a:endParaRPr>
           </a:p>
           <a:p>
             <a:pPr marL="456565" indent="-456565"/>
             <a:r>
-              <a:rPr lang="en-US" sz="3600" dirty="0" err="1">
-                <a:cs typeface="Calibri"/>
-              </a:rPr>
-              <a:t>Отпечатайте</a:t>
-            </a:r>
-            <a:r>
               <a:rPr lang="en-US" sz="3600" dirty="0">
                 <a:cs typeface="Calibri"/>
               </a:rPr>
-              <a:t> </a:t>
-            </a:r>
-            <a:r>
-              <a:rPr lang="en-US" sz="3600" b="1" dirty="0" err="1">
+              <a:t>Отпечатайте </a:t>
+            </a:r>
+            <a:r>
+              <a:rPr lang="en-US" sz="3600" b="1" dirty="0">
                 <a:solidFill>
                   <a:schemeClr val="bg1"/>
                 </a:solidFill>
                 <a:cs typeface="Calibri"/>
               </a:rPr>
-              <a:t>сумата</a:t>
-            </a:r>
-            <a:r>
-              <a:rPr lang="en-US" sz="3600" b="1" dirty="0">
-                <a:solidFill>
-                  <a:schemeClr val="bg1"/>
-                </a:solidFill>
-                <a:cs typeface="Calibri"/>
-              </a:rPr>
-              <a:t> </a:t>
-            </a:r>
-            <a:r>
-              <a:rPr lang="en-US" sz="3600" b="1" dirty="0" err="1">
-                <a:solidFill>
-                  <a:schemeClr val="bg1"/>
-                </a:solidFill>
-                <a:cs typeface="Calibri"/>
-              </a:rPr>
-              <a:t>на</a:t>
-            </a:r>
-            <a:r>
-              <a:rPr lang="en-US" sz="3600" b="1" dirty="0">
-                <a:solidFill>
-                  <a:schemeClr val="bg1"/>
-                </a:solidFill>
-                <a:cs typeface="Calibri"/>
-              </a:rPr>
-              <a:t> </a:t>
-            </a:r>
-            <a:r>
-              <a:rPr lang="en-US" sz="3600" b="1" dirty="0" err="1">
-                <a:solidFill>
-                  <a:schemeClr val="bg1"/>
-                </a:solidFill>
-                <a:cs typeface="Calibri"/>
-              </a:rPr>
-              <a:t>всички</a:t>
-            </a:r>
-            <a:r>
-              <a:rPr lang="en-US" sz="3600" b="1" dirty="0">
-                <a:solidFill>
-                  <a:schemeClr val="bg1"/>
-                </a:solidFill>
-                <a:cs typeface="Calibri"/>
-              </a:rPr>
-              <a:t> </a:t>
-            </a:r>
-            <a:r>
-              <a:rPr lang="en-US" sz="3600" b="1" dirty="0" err="1">
-                <a:solidFill>
-                  <a:schemeClr val="bg1"/>
-                </a:solidFill>
-                <a:cs typeface="Calibri"/>
-              </a:rPr>
-              <a:t>елементи</a:t>
+              <a:t>сумата на всички елементи</a:t>
             </a:r>
             <a:r>
               <a:rPr lang="en-US" sz="3600" dirty="0">
                 <a:cs typeface="Calibri"/>
               </a:rPr>
-              <a:t> в </a:t>
-            </a:r>
-            <a:r>
-              <a:rPr lang="en-US" sz="3600" dirty="0" err="1">
-                <a:cs typeface="Calibri"/>
-              </a:rPr>
-              <a:t>матрицата</a:t>
+              <a:t> в матрицата</a:t>
             </a:r>
             <a:endParaRPr lang="en-US" dirty="0"/>
           </a:p>
@@ -10963,75 +10724,15 @@
           <a:lstStyle/>
           <a:p>
             <a:r>
-              <a:rPr lang="en-US" sz="3950" dirty="0" err="1"/>
-              <a:t>Решение</a:t>
-            </a:r>
-            <a:r>
               <a:rPr lang="en-US" sz="3950" dirty="0"/>
-              <a:t>: </a:t>
-            </a:r>
-            <a:r>
-              <a:rPr lang="en-US" sz="3950" dirty="0" err="1">
-                <a:ea typeface="+mj-lt"/>
-                <a:cs typeface="+mj-lt"/>
-              </a:rPr>
-              <a:t>Сума</a:t>
+              <a:t>Решение: </a:t>
             </a:r>
             <a:r>
               <a:rPr lang="en-US" sz="3950" dirty="0">
                 <a:ea typeface="+mj-lt"/>
                 <a:cs typeface="+mj-lt"/>
               </a:rPr>
-              <a:t> </a:t>
-            </a:r>
-            <a:r>
-              <a:rPr lang="en-US" sz="3950" dirty="0" err="1">
-                <a:ea typeface="+mj-lt"/>
-                <a:cs typeface="+mj-lt"/>
-              </a:rPr>
-              <a:t>на</a:t>
-            </a:r>
-            <a:r>
-              <a:rPr lang="en-US" sz="3950" dirty="0">
-                <a:ea typeface="+mj-lt"/>
-                <a:cs typeface="+mj-lt"/>
-              </a:rPr>
-              <a:t> </a:t>
-            </a:r>
-            <a:r>
-              <a:rPr lang="en-US" sz="3950" dirty="0" err="1">
-                <a:ea typeface="+mj-lt"/>
-                <a:cs typeface="+mj-lt"/>
-              </a:rPr>
-              <a:t>елементите</a:t>
-            </a:r>
-            <a:r>
-              <a:rPr lang="en-US" sz="3950" dirty="0">
-                <a:ea typeface="+mj-lt"/>
-                <a:cs typeface="+mj-lt"/>
-              </a:rPr>
-              <a:t> </a:t>
-            </a:r>
-            <a:r>
-              <a:rPr lang="en-US" sz="3950" dirty="0" err="1">
-                <a:ea typeface="+mj-lt"/>
-                <a:cs typeface="+mj-lt"/>
-              </a:rPr>
-              <a:t>от</a:t>
-            </a:r>
-            <a:r>
-              <a:rPr lang="en-US" sz="3950" dirty="0">
-                <a:ea typeface="+mj-lt"/>
-                <a:cs typeface="+mj-lt"/>
-              </a:rPr>
-              <a:t> </a:t>
-            </a:r>
-            <a:r>
-              <a:rPr lang="en-US" sz="3950" dirty="0" err="1">
-                <a:ea typeface="+mj-lt"/>
-                <a:cs typeface="+mj-lt"/>
-              </a:rPr>
-              <a:t>масива</a:t>
+              <a:t>Сума на елементите от масива</a:t>
             </a:r>
             <a:r>
               <a:rPr lang="en-US" sz="3950" dirty="0"/>
@@ -11102,27 +10803,17 @@
           <a:p>
             <a:pPr algn="ctr"/>
             <a:r>
-              <a:rPr lang="en-US" sz="2350" b="1" dirty="0" err="1">
+              <a:rPr lang="en-US" sz="2350" b="1" dirty="0">
                 <a:solidFill>
                   <a:srgbClr val="FFFFFF"/>
                 </a:solidFill>
                 <a:ea typeface="+mn-lt"/>
                 <a:cs typeface="+mn-lt"/>
               </a:rPr>
-              <a:t>Взимаме</a:t>
+              <a:t>Взимаме </a:t>
             </a:r>
             <a:r>
               <a:rPr lang="en-US" sz="2350" b="1" dirty="0">
-                <a:solidFill>
-                  <a:srgbClr val="FFFFFF"/>
-                </a:solidFill>
-                <a:ea typeface="+mn-lt"/>
-                <a:cs typeface="+mn-lt"/>
-              </a:rPr>
-              <a:t> </a:t>
-            </a:r>
-            <a:r>
-              <a:rPr lang="en-US" sz="2350" b="1" dirty="0" err="1">
                 <a:solidFill>
                   <a:schemeClr val="bg1">
                     <a:lumMod val="60000"/>
@@ -11142,30 +10833,10 @@
                 <a:ea typeface="+mn-lt"/>
                 <a:cs typeface="+mn-lt"/>
               </a:rPr>
-              <a:t> </a:t>
-            </a:r>
-            <a:r>
-              <a:rPr lang="en-US" sz="2350" b="1" dirty="0" err="1">
-                <a:solidFill>
-                  <a:srgbClr val="FFFFFF"/>
-                </a:solidFill>
-                <a:ea typeface="+mn-lt"/>
-                <a:cs typeface="+mn-lt"/>
-              </a:rPr>
-              <a:t>на</a:t>
+              <a:t> на </a:t>
             </a:r>
             <a:r>
               <a:rPr lang="en-US" sz="2350" b="1" dirty="0">
-                <a:solidFill>
-                  <a:srgbClr val="FFFFFF"/>
-                </a:solidFill>
-                <a:ea typeface="+mn-lt"/>
-                <a:cs typeface="+mn-lt"/>
-              </a:rPr>
-              <a:t> </a:t>
-            </a:r>
-            <a:r>
-              <a:rPr lang="en-US" sz="2350" b="1" dirty="0" err="1">
                 <a:solidFill>
                   <a:schemeClr val="bg1">
                     <a:lumMod val="60000"/>
@@ -11185,43 +10856,15 @@
                 <a:ea typeface="+mn-lt"/>
                 <a:cs typeface="+mn-lt"/>
               </a:rPr>
-              <a:t> </a:t>
-            </a:r>
-            <a:r>
-              <a:rPr lang="en-US" sz="2350" b="1" dirty="0" err="1">
+              <a:t> измрение (</a:t>
+            </a:r>
+            <a:r>
+              <a:rPr lang="en-US" sz="2350" b="1" dirty="0">
                 <a:solidFill>
                   <a:srgbClr val="FFFFFF"/>
                 </a:solidFill>
-                <a:ea typeface="+mn-lt"/>
-                <a:cs typeface="+mn-lt"/>
-              </a:rPr>
-              <a:t>измрение</a:t>
-            </a:r>
-            <a:r>
-              <a:rPr lang="en-US" sz="2350" b="1" dirty="0">
-                <a:solidFill>
-                  <a:srgbClr val="FFFFFF"/>
-                </a:solidFill>
-                <a:ea typeface="+mn-lt"/>
-                <a:cs typeface="+mn-lt"/>
-              </a:rPr>
-              <a:t> (</a:t>
-            </a:r>
-            <a:r>
-              <a:rPr lang="en-US" sz="2350" b="1" dirty="0" err="1">
-                <a:solidFill>
-                  <a:srgbClr val="FFFFFF"/>
-                </a:solidFill>
-              </a:rPr>
-              <a:t>колони</a:t>
-            </a:r>
-            <a:r>
-              <a:rPr lang="en-US" sz="2350" b="1" dirty="0">
-                <a:solidFill>
-                  <a:srgbClr val="FFFFFF"/>
-                </a:solidFill>
-              </a:rPr>
-              <a:t>)</a:t>
+              </a:rPr>
+              <a:t>колони)</a:t>
             </a:r>
             <a:endParaRPr lang="bg-BG" sz="2350" b="1" dirty="0">
               <a:solidFill>
@@ -11294,27 +10937,17 @@
           <a:p>
             <a:pPr algn="ctr"/>
             <a:r>
-              <a:rPr lang="en-US" sz="2350" b="1" dirty="0" err="1">
+              <a:rPr lang="en-US" sz="2350" b="1" dirty="0">
                 <a:solidFill>
                   <a:srgbClr val="FFFFFF"/>
                 </a:solidFill>
                 <a:ea typeface="+mn-lt"/>
                 <a:cs typeface="+mn-lt"/>
               </a:rPr>
-              <a:t>Взимаме</a:t>
+              <a:t>Взимаме </a:t>
             </a:r>
             <a:r>
               <a:rPr lang="en-US" sz="2350" b="1" dirty="0">
-                <a:solidFill>
-                  <a:srgbClr val="FFFFFF"/>
-                </a:solidFill>
-                <a:ea typeface="+mn-lt"/>
-                <a:cs typeface="+mn-lt"/>
-              </a:rPr>
-              <a:t> </a:t>
-            </a:r>
-            <a:r>
-              <a:rPr lang="en-US" sz="2350" b="1" dirty="0" err="1">
                 <a:solidFill>
                   <a:schemeClr val="bg1">
                     <a:lumMod val="60000"/>
@@ -11334,39 +10967,19 @@
                 <a:ea typeface="+mn-lt"/>
                 <a:cs typeface="+mn-lt"/>
               </a:rPr>
-              <a:t> </a:t>
-            </a:r>
-            <a:r>
-              <a:rPr lang="en-US" sz="2350" b="1" dirty="0" err="1">
+              <a:t> на </a:t>
+            </a:r>
+            <a:br>
+              <a:rPr lang="en-US" sz="2350" b="1" dirty="0">
                 <a:solidFill>
                   <a:srgbClr val="FFFFFF"/>
                 </a:solidFill>
                 <a:ea typeface="+mn-lt"/>
                 <a:cs typeface="+mn-lt"/>
               </a:rPr>
-              <a:t>на</a:t>
-            </a:r>
+            </a:br>
             <a:r>
               <a:rPr lang="en-US" sz="2350" b="1" dirty="0">
-                <a:solidFill>
-                  <a:srgbClr val="FFFFFF"/>
-                </a:solidFill>
-                <a:ea typeface="+mn-lt"/>
-                <a:cs typeface="+mn-lt"/>
-              </a:rPr>
-              <a:t> </a:t>
-            </a:r>
-            <a:br>
-              <a:rPr lang="en-US" sz="2350" b="1" dirty="0">
-                <a:solidFill>
-                  <a:srgbClr val="FFFFFF"/>
-                </a:solidFill>
-                <a:ea typeface="+mn-lt"/>
-                <a:cs typeface="+mn-lt"/>
-              </a:rPr>
-            </a:br>
-            <a:r>
-              <a:rPr lang="en-US" sz="2350" b="1" dirty="0" err="1">
                 <a:solidFill>
                   <a:schemeClr val="bg1">
                     <a:lumMod val="60000"/>
@@ -11376,7 +10989,17 @@
                 <a:ea typeface="+mn-lt"/>
                 <a:cs typeface="+mn-lt"/>
               </a:rPr>
-              <a:t>нулевото</a:t>
+              <a:t>нулевото </a:t>
+            </a:r>
+            <a:r>
+              <a:rPr lang="en-US" sz="2350" b="1" dirty="0">
+                <a:solidFill>
+                  <a:schemeClr val="bg2"/>
+                </a:solidFill>
+                <a:ea typeface="+mn-lt"/>
+                <a:cs typeface="+mn-lt"/>
+              </a:rPr>
+              <a:t>измрение</a:t>
             </a:r>
             <a:r>
               <a:rPr lang="en-US" sz="2350" b="1" dirty="0">
@@ -11392,47 +11015,14 @@
               <a:t> </a:t>
             </a:r>
             <a:r>
-              <a:rPr lang="en-US" sz="2350" b="1" dirty="0" err="1">
-                <a:solidFill>
-                  <a:schemeClr val="bg2"/>
+              <a:rPr lang="en-US" sz="2350" b="1" dirty="0">
+                <a:solidFill>
+                  <a:srgbClr val="FFFFFF"/>
                 </a:solidFill>
                 <a:ea typeface="+mn-lt"/>
                 <a:cs typeface="+mn-lt"/>
               </a:rPr>
-              <a:t>измрение</a:t>
-            </a:r>
-            <a:r>
-              <a:rPr lang="en-US" sz="2350" b="1" dirty="0">
-                <a:solidFill>
-                  <a:schemeClr val="bg1">
-                    <a:lumMod val="60000"/>
-                    <a:lumOff val="40000"/>
-                  </a:schemeClr>
-                </a:solidFill>
-                <a:ea typeface="+mn-lt"/>
-                <a:cs typeface="+mn-lt"/>
-              </a:rPr>
-              <a:t> </a:t>
-            </a:r>
-            <a:r>
-              <a:rPr lang="en-US" sz="2350" b="1" dirty="0">
-                <a:solidFill>
-                  <a:srgbClr val="FFFFFF"/>
-                </a:solidFill>
-                <a:ea typeface="+mn-lt"/>
-                <a:cs typeface="+mn-lt"/>
-              </a:rPr>
-              <a:t>(</a:t>
-            </a:r>
-            <a:r>
-              <a:rPr lang="en-US" sz="2350" b="1" dirty="0" err="1">
-                <a:solidFill>
-                  <a:srgbClr val="FFFFFF"/>
-                </a:solidFill>
-                <a:ea typeface="+mn-lt"/>
-                <a:cs typeface="+mn-lt"/>
-              </a:rPr>
-              <a:t>редици</a:t>
+              <a:t>(редици</a:t>
             </a:r>
             <a:r>
               <a:rPr lang="en-US" sz="2350" b="1" dirty="0">
@@ -12215,78 +11805,22 @@
           <a:lstStyle/>
           <a:p>
             <a:r>
-              <a:rPr lang="en-US" sz="3950" dirty="0" err="1">
-                <a:ea typeface="+mj-lt"/>
-                <a:cs typeface="+mj-lt"/>
-              </a:rPr>
-              <a:t>Решение</a:t>
-            </a:r>
-            <a:r>
-              <a:rPr lang="en-US" sz="3950" dirty="0"/>
-              <a:t>: </a:t>
-            </a:r>
-            <a:r>
-              <a:rPr lang="en-US" sz="3950" dirty="0" err="1">
-                <a:ea typeface="+mj-lt"/>
-                <a:cs typeface="+mj-lt"/>
-              </a:rPr>
-              <a:t>Сума</a:t>
-            </a:r>
-            <a:r>
               <a:rPr lang="en-US" sz="3950" dirty="0">
                 <a:ea typeface="+mj-lt"/>
                 <a:cs typeface="+mj-lt"/>
               </a:rPr>
-              <a:t> </a:t>
-            </a:r>
-            <a:r>
-              <a:rPr lang="en-US" sz="3950" dirty="0" err="1">
-                <a:ea typeface="+mj-lt"/>
-                <a:cs typeface="+mj-lt"/>
-              </a:rPr>
-              <a:t>на</a:t>
+              <a:t>Решение</a:t>
+            </a:r>
+            <a:r>
+              <a:rPr lang="en-US" sz="3950" dirty="0"/>
+              <a:t>: </a:t>
             </a:r>
             <a:r>
               <a:rPr lang="en-US" sz="3950" dirty="0">
                 <a:ea typeface="+mj-lt"/>
                 <a:cs typeface="+mj-lt"/>
               </a:rPr>
-              <a:t> </a:t>
-            </a:r>
-            <a:r>
-              <a:rPr lang="en-US" sz="3950" dirty="0" err="1">
-                <a:ea typeface="+mj-lt"/>
-                <a:cs typeface="+mj-lt"/>
-              </a:rPr>
-              <a:t>елементите</a:t>
-            </a:r>
-            <a:r>
-              <a:rPr lang="en-US" sz="3950" dirty="0">
-                <a:ea typeface="+mj-lt"/>
-                <a:cs typeface="+mj-lt"/>
-              </a:rPr>
-              <a:t> </a:t>
-            </a:r>
-            <a:r>
-              <a:rPr lang="en-US" sz="3950" dirty="0" err="1">
-                <a:ea typeface="+mj-lt"/>
-                <a:cs typeface="+mj-lt"/>
-              </a:rPr>
-              <a:t>от</a:t>
-            </a:r>
-            <a:r>
-              <a:rPr lang="en-US" sz="3950" dirty="0">
-                <a:ea typeface="+mj-lt"/>
-                <a:cs typeface="+mj-lt"/>
-              </a:rPr>
-              <a:t> </a:t>
-            </a:r>
-            <a:r>
-              <a:rPr lang="en-US" sz="3950" dirty="0" err="1">
-                <a:ea typeface="+mj-lt"/>
-                <a:cs typeface="+mj-lt"/>
-              </a:rPr>
-              <a:t>масива</a:t>
+              <a:t>Сума на елементите от масива</a:t>
             </a:r>
             <a:r>
               <a:rPr lang="en-US" sz="3950" dirty="0"/>
@@ -12732,28 +12266,16 @@
           <a:p>
             <a:pPr algn="ctr"/>
             <a:r>
-              <a:rPr lang="en-US" sz="1950" dirty="0" err="1"/>
-              <a:t>Тествайте</a:t>
-            </a:r>
-            <a:r>
               <a:rPr lang="en-US" sz="1950" dirty="0"/>
-              <a:t> </a:t>
-            </a:r>
-            <a:r>
-              <a:rPr lang="en-US" sz="1950" dirty="0" err="1"/>
-              <a:t>решението</a:t>
-            </a:r>
-            <a:r>
-              <a:rPr lang="en-US" sz="1950" dirty="0"/>
-              <a:t> в Judge: </a:t>
+              <a:t>Тествайте решението в Judge: </a:t>
             </a:r>
             <a:r>
               <a:rPr lang="en-US" sz="1950" dirty="0">
                 <a:hlinkClick r:id="rId2"/>
               </a:rPr>
-              <a:t>https://judge.softuni.org/Contests/Practice/Index/3174#11</a:t>
-            </a:r>
-            <a:endParaRPr lang="en-US" sz="1950">
+              <a:t>https://judge.softuni.org/Contests/Practice/Index/4156#2</a:t>
+            </a:r>
+            <a:endParaRPr lang="en-US" sz="1950" dirty="0">
               <a:cs typeface="Calibri"/>
             </a:endParaRPr>
           </a:p>
@@ -13088,50 +12610,10 @@
           <a:lstStyle/>
           <a:p>
             <a:r>
-              <a:rPr lang="en-US" sz="3950" dirty="0" err="1"/>
-              <a:t>Задача</a:t>
-            </a:r>
-            <a:r>
               <a:rPr lang="en-US" sz="3950" dirty="0"/>
-              <a:t>: </a:t>
-            </a:r>
-            <a:r>
-              <a:rPr lang="en-US" sz="3950" dirty="0" err="1"/>
-              <a:t>Сума</a:t>
-            </a:r>
-            <a:r>
-              <a:rPr lang="en-US" sz="3950" dirty="0"/>
-              <a:t> </a:t>
-            </a:r>
-            <a:r>
-              <a:rPr lang="en-US" sz="3950" dirty="0" err="1"/>
-              <a:t>на</a:t>
-            </a:r>
-            <a:r>
-              <a:rPr lang="en-US" sz="3950" dirty="0"/>
-              <a:t> </a:t>
-            </a:r>
-            <a:r>
-              <a:rPr lang="en-US" sz="3950" dirty="0" err="1"/>
-              <a:t>колоните</a:t>
-            </a:r>
-            <a:r>
-              <a:rPr lang="en-US" sz="3950" dirty="0"/>
-              <a:t> </a:t>
-            </a:r>
-            <a:r>
-              <a:rPr lang="en-US" sz="3950" dirty="0" err="1"/>
-              <a:t>на</a:t>
-            </a:r>
-            <a:r>
-              <a:rPr lang="en-US" sz="3950" dirty="0"/>
-              <a:t> </a:t>
-            </a:r>
-            <a:r>
-              <a:rPr lang="en-US" sz="3950" dirty="0" err="1"/>
-              <a:t>матрица</a:t>
-            </a:r>
-            <a:endParaRPr lang="en-US" sz="3950" dirty="0" err="1">
+              <a:t>Задача: Сума на колоните на матрица</a:t>
+            </a:r>
+            <a:endParaRPr lang="en-US" sz="3950" dirty="0">
               <a:cs typeface="Calibri"/>
             </a:endParaRPr>
           </a:p>
@@ -13931,57 +13413,19 @@
           <a:p>
             <a:pPr marL="456565" indent="-456565"/>
             <a:r>
-              <a:rPr lang="en-US" sz="3600" dirty="0" err="1"/>
-              <a:t>Прочетете</a:t>
-            </a:r>
-            <a:r>
               <a:rPr lang="en-US" sz="3600" dirty="0"/>
-              <a:t> </a:t>
-            </a:r>
-            <a:r>
-              <a:rPr lang="en-US" sz="3600" dirty="0" err="1"/>
-              <a:t>размерите</a:t>
-            </a:r>
-            <a:r>
-              <a:rPr lang="en-US" sz="3600" dirty="0"/>
-              <a:t> </a:t>
-            </a:r>
-            <a:r>
-              <a:rPr lang="en-US" sz="3600" dirty="0" err="1"/>
-              <a:t>на</a:t>
-            </a:r>
-            <a:r>
-              <a:rPr lang="en-US" sz="3600" dirty="0"/>
-              <a:t> </a:t>
-            </a:r>
-            <a:r>
-              <a:rPr lang="en-US" sz="3600" dirty="0" err="1"/>
-              <a:t>матрицата</a:t>
-            </a:r>
-            <a:endParaRPr lang="bg-BG" dirty="0" err="1"/>
+              <a:t>Прочетете размерите на матрицата</a:t>
+            </a:r>
+            <a:endParaRPr lang="bg-BG" dirty="0"/>
           </a:p>
           <a:p>
             <a:pPr marL="456565" indent="-456565"/>
-            <a:r>
-              <a:rPr lang="en-US" sz="3600" dirty="0" err="1">
-                <a:ea typeface="+mn-lt"/>
-                <a:cs typeface="+mn-lt"/>
-              </a:rPr>
-              <a:t>Прочетете</a:t>
-            </a:r>
             <a:r>
               <a:rPr lang="en-US" sz="3600" dirty="0">
                 <a:ea typeface="+mn-lt"/>
                 <a:cs typeface="+mn-lt"/>
               </a:rPr>
-              <a:t> </a:t>
-            </a:r>
-            <a:r>
-              <a:rPr lang="en-US" sz="3600" dirty="0" err="1">
-                <a:ea typeface="+mn-lt"/>
-                <a:cs typeface="+mn-lt"/>
-              </a:rPr>
-              <a:t>матрицата</a:t>
+              <a:t>Прочетете матрицата</a:t>
             </a:r>
             <a:endParaRPr lang="en-US" sz="3600" dirty="0">
               <a:cs typeface="Calibri"/>
@@ -13990,104 +13434,26 @@
           <a:p>
             <a:pPr marL="456565" indent="-456565"/>
             <a:r>
-              <a:rPr lang="en-US" sz="3600" dirty="0" err="1">
-                <a:cs typeface="Calibri"/>
-              </a:rPr>
-              <a:t>Отпечатайте</a:t>
-            </a:r>
-            <a:r>
-              <a:rPr lang="en-US" sz="3600" b="1" dirty="0">
-                <a:solidFill>
-                  <a:schemeClr val="bg1"/>
-                </a:solidFill>
-                <a:cs typeface="Calibri"/>
-              </a:rPr>
-              <a:t> </a:t>
-            </a:r>
-            <a:r>
-              <a:rPr lang="en-US" sz="3600" b="1" dirty="0" err="1">
-                <a:solidFill>
-                  <a:schemeClr val="bg1"/>
-                </a:solidFill>
-                <a:cs typeface="Calibri"/>
-              </a:rPr>
-              <a:t>сумата</a:t>
-            </a:r>
-            <a:r>
-              <a:rPr lang="en-US" sz="3600" b="1" dirty="0">
-                <a:solidFill>
-                  <a:schemeClr val="bg1"/>
-                </a:solidFill>
-                <a:cs typeface="Calibri"/>
-              </a:rPr>
-              <a:t> </a:t>
-            </a:r>
-            <a:r>
-              <a:rPr lang="en-US" sz="3600" b="1" dirty="0" err="1">
-                <a:solidFill>
-                  <a:schemeClr val="bg1"/>
-                </a:solidFill>
-                <a:cs typeface="Calibri"/>
-              </a:rPr>
-              <a:t>на</a:t>
-            </a:r>
-            <a:r>
-              <a:rPr lang="en-US" sz="3600" b="1" dirty="0">
-                <a:solidFill>
-                  <a:schemeClr val="bg1"/>
-                </a:solidFill>
-                <a:cs typeface="Calibri"/>
-              </a:rPr>
-              <a:t> </a:t>
-            </a:r>
-            <a:r>
-              <a:rPr lang="en-US" sz="3600" b="1" dirty="0" err="1">
-                <a:solidFill>
-                  <a:schemeClr val="bg1"/>
-                </a:solidFill>
-                <a:cs typeface="Calibri"/>
-              </a:rPr>
-              <a:t>числата</a:t>
-            </a:r>
-            <a:r>
               <a:rPr lang="en-US" sz="3600" dirty="0">
                 <a:cs typeface="Calibri"/>
               </a:rPr>
-              <a:t> </a:t>
-            </a:r>
-            <a:r>
-              <a:rPr lang="en-US" sz="3600" dirty="0" err="1">
+              <a:t>Отпечатайте</a:t>
+            </a:r>
+            <a:r>
+              <a:rPr lang="en-US" sz="3600" b="1" dirty="0">
+                <a:solidFill>
+                  <a:schemeClr val="bg1"/>
+                </a:solidFill>
                 <a:cs typeface="Calibri"/>
               </a:rPr>
-              <a:t>във</a:t>
+              <a:t> сумата на числата</a:t>
             </a:r>
             <a:r>
               <a:rPr lang="en-US" sz="3600" dirty="0">
                 <a:cs typeface="Calibri"/>
               </a:rPr>
-              <a:t> </a:t>
-            </a:r>
-            <a:r>
-              <a:rPr lang="en-US" sz="3600" dirty="0" err="1">
-                <a:cs typeface="Calibri"/>
-              </a:rPr>
-              <a:t>всяка</a:t>
-            </a:r>
-            <a:r>
-              <a:rPr lang="en-US" sz="3600" dirty="0">
-                <a:cs typeface="Calibri"/>
-              </a:rPr>
-              <a:t> </a:t>
-            </a:r>
-            <a:r>
-              <a:rPr lang="en-US" sz="3600" dirty="0" err="1">
-                <a:cs typeface="Calibri"/>
-              </a:rPr>
-              <a:t>колона</a:t>
-            </a:r>
-            <a:endParaRPr lang="en-US" sz="3600" dirty="0">
-              <a:cs typeface="Calibri"/>
-            </a:endParaRPr>
+              <a:t> във всяка колона</a:t>
+            </a:r>
           </a:p>
         </p:txBody>
       </p:sp>
@@ -14528,81 +13894,21 @@
           <a:lstStyle/>
           <a:p>
             <a:r>
-              <a:rPr lang="en-US" sz="3950" dirty="0" err="1"/>
-              <a:t>Решение</a:t>
-            </a:r>
-            <a:r>
               <a:rPr lang="en-US" sz="3950" dirty="0"/>
-              <a:t>: </a:t>
-            </a:r>
-            <a:r>
-              <a:rPr lang="en-US" sz="3950" dirty="0" err="1">
-                <a:ea typeface="+mj-lt"/>
-                <a:cs typeface="+mj-lt"/>
-              </a:rPr>
-              <a:t>Сума</a:t>
+              <a:t>Решение: </a:t>
             </a:r>
             <a:r>
               <a:rPr lang="en-US" sz="3950" dirty="0">
                 <a:ea typeface="+mj-lt"/>
                 <a:cs typeface="+mj-lt"/>
               </a:rPr>
-              <a:t> </a:t>
-            </a:r>
-            <a:r>
-              <a:rPr lang="en-US" sz="3950" dirty="0" err="1">
-                <a:ea typeface="+mj-lt"/>
-                <a:cs typeface="+mj-lt"/>
-              </a:rPr>
-              <a:t>на</a:t>
-            </a:r>
-            <a:r>
-              <a:rPr lang="en-US" sz="3950" dirty="0">
-                <a:ea typeface="+mj-lt"/>
-                <a:cs typeface="+mj-lt"/>
-              </a:rPr>
-              <a:t> </a:t>
-            </a:r>
-            <a:r>
-              <a:rPr lang="en-US" sz="3950" dirty="0" err="1">
-                <a:ea typeface="+mj-lt"/>
-                <a:cs typeface="+mj-lt"/>
-              </a:rPr>
-              <a:t>колоните</a:t>
-            </a:r>
-            <a:r>
-              <a:rPr lang="en-US" sz="3950" dirty="0">
-                <a:ea typeface="+mj-lt"/>
-                <a:cs typeface="+mj-lt"/>
-              </a:rPr>
-              <a:t> </a:t>
-            </a:r>
-            <a:r>
-              <a:rPr lang="en-US" sz="3950" dirty="0" err="1">
-                <a:ea typeface="+mj-lt"/>
-                <a:cs typeface="+mj-lt"/>
-              </a:rPr>
-              <a:t>на</a:t>
-            </a:r>
-            <a:r>
-              <a:rPr lang="en-US" sz="3950" dirty="0">
-                <a:ea typeface="+mj-lt"/>
-                <a:cs typeface="+mj-lt"/>
-              </a:rPr>
-              <a:t> </a:t>
-            </a:r>
-            <a:r>
-              <a:rPr lang="en-US" sz="3950" dirty="0" err="1">
-                <a:ea typeface="+mj-lt"/>
-                <a:cs typeface="+mj-lt"/>
-              </a:rPr>
-              <a:t>матрица</a:t>
+              <a:t>Сума на колоните на матрица</a:t>
             </a:r>
             <a:r>
               <a:rPr lang="en-US" sz="3950" dirty="0"/>
               <a:t> (1)</a:t>
             </a:r>
-            <a:endParaRPr lang="bg-BG"/>
+            <a:endParaRPr lang="bg-BG" dirty="0"/>
           </a:p>
         </p:txBody>
       </p:sp>
@@ -15615,78 +14921,22 @@
           <a:lstStyle/>
           <a:p>
             <a:r>
-              <a:rPr lang="en-US" sz="3950" dirty="0" err="1">
-                <a:ea typeface="+mj-lt"/>
-                <a:cs typeface="+mj-lt"/>
-              </a:rPr>
-              <a:t>Решение</a:t>
-            </a:r>
-            <a:r>
-              <a:rPr lang="en-US" sz="3950" dirty="0"/>
-              <a:t>: </a:t>
-            </a:r>
-            <a:r>
-              <a:rPr lang="en-US" sz="3950" dirty="0" err="1">
-                <a:ea typeface="+mj-lt"/>
-                <a:cs typeface="+mj-lt"/>
-              </a:rPr>
-              <a:t>Сума</a:t>
-            </a:r>
-            <a:r>
               <a:rPr lang="en-US" sz="3950" dirty="0">
                 <a:ea typeface="+mj-lt"/>
                 <a:cs typeface="+mj-lt"/>
               </a:rPr>
-              <a:t> </a:t>
-            </a:r>
-            <a:r>
-              <a:rPr lang="en-US" sz="3950" dirty="0" err="1">
-                <a:ea typeface="+mj-lt"/>
-                <a:cs typeface="+mj-lt"/>
-              </a:rPr>
-              <a:t>на</a:t>
+              <a:t>Решение</a:t>
+            </a:r>
+            <a:r>
+              <a:rPr lang="en-US" sz="3950" dirty="0"/>
+              <a:t>: </a:t>
             </a:r>
             <a:r>
               <a:rPr lang="en-US" sz="3950" dirty="0">
                 <a:ea typeface="+mj-lt"/>
                 <a:cs typeface="+mj-lt"/>
               </a:rPr>
-              <a:t> </a:t>
-            </a:r>
-            <a:r>
-              <a:rPr lang="en-US" sz="3950" dirty="0" err="1">
-                <a:ea typeface="+mj-lt"/>
-                <a:cs typeface="+mj-lt"/>
-              </a:rPr>
-              <a:t>колоните</a:t>
-            </a:r>
-            <a:r>
-              <a:rPr lang="en-US" sz="3950" dirty="0">
-                <a:ea typeface="+mj-lt"/>
-                <a:cs typeface="+mj-lt"/>
-              </a:rPr>
-              <a:t> </a:t>
-            </a:r>
-            <a:r>
-              <a:rPr lang="en-US" sz="3950" dirty="0" err="1">
-                <a:ea typeface="+mj-lt"/>
-                <a:cs typeface="+mj-lt"/>
-              </a:rPr>
-              <a:t>на</a:t>
-            </a:r>
-            <a:r>
-              <a:rPr lang="en-US" sz="3950" dirty="0">
-                <a:ea typeface="+mj-lt"/>
-                <a:cs typeface="+mj-lt"/>
-              </a:rPr>
-              <a:t> </a:t>
-            </a:r>
-            <a:r>
-              <a:rPr lang="en-US" sz="3950" dirty="0" err="1">
-                <a:ea typeface="+mj-lt"/>
-                <a:cs typeface="+mj-lt"/>
-              </a:rPr>
-              <a:t>матрица</a:t>
+              <a:t>Сума на колоните на матрица</a:t>
             </a:r>
             <a:r>
               <a:rPr lang="en-US" sz="3950" dirty="0"/>
@@ -16164,28 +15414,16 @@
           <a:p>
             <a:pPr algn="ctr"/>
             <a:r>
-              <a:rPr lang="en-US" sz="1950" dirty="0" err="1"/>
-              <a:t>Тествайте</a:t>
-            </a:r>
-            <a:r>
               <a:rPr lang="en-US" sz="1950" dirty="0"/>
-              <a:t> </a:t>
-            </a:r>
-            <a:r>
-              <a:rPr lang="en-US" sz="1950" dirty="0" err="1"/>
-              <a:t>решението</a:t>
-            </a:r>
-            <a:r>
-              <a:rPr lang="en-US" sz="1950" dirty="0"/>
-              <a:t> в Judge: </a:t>
+              <a:t>Тествайте решението в Judge: </a:t>
             </a:r>
             <a:r>
               <a:rPr lang="en-US" sz="1950" dirty="0">
                 <a:hlinkClick r:id="rId2"/>
               </a:rPr>
-              <a:t>https://judge.softuni.org/Contests/Practice/Index/3174#12</a:t>
-            </a:r>
-            <a:endParaRPr lang="en-US" sz="1950">
+              <a:t>https://judge.softuni.org/Contests/Practice/Index/4156#3</a:t>
+            </a:r>
+            <a:endParaRPr lang="en-US" sz="1950" dirty="0">
               <a:cs typeface="Calibri"/>
             </a:endParaRPr>
           </a:p>
@@ -16504,32 +15742,8 @@
           <a:lstStyle/>
           <a:p>
             <a:r>
-              <a:rPr lang="en-US" sz="3950" dirty="0" err="1"/>
-              <a:t>Задача</a:t>
-            </a:r>
-            <a:r>
               <a:rPr lang="en-US" sz="3950" dirty="0"/>
-              <a:t>: </a:t>
-            </a:r>
-            <a:r>
-              <a:rPr lang="en-US" sz="3950" dirty="0" err="1"/>
-              <a:t>Квадрата</a:t>
-            </a:r>
-            <a:r>
-              <a:rPr lang="en-US" sz="3950" dirty="0"/>
-              <a:t> с </a:t>
-            </a:r>
-            <a:r>
-              <a:rPr lang="en-US" sz="3950" dirty="0" err="1"/>
-              <a:t>най-голяма</a:t>
-            </a:r>
-            <a:r>
-              <a:rPr lang="en-US" sz="3950" dirty="0"/>
-              <a:t> </a:t>
-            </a:r>
-            <a:r>
-              <a:rPr lang="en-US" sz="3950" dirty="0" err="1"/>
-              <a:t>сума</a:t>
+              <a:t>Задача: Квадрата с най-голяма сума</a:t>
             </a:r>
           </a:p>
         </p:txBody>
@@ -17150,110 +16364,56 @@
           <a:p>
             <a:pPr marL="456565" indent="-456565"/>
             <a:r>
-              <a:rPr lang="en-US" sz="3600" dirty="0" err="1"/>
-              <a:t>Намерете</a:t>
-            </a:r>
-            <a:r>
               <a:rPr lang="en-US" sz="3600" dirty="0"/>
-              <a:t> </a:t>
-            </a:r>
-            <a:r>
-              <a:rPr lang="en-US" sz="3600" b="1" dirty="0" err="1">
+              <a:t>Намерете </a:t>
+            </a:r>
+            <a:r>
+              <a:rPr lang="en-US" sz="3600" b="1" dirty="0">
                 <a:solidFill>
                   <a:schemeClr val="bg1"/>
                 </a:solidFill>
               </a:rPr>
-              <a:t>квадрата</a:t>
+              <a:t>квадрата </a:t>
+            </a:r>
+            <a:r>
+              <a:rPr lang="en-US" sz="3600" dirty="0">
+                <a:solidFill>
+                  <a:srgbClr val="234465"/>
+                </a:solidFill>
+              </a:rPr>
+              <a:t>с най-голяма сума </a:t>
             </a:r>
             <a:r>
               <a:rPr lang="en-US" sz="3600" b="1" dirty="0">
-                <a:solidFill>
-                  <a:schemeClr val="bg1"/>
-                </a:solidFill>
-              </a:rPr>
-              <a:t> </a:t>
-            </a:r>
-            <a:r>
-              <a:rPr lang="en-US" sz="3600" dirty="0">
-                <a:solidFill>
-                  <a:srgbClr val="234465"/>
-                </a:solidFill>
-              </a:rPr>
-              <a:t>с </a:t>
-            </a:r>
-            <a:r>
-              <a:rPr lang="en-US" sz="3600" dirty="0" err="1">
-                <a:solidFill>
-                  <a:srgbClr val="234465"/>
-                </a:solidFill>
-              </a:rPr>
-              <a:t>най-голяма</a:t>
-            </a:r>
-            <a:r>
-              <a:rPr lang="en-US" sz="3600" dirty="0">
-                <a:solidFill>
-                  <a:srgbClr val="234465"/>
-                </a:solidFill>
-              </a:rPr>
-              <a:t> </a:t>
-            </a:r>
-            <a:r>
-              <a:rPr lang="en-US" sz="3600" dirty="0" err="1">
-                <a:solidFill>
-                  <a:srgbClr val="234465"/>
-                </a:solidFill>
-              </a:rPr>
-              <a:t>сума</a:t>
-            </a:r>
-            <a:r>
-              <a:rPr lang="en-US" sz="3600" dirty="0">
-                <a:solidFill>
-                  <a:srgbClr val="234465"/>
-                </a:solidFill>
-              </a:rPr>
-              <a:t> </a:t>
-            </a:r>
-            <a:r>
-              <a:rPr lang="en-US" sz="3600" b="1" dirty="0" err="1">
                 <a:solidFill>
                   <a:schemeClr val="bg1"/>
                 </a:solidFill>
                 <a:ea typeface="+mn-lt"/>
                 <a:cs typeface="+mn-lt"/>
               </a:rPr>
-              <a:t>с</a:t>
-            </a:r>
-            <a:r>
-              <a:rPr lang="en-US" sz="3600" b="1" dirty="0">
+              <a:t>с </a:t>
+            </a:r>
+            <a:r>
+              <a:rPr lang="bg-BG" sz="3600" b="1" dirty="0">
                 <a:solidFill>
                   <a:schemeClr val="bg1"/>
                 </a:solidFill>
                 <a:ea typeface="+mn-lt"/>
                 <a:cs typeface="+mn-lt"/>
               </a:rPr>
-              <a:t> </a:t>
-            </a:r>
-            <a:r>
-              <a:rPr lang="bg-BG" sz="3600" b="1" dirty="0">
+              <a:t>размери</a:t>
+            </a:r>
+            <a:r>
+              <a:rPr lang="en-US" sz="3600" b="1" dirty="0">
                 <a:solidFill>
                   <a:schemeClr val="bg1"/>
                 </a:solidFill>
                 <a:ea typeface="+mn-lt"/>
                 <a:cs typeface="+mn-lt"/>
               </a:rPr>
-              <a:t>размери</a:t>
-            </a:r>
-            <a:r>
-              <a:rPr lang="en-US" sz="3600" b="1" dirty="0">
-                <a:solidFill>
-                  <a:schemeClr val="bg1"/>
-                </a:solidFill>
-                <a:ea typeface="+mn-lt"/>
-                <a:cs typeface="+mn-lt"/>
-              </a:rPr>
               <a:t> 2x2</a:t>
             </a:r>
-            <a:endParaRPr lang="bg-BG" sz="3350" dirty="0" err="1">
+            <a:endParaRPr lang="bg-BG" sz="3350" dirty="0">
               <a:solidFill>
                 <a:schemeClr val="bg1"/>
               </a:solidFill>
@@ -17264,92 +16424,33 @@
           <a:p>
             <a:pPr marL="1065530" lvl="1" indent="-456565"/>
             <a:r>
-              <a:rPr lang="en-US" sz="3400" dirty="0" err="1"/>
-              <a:t>Прочетете</a:t>
-            </a:r>
-            <a:r>
               <a:rPr lang="en-US" sz="3400" dirty="0"/>
-              <a:t> </a:t>
-            </a:r>
-            <a:r>
-              <a:rPr lang="en-US" sz="3400" dirty="0" err="1"/>
-              <a:t>матрицата</a:t>
-            </a:r>
-            <a:r>
-              <a:rPr lang="en-US" sz="3400" dirty="0"/>
-              <a:t> </a:t>
-            </a:r>
-            <a:r>
-              <a:rPr lang="en-US" sz="3400" dirty="0" err="1"/>
-              <a:t>от</a:t>
-            </a:r>
-            <a:r>
-              <a:rPr lang="en-US" sz="3400" dirty="0"/>
-              <a:t> </a:t>
-            </a:r>
-            <a:r>
-              <a:rPr lang="en-US" sz="3400" dirty="0" err="1"/>
-              <a:t>конзолата</a:t>
-            </a:r>
-            <a:endParaRPr lang="en-US" sz="3400" dirty="0" err="1">
+              <a:t>Прочетете матрицата от конзолата</a:t>
+            </a:r>
+            <a:endParaRPr lang="en-US" sz="3400" dirty="0">
               <a:cs typeface="Calibri"/>
             </a:endParaRPr>
           </a:p>
           <a:p>
             <a:pPr marL="1065530" lvl="1" indent="-456565"/>
-            <a:r>
-              <a:rPr lang="en-US" sz="3400" dirty="0" err="1">
-                <a:ea typeface="+mn-lt"/>
-                <a:cs typeface="+mn-lt"/>
-              </a:rPr>
-              <a:t>Намерете</a:t>
-            </a:r>
             <a:r>
               <a:rPr lang="en-US" sz="3400" dirty="0">
                 <a:ea typeface="+mn-lt"/>
                 <a:cs typeface="+mn-lt"/>
               </a:rPr>
-              <a:t> </a:t>
-            </a:r>
-            <a:r>
-              <a:rPr lang="en-US" sz="3400" b="1" dirty="0" err="1">
+              <a:t>Намерете </a:t>
+            </a:r>
+            <a:r>
+              <a:rPr lang="en-US" sz="3400" b="1" dirty="0">
                 <a:solidFill>
                   <a:schemeClr val="bg1"/>
                 </a:solidFill>
               </a:rPr>
-              <a:t>най-голямата</a:t>
-            </a:r>
-            <a:r>
-              <a:rPr lang="en-US" sz="3400" b="1" dirty="0">
-                <a:solidFill>
-                  <a:schemeClr val="bg1"/>
-                </a:solidFill>
-              </a:rPr>
-              <a:t> </a:t>
-            </a:r>
-            <a:r>
-              <a:rPr lang="en-US" sz="3400" b="1" dirty="0" err="1">
-                <a:solidFill>
-                  <a:schemeClr val="bg1"/>
-                </a:solidFill>
-              </a:rPr>
-              <a:t>сума</a:t>
-            </a:r>
-            <a:r>
-              <a:rPr lang="en-US" sz="3400" b="1" dirty="0">
-                <a:solidFill>
-                  <a:schemeClr val="bg1"/>
-                </a:solidFill>
-              </a:rPr>
-              <a:t> </a:t>
-            </a:r>
-            <a:r>
-              <a:rPr lang="en-US" sz="3400" dirty="0" err="1"/>
-              <a:t>с</a:t>
+              <a:t>най-голямата сума </a:t>
             </a:r>
             <a:r>
               <a:rPr lang="en-US" sz="3400" dirty="0"/>
-              <a:t> </a:t>
+              <a:t>с </a:t>
             </a:r>
             <a:r>
               <a:rPr lang="bg-BG" sz="3400" dirty="0"/>
@@ -17366,34 +16467,10 @@
           <a:p>
             <a:pPr marL="1065530" lvl="1" indent="-456565"/>
             <a:r>
-              <a:rPr lang="en-US" sz="3400" dirty="0" err="1"/>
-              <a:t>Отпечатайте</a:t>
-            </a:r>
-            <a:r>
               <a:rPr lang="en-US" sz="3400" dirty="0"/>
-              <a:t> </a:t>
-            </a:r>
-            <a:r>
-              <a:rPr lang="en-US" sz="3400" dirty="0" err="1"/>
-              <a:t>квадрата</a:t>
-            </a:r>
-            <a:r>
-              <a:rPr lang="en-US" sz="3400" dirty="0"/>
-              <a:t> и </a:t>
-            </a:r>
-            <a:r>
-              <a:rPr lang="en-US" sz="3400" dirty="0" err="1"/>
-              <a:t>сумата</a:t>
-            </a:r>
-            <a:r>
-              <a:rPr lang="en-US" sz="3400" dirty="0"/>
-              <a:t> </a:t>
-            </a:r>
-            <a:r>
-              <a:rPr lang="en-US" sz="3400" dirty="0" err="1"/>
-              <a:t>му</a:t>
-            </a:r>
-            <a:endParaRPr lang="en-US" sz="3400" dirty="0" err="1">
+              <a:t>Отпечатайте квадрата и сумата му</a:t>
+            </a:r>
+            <a:endParaRPr lang="en-US" sz="3400" dirty="0">
               <a:cs typeface="Calibri"/>
             </a:endParaRPr>
           </a:p>
@@ -17785,49 +16862,17 @@
           <a:lstStyle/>
           <a:p>
             <a:r>
-              <a:rPr lang="en-US" sz="3950" dirty="0" err="1"/>
-              <a:t>Решение</a:t>
-            </a:r>
-            <a:r>
               <a:rPr lang="en-US" sz="3950" dirty="0"/>
-              <a:t>: </a:t>
-            </a:r>
-            <a:r>
-              <a:rPr lang="en-US" sz="3950" dirty="0" err="1">
-                <a:ea typeface="+mj-lt"/>
-                <a:cs typeface="+mj-lt"/>
-              </a:rPr>
-              <a:t>Квадрата</a:t>
+              <a:t>Решение: </a:t>
             </a:r>
             <a:r>
               <a:rPr lang="en-US" sz="3950" dirty="0">
                 <a:ea typeface="+mj-lt"/>
                 <a:cs typeface="+mj-lt"/>
               </a:rPr>
-              <a:t> с </a:t>
-            </a:r>
-            <a:r>
-              <a:rPr lang="en-US" sz="3950" dirty="0" err="1">
-                <a:ea typeface="+mj-lt"/>
-                <a:cs typeface="+mj-lt"/>
-              </a:rPr>
-              <a:t>най-голяма</a:t>
-            </a:r>
-            <a:r>
-              <a:rPr lang="en-US" sz="3950" dirty="0">
-                <a:ea typeface="+mj-lt"/>
-                <a:cs typeface="+mj-lt"/>
-              </a:rPr>
-              <a:t> </a:t>
-            </a:r>
-            <a:r>
-              <a:rPr lang="en-US" sz="3950" dirty="0" err="1">
-                <a:ea typeface="+mj-lt"/>
-                <a:cs typeface="+mj-lt"/>
-              </a:rPr>
-              <a:t>сума</a:t>
-            </a:r>
-            <a:endParaRPr lang="en-US" sz="3950" b="0" dirty="0" err="1">
+              <a:t>Квадрата с най-голяма сума</a:t>
+            </a:r>
+            <a:endParaRPr lang="en-US" sz="3950" b="0" dirty="0">
               <a:ea typeface="+mj-lt"/>
               <a:cs typeface="+mj-lt"/>
             </a:endParaRPr>
@@ -18417,32 +17462,11 @@
           <a:p>
             <a:pPr algn="ctr"/>
             <a:r>
-              <a:rPr lang="en-US" sz="1950" dirty="0" err="1">
-                <a:ea typeface="+mn-lt"/>
-                <a:cs typeface="+mn-lt"/>
-              </a:rPr>
-              <a:t>Тествайте</a:t>
-            </a:r>
-            <a:r>
               <a:rPr lang="en-US" sz="1950" dirty="0">
                 <a:ea typeface="+mn-lt"/>
                 <a:cs typeface="+mn-lt"/>
               </a:rPr>
-              <a:t> </a:t>
-            </a:r>
-            <a:r>
-              <a:rPr lang="en-US" sz="1950" dirty="0" err="1">
-                <a:ea typeface="+mn-lt"/>
-                <a:cs typeface="+mn-lt"/>
-              </a:rPr>
-              <a:t>решението</a:t>
-            </a:r>
-            <a:r>
-              <a:rPr lang="en-US" sz="1950" dirty="0">
-                <a:ea typeface="+mn-lt"/>
-                <a:cs typeface="+mn-lt"/>
-              </a:rPr>
-              <a:t> в Judge</a:t>
+              <a:t>Тествайте решението в Judge</a:t>
             </a:r>
             <a:r>
               <a:rPr lang="en-US" sz="1950" dirty="0"/>
@@ -18452,9 +17476,9 @@
               <a:rPr lang="en-US" sz="1950" dirty="0">
                 <a:hlinkClick r:id="rId2"/>
               </a:rPr>
-              <a:t>https://judge.softuni.org/Contests/Practice/Index/3174#15</a:t>
-            </a:r>
-            <a:endParaRPr lang="en-US" sz="1950">
+              <a:t>https://judge.softuni.org/Contests/Practice/Index/4156#4</a:t>
+            </a:r>
+            <a:endParaRPr lang="en-US" sz="1950" dirty="0">
               <a:cs typeface="Calibri"/>
             </a:endParaRPr>
           </a:p>
@@ -19099,25 +18123,11 @@
           <a:lstStyle/>
           <a:p>
             <a:r>
-              <a:rPr lang="en-US" sz="4400" b="0" dirty="0" err="1">
-                <a:ea typeface="+mj-lt"/>
-                <a:cs typeface="+mj-lt"/>
-              </a:rPr>
-              <a:t>Определение</a:t>
-            </a:r>
-            <a:r>
               <a:rPr lang="en-US" sz="4400" b="0" dirty="0">
                 <a:ea typeface="+mj-lt"/>
                 <a:cs typeface="+mj-lt"/>
               </a:rPr>
-              <a:t> и </a:t>
-            </a:r>
-            <a:r>
-              <a:rPr lang="en-US" sz="4400" b="0" dirty="0" err="1">
-                <a:ea typeface="+mj-lt"/>
-                <a:cs typeface="+mj-lt"/>
-              </a:rPr>
-              <a:t>използване</a:t>
+              <a:t>Определение и използване</a:t>
             </a:r>
           </a:p>
         </p:txBody>
@@ -19170,7 +18180,7 @@
               <a:defRPr/>
             </a:pPr>
             <a:r>
-              <a:rPr lang="en-GB" sz="5350" dirty="0" err="1">
+              <a:rPr lang="en-GB" sz="5350" dirty="0">
                 <a:solidFill>
                   <a:srgbClr val="234465"/>
                 </a:solidFill>
@@ -19197,17 +18207,7 @@
                 <a:latin typeface="Calibri" panose="020F0502020204030204"/>
                 <a:cs typeface="Arial"/>
               </a:rPr>
-              <a:t> </a:t>
-            </a:r>
-            <a:r>
-              <a:rPr lang="en-GB" sz="5350" dirty="0" err="1">
-                <a:solidFill>
-                  <a:srgbClr val="234465"/>
-                </a:solidFill>
-                <a:latin typeface="Calibri" panose="020F0502020204030204"/>
-                <a:cs typeface="Arial"/>
-              </a:rPr>
-              <a:t>масив</a:t>
+              <a:t> масив</a:t>
             </a:r>
             <a:r>
               <a:rPr lang="bg-BG" sz="5350" dirty="0">
@@ -19294,104 +18294,24 @@
               </a:buClr>
             </a:pPr>
             <a:r>
-              <a:rPr lang="en-US" sz="3350" b="1" dirty="0" err="1">
+              <a:rPr lang="en-US" sz="3350" b="1" dirty="0">
                 <a:solidFill>
                   <a:schemeClr val="bg1"/>
                 </a:solidFill>
               </a:rPr>
-              <a:t>Назъбеният</a:t>
-            </a:r>
-            <a:r>
-              <a:rPr lang="en-US" sz="3350" b="1" dirty="0">
-                <a:solidFill>
-                  <a:schemeClr val="bg1"/>
-                </a:solidFill>
-              </a:rPr>
-              <a:t> </a:t>
-            </a:r>
-            <a:r>
-              <a:rPr lang="en-US" sz="3350" b="1" dirty="0" err="1">
-                <a:solidFill>
-                  <a:schemeClr val="bg1"/>
-                </a:solidFill>
-              </a:rPr>
-              <a:t>масив</a:t>
-            </a:r>
-            <a:r>
-              <a:rPr lang="en-US" sz="3350" b="1" dirty="0">
-                <a:solidFill>
-                  <a:schemeClr val="bg1"/>
-                </a:solidFill>
-              </a:rPr>
-              <a:t> </a:t>
+              <a:t>Назъбеният масив </a:t>
             </a:r>
             <a:r>
               <a:rPr lang="en-US" sz="3350" dirty="0"/>
-              <a:t>е </a:t>
-            </a:r>
-            <a:r>
-              <a:rPr lang="en-US" sz="3350" dirty="0" err="1"/>
-              <a:t>многоизмерен</a:t>
-            </a:r>
-            <a:r>
-              <a:rPr lang="en-US" sz="3350" dirty="0"/>
-              <a:t> </a:t>
-            </a:r>
-            <a:r>
-              <a:rPr lang="en-US" sz="3350" dirty="0" err="1"/>
-              <a:t>масив</a:t>
+              <a:t>е многоизмерен масив</a:t>
             </a:r>
             <a:r>
               <a:rPr lang="bg-BG" sz="3350" dirty="0"/>
-              <a:t>, </a:t>
-            </a:r>
-            <a:r>
-              <a:rPr lang="bg-BG" sz="3350" dirty="0" err="1"/>
-              <a:t>н</a:t>
-            </a:r>
-            <a:r>
-              <a:rPr lang="en-US" sz="3150" dirty="0" err="1"/>
-              <a:t>о</a:t>
+              <a:t>, н</a:t>
             </a:r>
             <a:r>
               <a:rPr lang="en-US" sz="3150" dirty="0"/>
-              <a:t> </a:t>
-            </a:r>
-            <a:r>
-              <a:rPr lang="en-US" sz="3150" dirty="0" err="1"/>
-              <a:t>всяко</a:t>
-            </a:r>
-            <a:r>
-              <a:rPr lang="en-US" sz="3150" dirty="0"/>
-              <a:t> </a:t>
-            </a:r>
-            <a:r>
-              <a:rPr lang="en-US" sz="3150" dirty="0" err="1"/>
-              <a:t>измерение</a:t>
-            </a:r>
-            <a:r>
-              <a:rPr lang="en-US" sz="3150" dirty="0"/>
-              <a:t> </a:t>
-            </a:r>
-            <a:r>
-              <a:rPr lang="en-US" sz="3150" dirty="0" err="1"/>
-              <a:t>има</a:t>
-            </a:r>
-            <a:r>
-              <a:rPr lang="en-US" sz="3150" dirty="0"/>
-              <a:t> </a:t>
-            </a:r>
-            <a:r>
-              <a:rPr lang="en-US" sz="3150" dirty="0" err="1"/>
-              <a:t>различна</a:t>
-            </a:r>
-            <a:r>
-              <a:rPr lang="en-US" sz="3150" dirty="0"/>
-              <a:t> </a:t>
-            </a:r>
-            <a:r>
-              <a:rPr lang="en-US" sz="3150" dirty="0" err="1"/>
-              <a:t>дължина</a:t>
+              <a:t>о всяко измерение има различна дължина</a:t>
             </a:r>
             <a:endParaRPr lang="en-US" sz="3150" dirty="0">
               <a:cs typeface="Calibri"/>
@@ -19407,7 +18327,7 @@
               </a:buClr>
             </a:pPr>
             <a:r>
-              <a:rPr lang="en-US" sz="3150" dirty="0" err="1">
+              <a:rPr lang="en-US" sz="3150" dirty="0">
                 <a:solidFill>
                   <a:schemeClr val="tx1">
                     <a:lumMod val="75000"/>
@@ -19416,85 +18336,17 @@
                 <a:ea typeface="+mn-lt"/>
                 <a:cs typeface="+mn-lt"/>
               </a:rPr>
-              <a:t>Назъбеният</a:t>
-            </a:r>
-            <a:r>
-              <a:rPr lang="en-US" sz="3150" dirty="0">
-                <a:solidFill>
-                  <a:schemeClr val="tx1">
-                    <a:lumMod val="75000"/>
-                  </a:schemeClr>
-                </a:solidFill>
-                <a:ea typeface="+mn-lt"/>
-                <a:cs typeface="+mn-lt"/>
-              </a:rPr>
-              <a:t> </a:t>
-            </a:r>
-            <a:r>
-              <a:rPr lang="en-US" sz="3150" dirty="0" err="1">
-                <a:solidFill>
-                  <a:schemeClr val="tx1">
-                    <a:lumMod val="75000"/>
-                  </a:schemeClr>
-                </a:solidFill>
-                <a:ea typeface="+mn-lt"/>
-                <a:cs typeface="+mn-lt"/>
-              </a:rPr>
-              <a:t>масив</a:t>
-            </a:r>
-            <a:r>
-              <a:rPr lang="en-US" sz="3150" dirty="0">
-                <a:solidFill>
-                  <a:schemeClr val="tx1">
-                    <a:lumMod val="75000"/>
-                  </a:schemeClr>
-                </a:solidFill>
-                <a:ea typeface="+mn-lt"/>
-                <a:cs typeface="+mn-lt"/>
-              </a:rPr>
-              <a:t> е </a:t>
-            </a:r>
-            <a:r>
-              <a:rPr lang="en-US" sz="3150" b="1" dirty="0" err="1">
+              <a:t>Назъбеният масив е </a:t>
+            </a:r>
+            <a:r>
+              <a:rPr lang="en-US" sz="3150" b="1" dirty="0">
                 <a:solidFill>
                   <a:schemeClr val="bg1"/>
                 </a:solidFill>
               </a:rPr>
-              <a:t>масив</a:t>
-            </a:r>
-            <a:r>
-              <a:rPr lang="en-US" sz="3150" b="1" dirty="0">
-                <a:solidFill>
-                  <a:schemeClr val="bg1"/>
-                </a:solidFill>
-              </a:rPr>
-              <a:t> </a:t>
-            </a:r>
-            <a:r>
-              <a:rPr lang="en-US" sz="3150" b="1" dirty="0" err="1">
-                <a:solidFill>
-                  <a:schemeClr val="bg1"/>
-                </a:solidFill>
-              </a:rPr>
-              <a:t>от</a:t>
-            </a:r>
-            <a:r>
-              <a:rPr lang="en-US" sz="3150" b="1" dirty="0">
-                <a:solidFill>
-                  <a:schemeClr val="bg1"/>
-                </a:solidFill>
-              </a:rPr>
-              <a:t> </a:t>
-            </a:r>
-            <a:r>
-              <a:rPr lang="en-US" sz="3150" b="1" dirty="0" err="1">
-                <a:solidFill>
-                  <a:schemeClr val="bg1"/>
-                </a:solidFill>
-              </a:rPr>
-              <a:t>масиви</a:t>
-            </a:r>
-            <a:endParaRPr lang="en-US" sz="3150" b="1" dirty="0" err="1">
+              <a:t>масив от масиви</a:t>
+            </a:r>
+            <a:endParaRPr lang="en-US" sz="3150" b="1" dirty="0">
               <a:solidFill>
                 <a:schemeClr val="bg1"/>
               </a:solidFill>
@@ -19511,54 +18363,18 @@
               </a:buClr>
             </a:pPr>
             <a:r>
-              <a:rPr lang="en-US" sz="3150" dirty="0" err="1"/>
-              <a:t>Всеки</a:t>
-            </a:r>
-            <a:r>
               <a:rPr lang="en-US" sz="3150" dirty="0"/>
-              <a:t> </a:t>
-            </a:r>
-            <a:r>
-              <a:rPr lang="en-US" sz="3150" dirty="0" err="1"/>
-              <a:t>масив</a:t>
-            </a:r>
-            <a:r>
-              <a:rPr lang="en-US" sz="3150" dirty="0"/>
-              <a:t> </a:t>
-            </a:r>
-            <a:r>
-              <a:rPr lang="en-US" sz="3150" dirty="0" err="1"/>
-              <a:t>има</a:t>
-            </a:r>
-            <a:r>
-              <a:rPr lang="en-US" sz="3150" dirty="0"/>
-              <a:t> </a:t>
-            </a:r>
-            <a:r>
-              <a:rPr lang="en-US" sz="3150" b="1" dirty="0" err="1">
+              <a:t>Всеки масив има </a:t>
+            </a:r>
+            <a:r>
+              <a:rPr lang="en-US" sz="3150" b="1" dirty="0">
                 <a:solidFill>
                   <a:schemeClr val="bg1"/>
                 </a:solidFill>
               </a:rPr>
-              <a:t>различна</a:t>
-            </a:r>
-            <a:r>
-              <a:rPr lang="en-US" sz="3150" b="1" dirty="0">
-                <a:solidFill>
-                  <a:schemeClr val="bg1"/>
-                </a:solidFill>
-              </a:rPr>
-              <a:t> </a:t>
-            </a:r>
-            <a:r>
-              <a:rPr lang="en-US" sz="3150" b="1" dirty="0" err="1">
-                <a:solidFill>
-                  <a:schemeClr val="bg1"/>
-                </a:solidFill>
-              </a:rPr>
-              <a:t>дължина</a:t>
-            </a:r>
-            <a:endParaRPr lang="bg-BG" sz="3150" b="1" dirty="0" err="1">
+              <a:t>различна дължина</a:t>
+            </a:r>
+            <a:endParaRPr lang="bg-BG" sz="3150" b="1" dirty="0">
               <a:solidFill>
                 <a:schemeClr val="bg1"/>
               </a:solidFill>
@@ -19616,45 +18432,22 @@
               </a:buClr>
             </a:pPr>
             <a:r>
-              <a:rPr lang="en-US" sz="3150" b="1" dirty="0" err="1">
+              <a:rPr lang="en-US" sz="3150" b="1" dirty="0">
                 <a:solidFill>
                   <a:schemeClr val="bg1"/>
                 </a:solidFill>
                 <a:cs typeface="Calibri"/>
               </a:rPr>
-              <a:t>Достъп</a:t>
-            </a:r>
-            <a:r>
-              <a:rPr lang="en-US" sz="3150" b="1" dirty="0">
-                <a:solidFill>
-                  <a:schemeClr val="bg1"/>
-                </a:solidFill>
-                <a:cs typeface="Calibri"/>
-              </a:rPr>
-              <a:t> </a:t>
-            </a:r>
-            <a:r>
-              <a:rPr lang="en-US" sz="3150" dirty="0" err="1">
-                <a:ea typeface="+mn-lt"/>
-                <a:cs typeface="+mn-lt"/>
-              </a:rPr>
-              <a:t>до</a:t>
+              <a:t>Достъп </a:t>
             </a:r>
             <a:r>
               <a:rPr lang="en-US" sz="3150" dirty="0">
                 <a:ea typeface="+mn-lt"/>
                 <a:cs typeface="+mn-lt"/>
               </a:rPr>
-              <a:t> </a:t>
-            </a:r>
-            <a:r>
-              <a:rPr lang="en-US" sz="3150" dirty="0" err="1">
-                <a:ea typeface="+mn-lt"/>
-                <a:cs typeface="+mn-lt"/>
-              </a:rPr>
-              <a:t>елемент</a:t>
-            </a:r>
-            <a:endParaRPr lang="en-US" sz="3150" b="1" dirty="0" err="1">
+              <a:t>до елемент</a:t>
+            </a:r>
+            <a:endParaRPr lang="en-US" sz="3150" b="1" dirty="0">
               <a:solidFill>
                 <a:schemeClr val="bg1"/>
               </a:solidFill>
@@ -19692,26 +18485,10 @@
           <a:lstStyle/>
           <a:p>
             <a:r>
-              <a:rPr lang="en-US" sz="3950" dirty="0" err="1"/>
-              <a:t>Какво</a:t>
-            </a:r>
-            <a:r>
               <a:rPr lang="en-US" sz="3950" dirty="0"/>
-              <a:t> е </a:t>
-            </a:r>
-            <a:r>
-              <a:rPr lang="en-US" sz="3950" dirty="0" err="1"/>
-              <a:t>назъбен</a:t>
-            </a:r>
-            <a:r>
-              <a:rPr lang="en-US" sz="3950" dirty="0"/>
-              <a:t> </a:t>
-            </a:r>
-            <a:r>
-              <a:rPr lang="en-US" sz="3950" dirty="0" err="1"/>
-              <a:t>масив</a:t>
-            </a:r>
-            <a:endParaRPr lang="bg-BG" sz="3950" dirty="0" err="1"/>
+              <a:t>Какво е назъбен масив</a:t>
+            </a:r>
+            <a:endParaRPr lang="bg-BG" sz="3950" dirty="0"/>
           </a:p>
         </p:txBody>
       </p:sp>
@@ -19973,46 +18750,14 @@
           <a:p>
             <a:pPr algn="ctr"/>
             <a:r>
-              <a:rPr lang="en-US" sz="2350" b="1" dirty="0" err="1">
+              <a:rPr lang="en-US" sz="2350" b="1" dirty="0">
                 <a:solidFill>
                   <a:srgbClr val="FFFFFF"/>
                 </a:solidFill>
               </a:rPr>
-              <a:t>Индекс</a:t>
-            </a:r>
-            <a:r>
-              <a:rPr lang="en-US" sz="2350" b="1" dirty="0">
-                <a:solidFill>
-                  <a:srgbClr val="FFFFFF"/>
-                </a:solidFill>
-              </a:rPr>
-              <a:t> </a:t>
-            </a:r>
-            <a:r>
-              <a:rPr lang="en-US" sz="2350" b="1" dirty="0" err="1">
-                <a:solidFill>
-                  <a:srgbClr val="FFFFFF"/>
-                </a:solidFill>
-              </a:rPr>
-              <a:t>на</a:t>
-            </a:r>
-            <a:r>
-              <a:rPr lang="en-US" sz="2350" b="1" dirty="0">
-                <a:solidFill>
-                  <a:srgbClr val="FFFFFF"/>
-                </a:solidFill>
-              </a:rPr>
-              <a:t> </a:t>
-            </a:r>
-            <a:r>
-              <a:rPr lang="en-US" sz="2350" b="1" dirty="0" err="1">
-                <a:solidFill>
-                  <a:srgbClr val="FFFFFF"/>
-                </a:solidFill>
-              </a:rPr>
-              <a:t>редицата</a:t>
-            </a:r>
-            <a:endParaRPr lang="bg-BG" dirty="0" err="1"/>
+              <a:t>Индекс на редицата</a:t>
+            </a:r>
+            <a:endParaRPr lang="bg-BG" dirty="0"/>
           </a:p>
         </p:txBody>
       </p:sp>
@@ -20084,46 +18829,14 @@
           <a:p>
             <a:pPr algn="ctr"/>
             <a:r>
-              <a:rPr lang="en-US" sz="2350" b="1" dirty="0" err="1">
+              <a:rPr lang="en-US" sz="2350" b="1" dirty="0">
                 <a:solidFill>
                   <a:srgbClr val="FFFFFF"/>
                 </a:solidFill>
               </a:rPr>
-              <a:t>Индекс</a:t>
-            </a:r>
-            <a:r>
-              <a:rPr lang="en-US" sz="2350" b="1" dirty="0">
-                <a:solidFill>
-                  <a:srgbClr val="FFFFFF"/>
-                </a:solidFill>
-              </a:rPr>
-              <a:t> </a:t>
-            </a:r>
-            <a:r>
-              <a:rPr lang="en-US" sz="2350" b="1" dirty="0" err="1">
-                <a:solidFill>
-                  <a:srgbClr val="FFFFFF"/>
-                </a:solidFill>
-              </a:rPr>
-              <a:t>на</a:t>
-            </a:r>
-            <a:r>
-              <a:rPr lang="en-US" sz="2350" b="1" dirty="0">
-                <a:solidFill>
-                  <a:srgbClr val="FFFFFF"/>
-                </a:solidFill>
-              </a:rPr>
-              <a:t> </a:t>
-            </a:r>
-            <a:r>
-              <a:rPr lang="en-US" sz="2350" b="1" dirty="0" err="1">
-                <a:solidFill>
-                  <a:srgbClr val="FFFFFF"/>
-                </a:solidFill>
-              </a:rPr>
-              <a:t>колоната</a:t>
-            </a:r>
-            <a:endParaRPr lang="bg-BG" dirty="0" err="1"/>
+              <a:t>Индекс на колоната</a:t>
+            </a:r>
+            <a:endParaRPr lang="bg-BG" dirty="0"/>
           </a:p>
         </p:txBody>
       </p:sp>
@@ -20739,28 +19452,12 @@
               </a:buClr>
             </a:pPr>
             <a:r>
-              <a:rPr lang="en-GB" sz="3550" b="1" dirty="0" err="1">
+              <a:rPr lang="en-GB" sz="3550" b="1" dirty="0">
                 <a:solidFill>
                   <a:schemeClr val="bg1"/>
                 </a:solidFill>
               </a:rPr>
-              <a:t>Многомерни</a:t>
-            </a:r>
-            <a:r>
-              <a:rPr lang="en-GB" sz="3550" b="1" dirty="0">
-                <a:solidFill>
-                  <a:schemeClr val="bg1"/>
-                </a:solidFill>
-              </a:rPr>
-              <a:t> </a:t>
-            </a:r>
-            <a:r>
-              <a:rPr lang="en-GB" sz="3550" b="1" dirty="0" err="1">
-                <a:solidFill>
-                  <a:schemeClr val="bg1"/>
-                </a:solidFill>
-              </a:rPr>
-              <a:t>масиви</a:t>
+              <a:t>Многомерни масиви</a:t>
             </a:r>
             <a:endParaRPr lang="en-GB" sz="3550" b="1" dirty="0">
               <a:solidFill>
@@ -20776,10 +19473,10 @@
               </a:lnSpc>
             </a:pPr>
             <a:r>
-              <a:rPr lang="en-GB" sz="3350" dirty="0" err="1"/>
+              <a:rPr lang="en-GB" sz="3350" dirty="0"/>
               <a:t>Създаване</a:t>
             </a:r>
-            <a:endParaRPr lang="en-GB" sz="3350" dirty="0" err="1">
+            <a:endParaRPr lang="en-GB" sz="3350" dirty="0">
               <a:cs typeface="Calibri"/>
             </a:endParaRPr>
           </a:p>
@@ -20790,26 +19487,10 @@
               </a:lnSpc>
             </a:pPr>
             <a:r>
-              <a:rPr lang="en-GB" sz="3350" dirty="0" err="1"/>
-              <a:t>Достъп</a:t>
-            </a:r>
-            <a:r>
               <a:rPr lang="en-GB" sz="3350" dirty="0"/>
-              <a:t> </a:t>
-            </a:r>
-            <a:r>
-              <a:rPr lang="en-GB" sz="3350" dirty="0" err="1"/>
-              <a:t>до</a:t>
-            </a:r>
-            <a:r>
-              <a:rPr lang="en-GB" sz="3350" dirty="0"/>
-              <a:t> </a:t>
-            </a:r>
-            <a:r>
-              <a:rPr lang="en-GB" sz="3350" dirty="0" err="1"/>
-              <a:t>елементи</a:t>
-            </a:r>
-            <a:endParaRPr lang="en-GB" sz="3350" dirty="0" err="1">
+              <a:t>Достъп до елементи</a:t>
+            </a:r>
+            <a:endParaRPr lang="en-GB" sz="3350" dirty="0">
               <a:cs typeface="Calibri"/>
             </a:endParaRPr>
           </a:p>
@@ -20820,18 +19501,10 @@
               </a:lnSpc>
             </a:pPr>
             <a:r>
-              <a:rPr lang="en-GB" sz="3350" dirty="0" err="1"/>
-              <a:t>Четене</a:t>
-            </a:r>
-            <a:r>
               <a:rPr lang="en-GB" sz="3350" dirty="0"/>
-              <a:t> и </a:t>
-            </a:r>
-            <a:r>
-              <a:rPr lang="en-GB" sz="3350" dirty="0" err="1"/>
-              <a:t>отпечатване</a:t>
-            </a:r>
-            <a:endParaRPr lang="en-GB" sz="3350" dirty="0" err="1">
+              <a:t>Четене и отпечатване</a:t>
+            </a:r>
+            <a:endParaRPr lang="en-GB" sz="3350" dirty="0">
               <a:cs typeface="Calibri"/>
             </a:endParaRPr>
           </a:p>
@@ -20845,64 +19518,16 @@
               </a:buClr>
             </a:pPr>
             <a:r>
-              <a:rPr lang="en-US" sz="3550" b="1" dirty="0" err="1">
+              <a:rPr lang="en-US" sz="3550" b="1" dirty="0">
                 <a:solidFill>
                   <a:schemeClr val="bg1"/>
                 </a:solidFill>
               </a:rPr>
-              <a:t>Назъбени</a:t>
-            </a:r>
-            <a:r>
-              <a:rPr lang="en-US" sz="3550" b="1" dirty="0">
-                <a:solidFill>
-                  <a:schemeClr val="bg1"/>
-                </a:solidFill>
-              </a:rPr>
-              <a:t> </a:t>
-            </a:r>
-            <a:r>
-              <a:rPr lang="en-US" sz="3550" b="1" dirty="0" err="1">
-                <a:solidFill>
-                  <a:schemeClr val="bg1"/>
-                </a:solidFill>
-              </a:rPr>
-              <a:t>матрици</a:t>
-            </a:r>
-            <a:r>
-              <a:rPr lang="en-US" sz="3550" b="1" dirty="0">
-                <a:solidFill>
-                  <a:schemeClr val="bg1"/>
-                </a:solidFill>
-              </a:rPr>
-              <a:t> </a:t>
+              <a:t>Назъбени матрици </a:t>
             </a:r>
             <a:r>
               <a:rPr lang="en-US" sz="3550" dirty="0"/>
-              <a:t>(</a:t>
-            </a:r>
-            <a:r>
-              <a:rPr lang="en-US" sz="3550" dirty="0" err="1"/>
-              <a:t>Масив</a:t>
-            </a:r>
-            <a:r>
-              <a:rPr lang="en-US" sz="3550" dirty="0"/>
-              <a:t> </a:t>
-            </a:r>
-            <a:r>
-              <a:rPr lang="en-US" sz="3550" dirty="0" err="1"/>
-              <a:t>от</a:t>
-            </a:r>
-            <a:r>
-              <a:rPr lang="en-US" sz="3550" dirty="0"/>
-              <a:t> </a:t>
-            </a:r>
-            <a:r>
-              <a:rPr lang="en-US" sz="3550" dirty="0" err="1"/>
-              <a:t>масиви</a:t>
-            </a:r>
-            <a:r>
-              <a:rPr lang="en-US" sz="3550" dirty="0"/>
-              <a:t>)</a:t>
+              <a:t>(Масив от масиви)</a:t>
             </a:r>
             <a:endParaRPr lang="en-US" sz="3550" dirty="0">
               <a:cs typeface="Calibri"/>
@@ -20915,13 +19540,13 @@
               </a:lnSpc>
             </a:pPr>
             <a:r>
-              <a:rPr lang="en-GB" sz="3350" dirty="0" err="1">
+              <a:rPr lang="en-GB" sz="3350" dirty="0">
                 <a:ea typeface="+mn-lt"/>
                 <a:cs typeface="+mn-lt"/>
               </a:rPr>
               <a:t>Създаване</a:t>
             </a:r>
-            <a:endParaRPr lang="en-GB" sz="3350" dirty="0" err="1">
+            <a:endParaRPr lang="en-GB" sz="3350" dirty="0">
               <a:cs typeface="Calibri"/>
             </a:endParaRPr>
           </a:p>
@@ -20932,44 +19557,12 @@
               </a:lnSpc>
             </a:pPr>
             <a:r>
-              <a:rPr lang="en-GB" sz="3350" dirty="0" err="1">
-                <a:ea typeface="+mn-lt"/>
-                <a:cs typeface="+mn-lt"/>
-              </a:rPr>
-              <a:t>Достъп</a:t>
-            </a:r>
-            <a:r>
               <a:rPr lang="en-GB" sz="3350" dirty="0">
                 <a:ea typeface="+mn-lt"/>
                 <a:cs typeface="+mn-lt"/>
               </a:rPr>
-              <a:t> </a:t>
-            </a:r>
-            <a:r>
-              <a:rPr lang="en-GB" sz="3350" dirty="0" err="1">
-                <a:ea typeface="+mn-lt"/>
-                <a:cs typeface="+mn-lt"/>
-              </a:rPr>
-              <a:t>до</a:t>
-            </a:r>
-            <a:r>
-              <a:rPr lang="en-GB" sz="3350" dirty="0">
-                <a:ea typeface="+mn-lt"/>
-                <a:cs typeface="+mn-lt"/>
-              </a:rPr>
-              <a:t> </a:t>
-            </a:r>
-            <a:r>
-              <a:rPr lang="en-GB" sz="3350" dirty="0" err="1">
-                <a:ea typeface="+mn-lt"/>
-                <a:cs typeface="+mn-lt"/>
-              </a:rPr>
-              <a:t>елементи</a:t>
-            </a:r>
-            <a:endParaRPr lang="en-GB" sz="3350" dirty="0">
-              <a:ea typeface="+mn-lt"/>
-              <a:cs typeface="+mn-lt"/>
-            </a:endParaRPr>
+              <a:t>Достъп до елементи</a:t>
+            </a:r>
           </a:p>
           <a:p>
             <a:pPr lvl="1" indent="-360045">
@@ -20978,30 +19571,12 @@
               </a:lnSpc>
             </a:pPr>
             <a:r>
-              <a:rPr lang="en-GB" sz="3350" dirty="0" err="1">
-                <a:ea typeface="+mn-lt"/>
-                <a:cs typeface="+mn-lt"/>
-              </a:rPr>
-              <a:t>Четене</a:t>
-            </a:r>
-            <a:r>
               <a:rPr lang="en-GB" sz="3350" dirty="0">
                 <a:ea typeface="+mn-lt"/>
                 <a:cs typeface="+mn-lt"/>
               </a:rPr>
-              <a:t> и </a:t>
-            </a:r>
-            <a:r>
-              <a:rPr lang="en-GB" sz="3350" dirty="0" err="1">
-                <a:ea typeface="+mn-lt"/>
-                <a:cs typeface="+mn-lt"/>
-              </a:rPr>
-              <a:t>отпечатване</a:t>
-            </a:r>
-            <a:endParaRPr lang="en-GB" sz="3350" dirty="0">
-              <a:ea typeface="+mn-lt"/>
-              <a:cs typeface="+mn-lt"/>
-            </a:endParaRPr>
+              <a:t>Четене и отпечатване</a:t>
+            </a:r>
           </a:p>
         </p:txBody>
       </p:sp>
@@ -21027,10 +19602,10 @@
           <a:lstStyle/>
           <a:p>
             <a:r>
-              <a:rPr lang="en-GB" sz="3950" dirty="0" err="1"/>
+              <a:rPr lang="en-GB" sz="3950" dirty="0"/>
               <a:t>Съдържание</a:t>
             </a:r>
-            <a:endParaRPr lang="en-US" dirty="0" err="1"/>
+            <a:endParaRPr lang="en-US" dirty="0"/>
           </a:p>
         </p:txBody>
       </p:sp>
@@ -21706,32 +20281,8 @@
           <a:lstStyle/>
           <a:p>
             <a:r>
-              <a:rPr lang="en-US" sz="3950" dirty="0" err="1"/>
-              <a:t>Запълване</a:t>
-            </a:r>
-            <a:r>
               <a:rPr lang="en-US" sz="3950" dirty="0"/>
-              <a:t> </a:t>
-            </a:r>
-            <a:r>
-              <a:rPr lang="en-US" sz="3950" dirty="0" err="1"/>
-              <a:t>на</a:t>
-            </a:r>
-            <a:r>
-              <a:rPr lang="en-US" sz="3950" dirty="0"/>
-              <a:t> </a:t>
-            </a:r>
-            <a:r>
-              <a:rPr lang="en-US" sz="3950" dirty="0" err="1"/>
-              <a:t>назъбен</a:t>
-            </a:r>
-            <a:r>
-              <a:rPr lang="en-US" sz="3950" dirty="0"/>
-              <a:t> </a:t>
-            </a:r>
-            <a:r>
-              <a:rPr lang="en-US" sz="3950" dirty="0" err="1"/>
-              <a:t>масив</a:t>
+              <a:t>Запълване на назъбен масив</a:t>
             </a:r>
           </a:p>
         </p:txBody>
@@ -22190,23 +20741,7 @@
                   <a:schemeClr val="bg1"/>
                 </a:solidFill>
               </a:rPr>
-              <a:t>For-</a:t>
-            </a:r>
-            <a:r>
-              <a:rPr lang="en-GB" sz="3350" b="1" dirty="0" err="1">
-                <a:solidFill>
-                  <a:schemeClr val="bg1"/>
-                </a:solidFill>
-              </a:rPr>
-              <a:t>цикъл</a:t>
-            </a:r>
-            <a:r>
-              <a:rPr lang="en-GB" sz="3350" b="1" dirty="0">
-                <a:solidFill>
-                  <a:schemeClr val="bg1"/>
-                </a:solidFill>
-              </a:rPr>
-              <a:t> </a:t>
+              <a:t>For-цикъл </a:t>
             </a:r>
             <a:endParaRPr lang="bg-BG" dirty="0">
               <a:solidFill>
@@ -22262,17 +20797,9 @@
                   <a:schemeClr val="bg1"/>
                 </a:solidFill>
               </a:rPr>
-              <a:t>Foreach-</a:t>
-            </a:r>
-            <a:r>
-              <a:rPr lang="en-GB" sz="3350" b="1" dirty="0" err="1">
-                <a:solidFill>
-                  <a:schemeClr val="bg1"/>
-                </a:solidFill>
-              </a:rPr>
-              <a:t>цикъл</a:t>
-            </a:r>
-            <a:endParaRPr lang="en-GB" sz="3350" b="1" dirty="0" err="1">
+              <a:t>Foreach-цикъл</a:t>
+            </a:r>
+            <a:endParaRPr lang="en-GB" sz="3350" b="1" dirty="0">
               <a:solidFill>
                 <a:schemeClr val="bg1"/>
               </a:solidFill>
@@ -22305,51 +20832,21 @@
           <a:lstStyle/>
           <a:p>
             <a:r>
-              <a:rPr lang="en-US" sz="3950" dirty="0" err="1"/>
-              <a:t>Отпечатване</a:t>
-            </a:r>
-            <a:r>
               <a:rPr lang="en-US" sz="3950" dirty="0"/>
-              <a:t> </a:t>
-            </a:r>
-            <a:r>
-              <a:rPr lang="en-US" sz="3950" dirty="0" err="1"/>
-              <a:t>на</a:t>
-            </a:r>
-            <a:r>
-              <a:rPr lang="en-US" sz="3950" dirty="0"/>
-              <a:t> </a:t>
-            </a:r>
-            <a:r>
-              <a:rPr lang="en-US" sz="3950" dirty="0" err="1">
-                <a:ea typeface="+mj-lt"/>
-                <a:cs typeface="+mj-lt"/>
-              </a:rPr>
-              <a:t>назъбен</a:t>
+              <a:t>Отпечатване на </a:t>
             </a:r>
             <a:r>
               <a:rPr lang="en-US" sz="3950" dirty="0">
                 <a:ea typeface="+mj-lt"/>
                 <a:cs typeface="+mj-lt"/>
               </a:rPr>
-              <a:t> </a:t>
-            </a:r>
-            <a:r>
-              <a:rPr lang="en-US" sz="3950" dirty="0" err="1">
-                <a:ea typeface="+mj-lt"/>
-                <a:cs typeface="+mj-lt"/>
-              </a:rPr>
-              <a:t>масив</a:t>
+              <a:t>назъбен масив</a:t>
             </a:r>
             <a:r>
               <a:rPr lang="en-US" sz="3950" dirty="0"/>
-              <a:t> – </a:t>
-            </a:r>
-            <a:r>
-              <a:rPr lang="en-US" sz="3950" dirty="0" err="1"/>
-              <a:t>Пример</a:t>
-            </a:r>
-            <a:endParaRPr lang="en-GB" sz="3950" dirty="0" err="1">
+              <a:t> – Пример</a:t>
+            </a:r>
+            <a:endParaRPr lang="en-GB" sz="3950" dirty="0">
               <a:cs typeface="Calibri"/>
             </a:endParaRPr>
           </a:p>
@@ -23244,60 +21741,8 @@
               </a:spcBef>
             </a:pPr>
             <a:r>
-              <a:rPr lang="en-GB" sz="3400" dirty="0" err="1"/>
-              <a:t>На</a:t>
-            </a:r>
-            <a:r>
               <a:rPr lang="en-GB" sz="3400" dirty="0"/>
-              <a:t> </a:t>
-            </a:r>
-            <a:r>
-              <a:rPr lang="en-GB" sz="3400" dirty="0" err="1"/>
-              <a:t>първия</a:t>
-            </a:r>
-            <a:r>
-              <a:rPr lang="en-GB" sz="3400" dirty="0"/>
-              <a:t> </a:t>
-            </a:r>
-            <a:r>
-              <a:rPr lang="en-GB" sz="3400" dirty="0" err="1"/>
-              <a:t>ред</a:t>
-            </a:r>
-            <a:r>
-              <a:rPr lang="en-GB" sz="3400" dirty="0"/>
-              <a:t> </a:t>
-            </a:r>
-            <a:r>
-              <a:rPr lang="en-GB" sz="3400" dirty="0" err="1"/>
-              <a:t>получавате</a:t>
-            </a:r>
-            <a:r>
-              <a:rPr lang="en-GB" sz="3400" dirty="0"/>
-              <a:t> </a:t>
-            </a:r>
-            <a:r>
-              <a:rPr lang="en-GB" sz="3400" dirty="0" err="1"/>
-              <a:t>броя</a:t>
-            </a:r>
-            <a:r>
-              <a:rPr lang="en-GB" sz="3400" dirty="0"/>
-              <a:t> </a:t>
-            </a:r>
-            <a:r>
-              <a:rPr lang="en-GB" sz="3400" dirty="0" err="1"/>
-              <a:t>на</a:t>
-            </a:r>
-            <a:r>
-              <a:rPr lang="en-GB" sz="3400" dirty="0"/>
-              <a:t> </a:t>
-            </a:r>
-            <a:r>
-              <a:rPr lang="en-GB" sz="3400" dirty="0" err="1"/>
-              <a:t>редиците</a:t>
-            </a:r>
-            <a:r>
-              <a:rPr lang="en-GB" sz="3400" dirty="0"/>
-              <a:t>: </a:t>
+              <a:t>На първия ред получавате броя на редиците: </a:t>
             </a:r>
             <a:r>
               <a:rPr lang="en-GB" sz="3400" b="1" dirty="0"/>
@@ -23315,20 +21760,8 @@
               </a:spcBef>
             </a:pPr>
             <a:r>
-              <a:rPr lang="en-GB" sz="3400" dirty="0" err="1"/>
-              <a:t>На</a:t>
-            </a:r>
-            <a:r>
               <a:rPr lang="en-GB" sz="3400" dirty="0"/>
-              <a:t> </a:t>
-            </a:r>
-            <a:r>
-              <a:rPr lang="en-GB" sz="3400" dirty="0" err="1"/>
-              <a:t>следващите</a:t>
-            </a:r>
-            <a:r>
-              <a:rPr lang="en-GB" sz="3400" dirty="0"/>
-              <a:t> </a:t>
+              <a:t>На следващите </a:t>
             </a:r>
             <a:r>
               <a:rPr lang="en-GB" sz="3400" b="1" dirty="0"/>
@@ -23336,50 +21769,14 @@
             </a:r>
             <a:r>
               <a:rPr lang="en-GB" sz="3400" dirty="0"/>
-              <a:t> </a:t>
-            </a:r>
-            <a:r>
-              <a:rPr lang="en-GB" sz="3400" dirty="0" err="1"/>
-              <a:t>редове</a:t>
-            </a:r>
-            <a:r>
-              <a:rPr lang="en-GB" sz="3400" dirty="0"/>
-              <a:t> </a:t>
-            </a:r>
-            <a:r>
-              <a:rPr lang="en-GB" sz="3400" dirty="0" err="1"/>
-              <a:t>получавате</a:t>
-            </a:r>
-            <a:r>
-              <a:rPr lang="en-GB" sz="3400" dirty="0"/>
-              <a:t> </a:t>
-            </a:r>
-            <a:r>
-              <a:rPr lang="en-GB" sz="3400" dirty="0" err="1"/>
-              <a:t>елементите</a:t>
+              <a:t> редове получавате елементите</a:t>
             </a:r>
             <a:br>
               <a:rPr lang="bg-BG" sz="3400" dirty="0"/>
             </a:br>
             <a:r>
-              <a:rPr lang="en-GB" sz="3400" dirty="0" err="1"/>
-              <a:t>за</a:t>
-            </a:r>
-            <a:r>
               <a:rPr lang="en-GB" sz="3400" dirty="0"/>
-              <a:t> </a:t>
-            </a:r>
-            <a:r>
-              <a:rPr lang="en-GB" sz="3400" dirty="0" err="1"/>
-              <a:t>всяка</a:t>
-            </a:r>
-            <a:r>
-              <a:rPr lang="en-GB" sz="3400" dirty="0"/>
-              <a:t> </a:t>
-            </a:r>
-            <a:r>
-              <a:rPr lang="en-GB" sz="3400" dirty="0" err="1"/>
-              <a:t>редица</a:t>
+              <a:t>за всяка редица</a:t>
             </a:r>
             <a:endParaRPr lang="en-GB" sz="3400" dirty="0">
               <a:cs typeface="Calibri"/>
@@ -23395,53 +21792,21 @@
               </a:spcBef>
             </a:pPr>
             <a:r>
-              <a:rPr lang="en-GB" sz="3400" dirty="0" err="1"/>
-              <a:t>Докато</a:t>
-            </a:r>
-            <a:r>
               <a:rPr lang="en-GB" sz="3400" dirty="0"/>
-              <a:t> </a:t>
-            </a:r>
-            <a:r>
-              <a:rPr lang="en-GB" sz="3400" dirty="0" err="1"/>
-              <a:t>не</a:t>
+              <a:t>Докато не получите "</a:t>
+            </a:r>
+            <a:r>
+              <a:rPr lang="en-GB" sz="3400" b="1" dirty="0">
+                <a:solidFill>
+                  <a:schemeClr val="bg1"/>
+                </a:solidFill>
+                <a:latin typeface="Consolas"/>
+              </a:rPr>
+              <a:t>END</a:t>
             </a:r>
             <a:r>
               <a:rPr lang="en-GB" sz="3400" dirty="0"/>
-              <a:t> </a:t>
-            </a:r>
-            <a:r>
-              <a:rPr lang="en-GB" sz="3400" dirty="0" err="1"/>
-              <a:t>получите</a:t>
-            </a:r>
-            <a:r>
-              <a:rPr lang="en-GB" sz="3400" dirty="0"/>
-              <a:t> "</a:t>
-            </a:r>
-            <a:r>
-              <a:rPr lang="en-GB" sz="3400" b="1" dirty="0">
-                <a:solidFill>
-                  <a:schemeClr val="bg1"/>
-                </a:solidFill>
-                <a:latin typeface="Consolas"/>
-              </a:rPr>
-              <a:t>END</a:t>
-            </a:r>
-            <a:r>
-              <a:rPr lang="en-GB" sz="3400" dirty="0"/>
-              <a:t>", </a:t>
-            </a:r>
-            <a:r>
-              <a:rPr lang="en-GB" sz="3400" dirty="0" err="1"/>
-              <a:t>четете</a:t>
-            </a:r>
-            <a:r>
-              <a:rPr lang="en-GB" sz="3400" dirty="0"/>
-              <a:t> </a:t>
-            </a:r>
-            <a:r>
-              <a:rPr lang="en-GB" sz="3400" dirty="0" err="1"/>
-              <a:t>командите</a:t>
+              <a:t>", четете командите</a:t>
             </a:r>
             <a:endParaRPr lang="en-GB" sz="3400" dirty="0">
               <a:cs typeface="Calibri"/>
@@ -23480,7 +21845,7 @@
               <a:t>{</a:t>
             </a:r>
             <a:r>
-              <a:rPr lang="en-GB" sz="3200" b="1" dirty="0" err="1">
+              <a:rPr lang="en-GB" sz="3200" b="1" dirty="0">
                 <a:solidFill>
                   <a:schemeClr val="bg1"/>
                 </a:solidFill>
@@ -23498,7 +21863,7 @@
               <a:t>} {</a:t>
             </a:r>
             <a:r>
-              <a:rPr lang="en-GB" sz="3200" b="1" dirty="0" err="1">
+              <a:rPr lang="en-GB" sz="3200" b="1" dirty="0">
                 <a:solidFill>
                   <a:schemeClr val="bg1"/>
                 </a:solidFill>
@@ -23516,7 +21881,7 @@
               <a:t>} {</a:t>
             </a:r>
             <a:r>
-              <a:rPr lang="en-GB" sz="3200" b="1" dirty="0" err="1">
+              <a:rPr lang="en-GB" sz="3200" b="1" dirty="0">
                 <a:solidFill>
                   <a:schemeClr val="bg1"/>
                 </a:solidFill>
@@ -23557,7 +21922,7 @@
               <a:t>{</a:t>
             </a:r>
             <a:r>
-              <a:rPr lang="en-GB" sz="3200" b="1" dirty="0" err="1">
+              <a:rPr lang="en-GB" sz="3200" b="1" dirty="0">
                 <a:solidFill>
                   <a:schemeClr val="bg1"/>
                 </a:solidFill>
@@ -23575,7 +21940,7 @@
               <a:t>} {</a:t>
             </a:r>
             <a:r>
-              <a:rPr lang="en-GB" sz="3200" b="1" dirty="0" err="1">
+              <a:rPr lang="en-GB" sz="3200" b="1" dirty="0">
                 <a:solidFill>
                   <a:schemeClr val="bg1"/>
                 </a:solidFill>
@@ -23593,7 +21958,7 @@
               <a:t>} {</a:t>
             </a:r>
             <a:r>
-              <a:rPr lang="en-GB" sz="3200" b="1" dirty="0" err="1">
+              <a:rPr lang="en-GB" sz="3200" b="1" dirty="0">
                 <a:solidFill>
                   <a:schemeClr val="bg1"/>
                 </a:solidFill>
@@ -23621,12 +21986,20 @@
               </a:spcBef>
             </a:pPr>
             <a:r>
-              <a:rPr lang="en-GB" sz="3400" dirty="0" err="1">
+              <a:rPr lang="en-GB" sz="3400" dirty="0">
                 <a:solidFill>
                   <a:srgbClr val="234465"/>
                 </a:solidFill>
               </a:rPr>
-              <a:t>Ако</a:t>
+              <a:t>Ако </a:t>
+            </a:r>
+            <a:r>
+              <a:rPr lang="bg-BG" sz="3400" dirty="0">
+                <a:solidFill>
+                  <a:srgbClr val="234465"/>
+                </a:solidFill>
+              </a:rPr>
+              <a:t>коо</a:t>
             </a:r>
             <a:r>
               <a:rPr lang="en-GB" sz="3400" dirty="0">
@@ -23634,66 +22007,18 @@
                   <a:srgbClr val="234465"/>
                 </a:solidFill>
               </a:rPr>
-              <a:t> </a:t>
-            </a:r>
-            <a:r>
-              <a:rPr lang="bg-BG" sz="3400" dirty="0" err="1">
+              <a:t>рдинатите са невалидни</a:t>
+            </a:r>
+            <a:r>
+              <a:rPr lang="bg-BG" sz="3400" dirty="0">
                 <a:solidFill>
                   <a:srgbClr val="234465"/>
                 </a:solidFill>
               </a:rPr>
-              <a:t>коо</a:t>
-            </a:r>
-            <a:r>
-              <a:rPr lang="en-GB" sz="3400" dirty="0" err="1">
-                <a:solidFill>
-                  <a:srgbClr val="234465"/>
-                </a:solidFill>
-              </a:rPr>
-              <a:t>рдинатите</a:t>
+              <a:t>, </a:t>
             </a:r>
             <a:r>
               <a:rPr lang="en-GB" sz="3400" dirty="0">
-                <a:solidFill>
-                  <a:srgbClr val="234465"/>
-                </a:solidFill>
-              </a:rPr>
-              <a:t> </a:t>
-            </a:r>
-            <a:r>
-              <a:rPr lang="en-GB" sz="3400" dirty="0" err="1">
-                <a:solidFill>
-                  <a:srgbClr val="234465"/>
-                </a:solidFill>
-              </a:rPr>
-              <a:t>са</a:t>
-            </a:r>
-            <a:r>
-              <a:rPr lang="en-GB" sz="3400" dirty="0">
-                <a:solidFill>
-                  <a:srgbClr val="234465"/>
-                </a:solidFill>
-              </a:rPr>
-              <a:t> </a:t>
-            </a:r>
-            <a:r>
-              <a:rPr lang="en-GB" sz="3400" dirty="0" err="1">
-                <a:solidFill>
-                  <a:srgbClr val="234465"/>
-                </a:solidFill>
-              </a:rPr>
-              <a:t>невалидни</a:t>
-            </a:r>
-            <a:r>
-              <a:rPr lang="bg-BG" sz="3400" dirty="0">
-                <a:solidFill>
-                  <a:srgbClr val="234465"/>
-                </a:solidFill>
-              </a:rPr>
-              <a:t>, </a:t>
-            </a:r>
-            <a:r>
-              <a:rPr lang="en-GB" sz="3400" dirty="0" err="1">
                 <a:solidFill>
                   <a:srgbClr val="234465"/>
                 </a:solidFill>
@@ -23754,20 +22079,8 @@
               </a:spcBef>
             </a:pPr>
             <a:r>
-              <a:rPr lang="en-GB" sz="3400" dirty="0" err="1"/>
-              <a:t>Когато</a:t>
-            </a:r>
-            <a:r>
               <a:rPr lang="en-GB" sz="3400" dirty="0"/>
-              <a:t> </a:t>
-            </a:r>
-            <a:r>
-              <a:rPr lang="en-GB" sz="3400" dirty="0" err="1"/>
-              <a:t>получите</a:t>
-            </a:r>
-            <a:r>
-              <a:rPr lang="en-GB" sz="3400" dirty="0"/>
-              <a:t> "</a:t>
+              <a:t>Когато получите "</a:t>
             </a:r>
             <a:r>
               <a:rPr lang="en-GB" sz="3400" b="1" dirty="0">
@@ -23788,27 +22101,7 @@
             </a:r>
             <a:r>
               <a:rPr lang="en-GB" sz="3400" dirty="0"/>
-              <a:t> </a:t>
-            </a:r>
-            <a:r>
-              <a:rPr lang="en-GB" sz="3400" dirty="0" err="1"/>
-              <a:t>отпечатайте</a:t>
-            </a:r>
-            <a:r>
-              <a:rPr lang="en-GB" sz="3400" dirty="0"/>
-              <a:t> </a:t>
-            </a:r>
-            <a:r>
-              <a:rPr lang="en-GB" sz="3400" dirty="0" err="1"/>
-              <a:t>назъбения</a:t>
-            </a:r>
-            <a:r>
-              <a:rPr lang="en-GB" sz="3400" dirty="0"/>
-              <a:t> </a:t>
-            </a:r>
-            <a:r>
-              <a:rPr lang="en-GB" sz="3400" dirty="0" err="1"/>
-              <a:t>масив</a:t>
+              <a:t> отпечатайте назъбения масив</a:t>
             </a:r>
             <a:endParaRPr lang="en-GB" sz="3400" dirty="0">
               <a:cs typeface="Calibri"/>
@@ -23838,42 +22131,10 @@
           <a:lstStyle/>
           <a:p>
             <a:r>
-              <a:rPr lang="en-US" sz="3950" dirty="0" err="1"/>
-              <a:t>Задача</a:t>
-            </a:r>
-            <a:r>
               <a:rPr lang="en-US" sz="3950" dirty="0"/>
-              <a:t>: </a:t>
-            </a:r>
-            <a:r>
-              <a:rPr lang="en-US" sz="3950" dirty="0" err="1"/>
-              <a:t>Модефикация</a:t>
-            </a:r>
-            <a:r>
-              <a:rPr lang="en-US" sz="3950" dirty="0"/>
-              <a:t> </a:t>
-            </a:r>
-            <a:r>
-              <a:rPr lang="en-US" sz="3950" dirty="0" err="1"/>
-              <a:t>на</a:t>
-            </a:r>
-            <a:r>
-              <a:rPr lang="en-US" sz="3950" dirty="0"/>
-              <a:t> </a:t>
-            </a:r>
-            <a:r>
-              <a:rPr lang="en-US" sz="3950" dirty="0" err="1"/>
-              <a:t>назъбен</a:t>
-            </a:r>
-            <a:r>
-              <a:rPr lang="en-US" sz="3950" dirty="0"/>
-              <a:t> </a:t>
-            </a:r>
-            <a:r>
-              <a:rPr lang="en-US" sz="3950" dirty="0" err="1"/>
-              <a:t>масив</a:t>
-            </a:r>
-            <a:endParaRPr lang="en-GB" sz="3950" dirty="0" err="1"/>
+              <a:t>Задача: Модефикация на назъбен масив</a:t>
+            </a:r>
+            <a:endParaRPr lang="en-GB" sz="3950" dirty="0"/>
           </a:p>
         </p:txBody>
       </p:sp>
@@ -24669,61 +22930,15 @@
           <a:lstStyle/>
           <a:p>
             <a:r>
-              <a:rPr lang="en-US" sz="3950" dirty="0" err="1"/>
-              <a:t>Решение</a:t>
-            </a:r>
-            <a:r>
               <a:rPr lang="en-US" sz="3950" dirty="0"/>
-              <a:t>: </a:t>
-            </a:r>
-            <a:r>
-              <a:rPr lang="en-US" sz="3950" dirty="0" err="1">
-                <a:ea typeface="+mj-lt"/>
-                <a:cs typeface="+mj-lt"/>
-              </a:rPr>
-              <a:t>Модефикация</a:t>
+              <a:t>Решение: </a:t>
             </a:r>
             <a:r>
               <a:rPr lang="en-US" sz="3950" dirty="0">
                 <a:ea typeface="+mj-lt"/>
                 <a:cs typeface="+mj-lt"/>
               </a:rPr>
-              <a:t> </a:t>
-            </a:r>
-            <a:r>
-              <a:rPr lang="en-US" sz="3950" dirty="0" err="1">
-                <a:ea typeface="+mj-lt"/>
-                <a:cs typeface="+mj-lt"/>
-              </a:rPr>
-              <a:t>на</a:t>
-            </a:r>
-            <a:r>
-              <a:rPr lang="en-US" sz="3950" dirty="0">
-                <a:ea typeface="+mj-lt"/>
-                <a:cs typeface="+mj-lt"/>
-              </a:rPr>
-              <a:t> </a:t>
-            </a:r>
-            <a:r>
-              <a:rPr lang="en-US" sz="3950" dirty="0" err="1">
-                <a:ea typeface="+mj-lt"/>
-                <a:cs typeface="+mj-lt"/>
-              </a:rPr>
-              <a:t>назъбен</a:t>
-            </a:r>
-            <a:r>
-              <a:rPr lang="en-US" sz="3950" dirty="0">
-                <a:ea typeface="+mj-lt"/>
-                <a:cs typeface="+mj-lt"/>
-              </a:rPr>
-              <a:t> </a:t>
-            </a:r>
-            <a:r>
-              <a:rPr lang="en-US" sz="3950" dirty="0" err="1">
-                <a:ea typeface="+mj-lt"/>
-                <a:cs typeface="+mj-lt"/>
-              </a:rPr>
-              <a:t>масив</a:t>
+              <a:t>Модефикация на назъбен масив</a:t>
             </a:r>
             <a:r>
               <a:rPr lang="en-US" sz="3950" dirty="0"/>
@@ -25535,28 +23750,28 @@
           <a:lstStyle/>
           <a:p>
             <a:r>
-              <a:rPr lang="en-US" sz="3950">
+              <a:rPr lang="en-US" sz="3950" dirty="0">
                 <a:ea typeface="+mj-lt"/>
                 <a:cs typeface="+mj-lt"/>
               </a:rPr>
               <a:t>Решение</a:t>
             </a:r>
             <a:r>
-              <a:rPr lang="en-US" sz="3950"/>
+              <a:rPr lang="en-US" sz="3950" dirty="0"/>
               <a:t>: </a:t>
             </a:r>
             <a:r>
-              <a:rPr lang="en-US" sz="3950">
+              <a:rPr lang="en-US" sz="3950" dirty="0">
                 <a:ea typeface="+mj-lt"/>
                 <a:cs typeface="+mj-lt"/>
               </a:rPr>
               <a:t>Модефикация на назъбен масив</a:t>
             </a:r>
             <a:r>
-              <a:rPr lang="en-US" sz="3950"/>
+              <a:rPr lang="en-US" sz="3950" dirty="0"/>
               <a:t> (2)</a:t>
             </a:r>
-            <a:endParaRPr lang="bg-BG"/>
+            <a:endParaRPr lang="bg-BG" dirty="0"/>
           </a:p>
         </p:txBody>
       </p:sp>
@@ -25628,46 +23843,14 @@
           <a:p>
             <a:pPr algn="ctr"/>
             <a:r>
-              <a:rPr lang="en-GB" sz="2350" b="1" dirty="0" err="1">
+              <a:rPr lang="en-GB" sz="2350" b="1" dirty="0">
                 <a:solidFill>
                   <a:srgbClr val="FFFFFF"/>
                 </a:solidFill>
               </a:rPr>
-              <a:t>Проверяваме</a:t>
-            </a:r>
-            <a:r>
-              <a:rPr lang="en-GB" sz="2350" b="1" dirty="0">
-                <a:solidFill>
-                  <a:srgbClr val="FFFFFF"/>
-                </a:solidFill>
-              </a:rPr>
-              <a:t> </a:t>
-            </a:r>
-            <a:r>
-              <a:rPr lang="en-GB" sz="2350" b="1" dirty="0" err="1">
-                <a:solidFill>
-                  <a:srgbClr val="FFFFFF"/>
-                </a:solidFill>
-              </a:rPr>
-              <a:t>за</a:t>
-            </a:r>
-            <a:r>
-              <a:rPr lang="en-GB" sz="2350" b="1" dirty="0">
-                <a:solidFill>
-                  <a:srgbClr val="FFFFFF"/>
-                </a:solidFill>
-              </a:rPr>
-              <a:t> </a:t>
-            </a:r>
-            <a:r>
-              <a:rPr lang="en-GB" sz="2350" b="1" dirty="0" err="1">
-                <a:solidFill>
-                  <a:srgbClr val="FFFFFF"/>
-                </a:solidFill>
-              </a:rPr>
-              <a:t>колоната</a:t>
-            </a:r>
-            <a:endParaRPr lang="en-GB" sz="2350" b="1" dirty="0" err="1">
+              <a:t>Проверяваме за колоната</a:t>
+            </a:r>
+            <a:endParaRPr lang="en-GB" sz="2350" b="1" dirty="0">
               <a:solidFill>
                 <a:srgbClr val="FFFFFF"/>
               </a:solidFill>
@@ -25836,28 +24019,16 @@
           <a:p>
             <a:pPr algn="ctr"/>
             <a:r>
-              <a:rPr lang="en-US" sz="1950" dirty="0" err="1"/>
-              <a:t>Тествайте</a:t>
-            </a:r>
-            <a:r>
               <a:rPr lang="en-US" sz="1950" dirty="0"/>
-              <a:t> </a:t>
-            </a:r>
-            <a:r>
-              <a:rPr lang="en-US" sz="1950" dirty="0" err="1"/>
-              <a:t>решението</a:t>
-            </a:r>
-            <a:r>
-              <a:rPr lang="en-US" sz="1950" dirty="0"/>
-              <a:t> в Judge: </a:t>
+              <a:t>Тествайте решението в Judge: </a:t>
             </a:r>
             <a:r>
               <a:rPr lang="en-US" sz="1950" dirty="0">
                 <a:hlinkClick r:id="rId2"/>
               </a:rPr>
-              <a:t>https://judge.softuni.org/Contests/Practice/Index/3174#16</a:t>
-            </a:r>
-            <a:endParaRPr lang="en-US" sz="1950">
+              <a:t>https://judge.softuni.org/Contests/Practice/Index/4156#5</a:t>
+            </a:r>
+            <a:endParaRPr lang="en-US" sz="1950" dirty="0">
               <a:cs typeface="Calibri"/>
             </a:endParaRPr>
           </a:p>
@@ -26386,36 +24557,8 @@
           <a:p>
             <a:pPr marL="360045" indent="-360045"/>
             <a:r>
-              <a:rPr lang="en-GB" sz="3350" dirty="0" err="1"/>
-              <a:t>Напишете</a:t>
-            </a:r>
-            <a:r>
               <a:rPr lang="en-GB" sz="3350" dirty="0"/>
-              <a:t> </a:t>
-            </a:r>
-            <a:r>
-              <a:rPr lang="en-GB" sz="3350" dirty="0" err="1"/>
-              <a:t>програма</a:t>
-            </a:r>
-            <a:r>
-              <a:rPr lang="en-GB" sz="3350" dirty="0"/>
-              <a:t>, </a:t>
-            </a:r>
-            <a:r>
-              <a:rPr lang="en-GB" sz="3350" dirty="0" err="1"/>
-              <a:t>която</a:t>
-            </a:r>
-            <a:r>
-              <a:rPr lang="en-GB" sz="3350" dirty="0"/>
-              <a:t> </a:t>
-            </a:r>
-            <a:r>
-              <a:rPr lang="en-GB" sz="3350" dirty="0" err="1"/>
-              <a:t>принтира</a:t>
-            </a:r>
-            <a:r>
-              <a:rPr lang="en-GB" sz="3350" dirty="0"/>
-              <a:t> </a:t>
+              <a:t>Напишете програма, която принтира </a:t>
             </a:r>
             <a:r>
               <a:rPr lang="en-GB" sz="3350" b="1" dirty="0">
@@ -26451,47 +24594,15 @@
           <a:lstStyle/>
           <a:p>
             <a:r>
-              <a:rPr lang="en-US" sz="3950" dirty="0" err="1"/>
-              <a:t>Задача</a:t>
-            </a:r>
-            <a:r>
               <a:rPr lang="en-US" sz="3950" dirty="0"/>
-              <a:t>: </a:t>
-            </a:r>
-            <a:r>
-              <a:rPr lang="en-US" sz="3950" dirty="0" err="1">
-                <a:ea typeface="+mj-lt"/>
-                <a:cs typeface="+mj-lt"/>
-              </a:rPr>
-              <a:t>Tриъгълника</a:t>
+              <a:t>Задача: </a:t>
             </a:r>
             <a:r>
               <a:rPr lang="en-US" sz="3950" dirty="0">
                 <a:ea typeface="+mj-lt"/>
                 <a:cs typeface="+mj-lt"/>
               </a:rPr>
-              <a:t> </a:t>
-            </a:r>
-            <a:r>
-              <a:rPr lang="en-US" sz="3950" dirty="0" err="1">
-                <a:ea typeface="+mj-lt"/>
-                <a:cs typeface="+mj-lt"/>
-              </a:rPr>
-              <a:t>на</a:t>
-            </a:r>
-            <a:r>
-              <a:rPr lang="en-US" sz="3950" dirty="0">
-                <a:ea typeface="+mj-lt"/>
-                <a:cs typeface="+mj-lt"/>
-              </a:rPr>
-              <a:t> </a:t>
-            </a:r>
-            <a:r>
-              <a:rPr lang="en-US" sz="3950" dirty="0" err="1">
-                <a:ea typeface="+mj-lt"/>
-                <a:cs typeface="+mj-lt"/>
-              </a:rPr>
-              <a:t>Паскал</a:t>
+              <a:t>Tриъгълника на Паскал</a:t>
             </a:r>
           </a:p>
         </p:txBody>
@@ -28043,12 +26154,8 @@
           <a:lstStyle/>
           <a:p>
             <a:r>
-              <a:rPr lang="en-US" sz="3950" dirty="0" err="1"/>
-              <a:t>Решение</a:t>
-            </a:r>
-            <a:r>
               <a:rPr lang="en-US" sz="3950" dirty="0"/>
-              <a:t>: </a:t>
+              <a:t>Решение: </a:t>
             </a:r>
             <a:r>
               <a:rPr lang="en-US" sz="3950" dirty="0">
@@ -28058,28 +26165,8 @@
               <a:t> </a:t>
             </a:r>
             <a:r>
-              <a:rPr lang="en-US" sz="3950" dirty="0" err="1"/>
-              <a:t>Tриъгълника</a:t>
-            </a:r>
-            <a:r>
               <a:rPr lang="en-US" sz="3950" dirty="0"/>
-              <a:t> </a:t>
-            </a:r>
-            <a:r>
-              <a:rPr lang="en-US" sz="3950" dirty="0" err="1"/>
-              <a:t>на</a:t>
-            </a:r>
-            <a:r>
-              <a:rPr lang="en-US" sz="3950" dirty="0"/>
-              <a:t> </a:t>
-            </a:r>
-            <a:r>
-              <a:rPr lang="en-US" sz="3950" dirty="0" err="1"/>
-              <a:t>Паскал</a:t>
-            </a:r>
-            <a:r>
-              <a:rPr lang="en-US" sz="3950" dirty="0"/>
-              <a:t> (1)</a:t>
+              <a:t>Tриъгълника на Паскал (1)</a:t>
             </a:r>
             <a:endParaRPr lang="en-US" sz="3950" dirty="0">
               <a:cs typeface="Calibri"/>
@@ -28991,46 +27078,26 @@
           <a:lstStyle/>
           <a:p>
             <a:r>
-              <a:rPr lang="en-US" sz="3950" dirty="0" err="1">
-                <a:ea typeface="+mj-lt"/>
-                <a:cs typeface="+mj-lt"/>
-              </a:rPr>
-              <a:t>Решение</a:t>
-            </a:r>
-            <a:r>
-              <a:rPr lang="en-US" sz="3950" dirty="0"/>
-              <a:t>: </a:t>
-            </a:r>
-            <a:r>
               <a:rPr lang="en-US" sz="3950" dirty="0">
                 <a:ea typeface="+mj-lt"/>
                 <a:cs typeface="+mj-lt"/>
               </a:rPr>
+              <a:t>Решение</a:t>
+            </a:r>
+            <a:r>
+              <a:rPr lang="en-US" sz="3950" dirty="0"/>
+              <a:t>: </a:t>
+            </a:r>
+            <a:r>
+              <a:rPr lang="en-US" sz="3950" dirty="0">
+                <a:ea typeface="+mj-lt"/>
+                <a:cs typeface="+mj-lt"/>
+              </a:rPr>
               <a:t> </a:t>
             </a:r>
             <a:r>
-              <a:rPr lang="en-US" sz="3950" dirty="0" err="1"/>
-              <a:t>Tриъгълника</a:t>
-            </a:r>
-            <a:r>
               <a:rPr lang="en-US" sz="3950" dirty="0"/>
-              <a:t> </a:t>
-            </a:r>
-            <a:r>
-              <a:rPr lang="en-US" sz="3950" dirty="0" err="1"/>
-              <a:t>на</a:t>
-            </a:r>
-            <a:r>
-              <a:rPr lang="en-US" sz="3950" dirty="0"/>
-              <a:t> </a:t>
-            </a:r>
-            <a:r>
-              <a:rPr lang="en-US" sz="3950" dirty="0" err="1"/>
-              <a:t>Паскал</a:t>
-            </a:r>
-            <a:r>
-              <a:rPr lang="en-US" sz="3950" dirty="0"/>
-              <a:t> (2)</a:t>
+              <a:t>Tриъгълника на Паскал (2)</a:t>
             </a:r>
             <a:endParaRPr lang="bg-BG" sz="3950" dirty="0">
               <a:cs typeface="Calibri"/>
@@ -29198,28 +27265,16 @@
           <a:p>
             <a:pPr algn="ctr"/>
             <a:r>
-              <a:rPr lang="en-US" sz="1950" dirty="0" err="1"/>
-              <a:t>Тествайте</a:t>
-            </a:r>
-            <a:r>
               <a:rPr lang="en-US" sz="1950" dirty="0"/>
-              <a:t> </a:t>
-            </a:r>
-            <a:r>
-              <a:rPr lang="en-US" sz="1950" dirty="0" err="1"/>
-              <a:t>решението</a:t>
-            </a:r>
-            <a:r>
-              <a:rPr lang="en-US" sz="1950" dirty="0"/>
-              <a:t> в Judge: </a:t>
+              <a:t>Тествайте решението в Judge: </a:t>
             </a:r>
             <a:r>
               <a:rPr lang="en-US" sz="1950" dirty="0">
                 <a:hlinkClick r:id="rId2"/>
               </a:rPr>
-              <a:t>https://judge.softuni.org/Contests/Practice/Index/3174#17</a:t>
-            </a:r>
-            <a:endParaRPr lang="en-US" sz="1950">
+              <a:t>https://judge.softuni.org/Contests/Practice/Index/4156#6</a:t>
+            </a:r>
+            <a:endParaRPr lang="en-US" sz="1950" dirty="0">
               <a:cs typeface="Calibri"/>
             </a:endParaRPr>
           </a:p>
@@ -29707,12 +27762,12 @@
           <a:p>
             <a:pPr lvl="0"/>
             <a:r>
-              <a:rPr lang="en-US" sz="3350" dirty="0" err="1">
+              <a:rPr lang="en-US" sz="3350" dirty="0">
                 <a:cs typeface="Calibri"/>
               </a:rPr>
               <a:t>За</a:t>
             </a:r>
-            <a:endParaRPr lang="en-US" dirty="0" err="1"/>
+            <a:endParaRPr lang="en-US" dirty="0"/>
           </a:p>
         </p:txBody>
       </p:sp>
@@ -29734,46 +27789,11 @@
           <a:lstStyle/>
           <a:p>
             <a:r>
-              <a:rPr lang="en-US" sz="3950" dirty="0" err="1">
-                <a:ea typeface="+mj-lt"/>
-                <a:cs typeface="+mj-lt"/>
-              </a:rPr>
-              <a:t>Какво</a:t>
-            </a:r>
-            <a:r>
               <a:rPr lang="en-US" sz="3950" dirty="0">
                 <a:ea typeface="+mj-lt"/>
                 <a:cs typeface="+mj-lt"/>
               </a:rPr>
-              <a:t> </a:t>
-            </a:r>
-            <a:r>
-              <a:rPr lang="en-US" sz="3950" dirty="0" err="1">
-                <a:ea typeface="+mj-lt"/>
-                <a:cs typeface="+mj-lt"/>
-              </a:rPr>
-              <a:t>научихме</a:t>
-            </a:r>
-            <a:r>
-              <a:rPr lang="en-US" sz="3950" dirty="0">
-                <a:ea typeface="+mj-lt"/>
-                <a:cs typeface="+mj-lt"/>
-              </a:rPr>
-              <a:t> </a:t>
-            </a:r>
-            <a:r>
-              <a:rPr lang="en-US" sz="3950" dirty="0" err="1">
-                <a:ea typeface="+mj-lt"/>
-                <a:cs typeface="+mj-lt"/>
-              </a:rPr>
-              <a:t>днес</a:t>
-            </a:r>
-            <a:r>
-              <a:rPr lang="en-US" sz="3950" dirty="0">
-                <a:ea typeface="+mj-lt"/>
-                <a:cs typeface="+mj-lt"/>
-              </a:rPr>
-              <a:t>? </a:t>
+              <a:t>Какво научихме днес? </a:t>
             </a:r>
             <a:endParaRPr lang="en-US" sz="3950" b="0" dirty="0">
               <a:ea typeface="+mj-lt"/>
@@ -30182,7 +28202,7 @@
               </a:buClr>
             </a:pPr>
             <a:r>
-              <a:rPr lang="en-US" sz="3550" b="1" dirty="0" err="1">
+              <a:rPr lang="en-US" sz="3550" b="1" dirty="0">
                 <a:solidFill>
                   <a:schemeClr val="bg1">
                     <a:lumMod val="60000"/>
@@ -30192,35 +28212,9 @@
                 <a:ea typeface="+mn-lt"/>
                 <a:cs typeface="+mn-lt"/>
               </a:rPr>
-              <a:t>Многомерен</a:t>
-            </a:r>
-            <a:r>
-              <a:rPr lang="en-US" sz="3550" b="1" dirty="0">
-                <a:solidFill>
-                  <a:schemeClr val="bg1">
-                    <a:lumMod val="60000"/>
-                    <a:lumOff val="40000"/>
-                  </a:schemeClr>
-                </a:solidFill>
-                <a:ea typeface="+mn-lt"/>
-                <a:cs typeface="+mn-lt"/>
-              </a:rPr>
-              <a:t> </a:t>
-            </a:r>
-            <a:r>
-              <a:rPr lang="en-US" sz="3550" b="1" dirty="0" err="1">
-                <a:solidFill>
-                  <a:schemeClr val="bg1">
-                    <a:lumMod val="60000"/>
-                    <a:lumOff val="40000"/>
-                  </a:schemeClr>
-                </a:solidFill>
-                <a:ea typeface="+mn-lt"/>
-                <a:cs typeface="+mn-lt"/>
-              </a:rPr>
-              <a:t>масив</a:t>
-            </a:r>
-            <a:endParaRPr lang="en-US" sz="3550" b="1" dirty="0" err="1">
+              <a:t>Многомерен масив</a:t>
+            </a:r>
+            <a:endParaRPr lang="en-US" sz="3550" b="1" dirty="0">
               <a:solidFill>
                 <a:schemeClr val="bg1">
                   <a:lumMod val="60000"/>
@@ -30240,23 +28234,15 @@
               </a:buClr>
             </a:pPr>
             <a:r>
-              <a:rPr lang="en-US" sz="3350" dirty="0" err="1">
+              <a:rPr lang="en-US" sz="3350" dirty="0">
                 <a:solidFill>
                   <a:schemeClr val="bg2"/>
                 </a:solidFill>
               </a:rPr>
-              <a:t>Имаме</a:t>
-            </a:r>
-            <a:r>
-              <a:rPr lang="en-US" sz="3350" dirty="0">
-                <a:solidFill>
-                  <a:schemeClr val="bg2"/>
-                </a:solidFill>
-              </a:rPr>
-              <a:t> </a:t>
-            </a:r>
-            <a:r>
-              <a:rPr lang="en-US" sz="3350" b="1" dirty="0" err="1">
+              <a:t>Имаме </a:t>
+            </a:r>
+            <a:r>
+              <a:rPr lang="en-US" sz="3350" b="1" dirty="0">
                 <a:solidFill>
                   <a:schemeClr val="bg1">
                     <a:lumMod val="60000"/>
@@ -30264,72 +28250,17 @@
                   </a:schemeClr>
                 </a:solidFill>
               </a:rPr>
-              <a:t>повече</a:t>
-            </a:r>
-            <a:r>
-              <a:rPr lang="en-US" sz="3350" b="1" dirty="0">
-                <a:solidFill>
-                  <a:schemeClr val="bg1">
-                    <a:lumMod val="60000"/>
-                    <a:lumOff val="40000"/>
-                  </a:schemeClr>
-                </a:solidFill>
-              </a:rPr>
-              <a:t> </a:t>
-            </a:r>
-            <a:r>
-              <a:rPr lang="en-US" sz="3350" b="1" dirty="0" err="1">
-                <a:solidFill>
-                  <a:schemeClr val="bg1">
-                    <a:lumMod val="60000"/>
-                    <a:lumOff val="40000"/>
-                  </a:schemeClr>
-                </a:solidFill>
-              </a:rPr>
-              <a:t>от</a:t>
-            </a:r>
-            <a:r>
-              <a:rPr lang="en-US" sz="3350" b="1" dirty="0">
-                <a:solidFill>
-                  <a:schemeClr val="bg1">
-                    <a:lumMod val="60000"/>
-                    <a:lumOff val="40000"/>
-                  </a:schemeClr>
-                </a:solidFill>
-              </a:rPr>
-              <a:t> </a:t>
-            </a:r>
-            <a:r>
-              <a:rPr lang="en-US" sz="3350" b="1" dirty="0" err="1">
-                <a:solidFill>
-                  <a:schemeClr val="bg1">
-                    <a:lumMod val="60000"/>
-                    <a:lumOff val="40000"/>
-                  </a:schemeClr>
-                </a:solidFill>
-              </a:rPr>
-              <a:t>едно</a:t>
-            </a:r>
-            <a:r>
-              <a:rPr lang="en-US" sz="3350" b="1" dirty="0">
-                <a:solidFill>
-                  <a:schemeClr val="bg1">
-                    <a:lumMod val="60000"/>
-                    <a:lumOff val="40000"/>
-                  </a:schemeClr>
-                </a:solidFill>
-              </a:rPr>
-              <a:t> </a:t>
-            </a:r>
-            <a:r>
-              <a:rPr lang="en-US" sz="3350" dirty="0" err="1">
+              <a:t>повече от едно </a:t>
+            </a:r>
+            <a:r>
+              <a:rPr lang="en-US" sz="3350" dirty="0">
                 <a:solidFill>
                   <a:schemeClr val="bg2"/>
                 </a:solidFill>
               </a:rPr>
               <a:t>измерение</a:t>
             </a:r>
-            <a:endParaRPr lang="en-US" sz="3350" b="1" dirty="0" err="1">
+            <a:endParaRPr lang="en-US" sz="3350" b="1" dirty="0">
               <a:solidFill>
                 <a:schemeClr val="bg2"/>
               </a:solidFill>
@@ -30345,119 +28276,15 @@
               </a:buClr>
             </a:pPr>
             <a:r>
-              <a:rPr lang="en-US" sz="3350" dirty="0" err="1">
+              <a:rPr lang="en-US" sz="3350" dirty="0">
                 <a:solidFill>
                   <a:schemeClr val="bg2"/>
                 </a:solidFill>
               </a:rPr>
-              <a:t>Масив</a:t>
-            </a:r>
-            <a:r>
-              <a:rPr lang="en-US" sz="3350" dirty="0">
-                <a:solidFill>
-                  <a:schemeClr val="bg2"/>
-                </a:solidFill>
-              </a:rPr>
-              <a:t> </a:t>
-            </a:r>
-            <a:r>
-              <a:rPr lang="en-US" sz="3350" dirty="0" err="1">
-                <a:solidFill>
-                  <a:schemeClr val="bg2"/>
-                </a:solidFill>
-              </a:rPr>
-              <a:t>от</a:t>
-            </a:r>
-            <a:r>
-              <a:rPr lang="en-US" sz="3350" dirty="0">
-                <a:solidFill>
-                  <a:schemeClr val="bg2"/>
-                </a:solidFill>
-              </a:rPr>
-              <a:t> </a:t>
-            </a:r>
-            <a:r>
-              <a:rPr lang="en-US" sz="3350" dirty="0" err="1">
-                <a:solidFill>
-                  <a:schemeClr val="bg2"/>
-                </a:solidFill>
-              </a:rPr>
-              <a:t>второ</a:t>
-            </a:r>
-            <a:r>
-              <a:rPr lang="en-US" sz="3350" dirty="0">
-                <a:solidFill>
-                  <a:schemeClr val="bg2"/>
-                </a:solidFill>
-              </a:rPr>
-              <a:t> </a:t>
-            </a:r>
-            <a:r>
-              <a:rPr lang="en-US" sz="3350" dirty="0" err="1">
-                <a:solidFill>
-                  <a:schemeClr val="bg2"/>
-                </a:solidFill>
-              </a:rPr>
-              <a:t>измерение</a:t>
-            </a:r>
-            <a:r>
-              <a:rPr lang="en-US" sz="3350" dirty="0">
-                <a:solidFill>
-                  <a:schemeClr val="bg2"/>
-                </a:solidFill>
-              </a:rPr>
-              <a:t> е </a:t>
-            </a:r>
-            <a:r>
-              <a:rPr lang="en-US" sz="3350" dirty="0" err="1">
-                <a:solidFill>
-                  <a:schemeClr val="bg2"/>
-                </a:solidFill>
-              </a:rPr>
-              <a:t>като</a:t>
-            </a:r>
-            <a:r>
-              <a:rPr lang="en-US" sz="3350" dirty="0">
-                <a:solidFill>
-                  <a:schemeClr val="bg2"/>
-                </a:solidFill>
-              </a:rPr>
-              <a:t> </a:t>
-            </a:r>
-            <a:r>
-              <a:rPr lang="en-US" sz="3350" dirty="0" err="1">
-                <a:solidFill>
-                  <a:schemeClr val="bg2"/>
-                </a:solidFill>
-              </a:rPr>
-              <a:t>таблица</a:t>
-            </a:r>
-            <a:r>
-              <a:rPr lang="en-US" sz="3350" dirty="0">
-                <a:solidFill>
-                  <a:schemeClr val="bg2"/>
-                </a:solidFill>
-              </a:rPr>
-              <a:t> </a:t>
-            </a:r>
-            <a:r>
-              <a:rPr lang="en-US" sz="3350" dirty="0" err="1">
-                <a:solidFill>
-                  <a:schemeClr val="bg2"/>
-                </a:solidFill>
-              </a:rPr>
-              <a:t>от</a:t>
-            </a:r>
-            <a:r>
-              <a:rPr lang="en-US" sz="3350" dirty="0">
-                <a:solidFill>
-                  <a:schemeClr val="bg2"/>
-                </a:solidFill>
-              </a:rPr>
-              <a:t>  </a:t>
-            </a:r>
-            <a:r>
-              <a:rPr lang="en-US" sz="3350" b="1" dirty="0" err="1">
+              <a:t>Масив от второ измерение е като таблица от  </a:t>
+            </a:r>
+            <a:r>
+              <a:rPr lang="en-US" sz="3350" b="1" dirty="0">
                 <a:solidFill>
                   <a:schemeClr val="bg1">
                     <a:lumMod val="60000"/>
@@ -30476,7 +28303,7 @@
               <a:t> и </a:t>
             </a:r>
             <a:r>
-              <a:rPr lang="en-US" sz="3350" b="1" dirty="0" err="1">
+              <a:rPr lang="en-US" sz="3350" b="1" dirty="0">
                 <a:solidFill>
                   <a:schemeClr val="bg1">
                     <a:lumMod val="60000"/>
@@ -30506,7 +28333,7 @@
               </a:buClr>
             </a:pPr>
             <a:r>
-              <a:rPr lang="en-US" sz="3550" b="1" dirty="0" err="1">
+              <a:rPr lang="en-US" sz="3550" b="1" dirty="0">
                 <a:solidFill>
                   <a:schemeClr val="bg1">
                     <a:lumMod val="60000"/>
@@ -30514,31 +28341,9 @@
                   </a:schemeClr>
                 </a:solidFill>
               </a:rPr>
-              <a:t>Назъбен</a:t>
-            </a:r>
-            <a:r>
-              <a:rPr lang="en-US" sz="3550" b="1" dirty="0">
-                <a:solidFill>
-                  <a:schemeClr val="bg1">
-                    <a:lumMod val="60000"/>
-                    <a:lumOff val="40000"/>
-                  </a:schemeClr>
-                </a:solidFill>
-              </a:rPr>
-              <a:t> </a:t>
-            </a:r>
-            <a:r>
-              <a:rPr lang="en-US" sz="3550" b="1" dirty="0" err="1">
-                <a:solidFill>
-                  <a:schemeClr val="bg1">
-                    <a:lumMod val="60000"/>
-                    <a:lumOff val="40000"/>
-                  </a:schemeClr>
-                </a:solidFill>
-              </a:rPr>
-              <a:t>масив</a:t>
-            </a:r>
-            <a:endParaRPr lang="en-US" sz="3550" b="1" dirty="0" err="1">
+              <a:t>Назъбен масив</a:t>
+            </a:r>
+            <a:endParaRPr lang="en-US" sz="3550" b="1" dirty="0">
               <a:solidFill>
                 <a:schemeClr val="bg1">
                   <a:lumMod val="60000"/>
@@ -30558,46 +28363,14 @@
               </a:buClr>
             </a:pPr>
             <a:r>
-              <a:rPr lang="en-US" sz="3350" dirty="0" err="1">
+              <a:rPr lang="en-US" sz="3350" dirty="0">
                 <a:solidFill>
                   <a:schemeClr val="bg2"/>
                 </a:solidFill>
               </a:rPr>
-              <a:t>Масив</a:t>
-            </a:r>
-            <a:r>
-              <a:rPr lang="en-US" sz="3350" dirty="0">
-                <a:solidFill>
-                  <a:schemeClr val="bg2"/>
-                </a:solidFill>
-              </a:rPr>
-              <a:t> </a:t>
-            </a:r>
-            <a:r>
-              <a:rPr lang="en-US" sz="3350" dirty="0" err="1">
-                <a:solidFill>
-                  <a:schemeClr val="bg2"/>
-                </a:solidFill>
-              </a:rPr>
-              <a:t>от</a:t>
-            </a:r>
-            <a:r>
-              <a:rPr lang="en-US" sz="3350" dirty="0">
-                <a:solidFill>
-                  <a:schemeClr val="bg2"/>
-                </a:solidFill>
-              </a:rPr>
-              <a:t> </a:t>
-            </a:r>
-            <a:r>
-              <a:rPr lang="en-US" sz="3350" dirty="0" err="1">
-                <a:solidFill>
-                  <a:schemeClr val="bg2"/>
-                </a:solidFill>
-              </a:rPr>
-              <a:t>масиви</a:t>
-            </a:r>
-            <a:endParaRPr lang="en-US" sz="3350" dirty="0" err="1">
+              <a:t>Масив от масиви</a:t>
+            </a:r>
+            <a:endParaRPr lang="en-US" sz="3350" dirty="0">
               <a:solidFill>
                 <a:schemeClr val="bg2"/>
               </a:solidFill>
@@ -30614,23 +28387,15 @@
               </a:buClr>
             </a:pPr>
             <a:r>
-              <a:rPr lang="en-US" sz="3350" dirty="0" err="1">
+              <a:rPr lang="en-US" sz="3350" dirty="0">
                 <a:solidFill>
                   <a:schemeClr val="bg2"/>
                 </a:solidFill>
               </a:rPr>
-              <a:t>Всеки</a:t>
-            </a:r>
-            <a:r>
-              <a:rPr lang="en-US" sz="3350" dirty="0">
-                <a:solidFill>
-                  <a:schemeClr val="bg2"/>
-                </a:solidFill>
-              </a:rPr>
-              <a:t> </a:t>
-            </a:r>
-            <a:r>
-              <a:rPr lang="en-US" sz="3350" b="1" dirty="0" err="1">
+              <a:t>Всеки </a:t>
+            </a:r>
+            <a:r>
+              <a:rPr lang="en-US" sz="3350" b="1" dirty="0">
                 <a:solidFill>
                   <a:schemeClr val="bg1">
                     <a:lumMod val="60000"/>
@@ -30638,110 +28403,17 @@
                   </a:schemeClr>
                 </a:solidFill>
               </a:rPr>
-              <a:t>елемент</a:t>
-            </a:r>
-            <a:r>
-              <a:rPr lang="en-US" sz="3350" b="1" dirty="0">
-                <a:solidFill>
-                  <a:schemeClr val="bg1">
-                    <a:lumMod val="60000"/>
-                    <a:lumOff val="40000"/>
-                  </a:schemeClr>
-                </a:solidFill>
-              </a:rPr>
-              <a:t> </a:t>
-            </a:r>
-            <a:r>
-              <a:rPr lang="en-US" sz="3350" b="1" dirty="0" err="1">
-                <a:solidFill>
-                  <a:schemeClr val="bg1">
-                    <a:lumMod val="60000"/>
-                    <a:lumOff val="40000"/>
-                  </a:schemeClr>
-                </a:solidFill>
-              </a:rPr>
-              <a:t>сам</a:t>
-            </a:r>
-            <a:r>
-              <a:rPr lang="en-US" sz="3350" b="1" dirty="0">
-                <a:solidFill>
-                  <a:schemeClr val="bg1">
-                    <a:lumMod val="60000"/>
-                    <a:lumOff val="40000"/>
-                  </a:schemeClr>
-                </a:solidFill>
-              </a:rPr>
-              <a:t> </a:t>
-            </a:r>
-            <a:r>
-              <a:rPr lang="en-US" sz="3350" b="1" dirty="0" err="1">
-                <a:solidFill>
-                  <a:schemeClr val="bg1">
-                    <a:lumMod val="60000"/>
-                    <a:lumOff val="40000"/>
-                  </a:schemeClr>
-                </a:solidFill>
-              </a:rPr>
-              <a:t>по</a:t>
-            </a:r>
-            <a:r>
-              <a:rPr lang="en-US" sz="3350" b="1" dirty="0">
-                <a:solidFill>
-                  <a:schemeClr val="bg1">
-                    <a:lumMod val="60000"/>
-                    <a:lumOff val="40000"/>
-                  </a:schemeClr>
-                </a:solidFill>
-              </a:rPr>
-              <a:t> </a:t>
-            </a:r>
-            <a:r>
-              <a:rPr lang="en-US" sz="3350" b="1" dirty="0" err="1">
-                <a:solidFill>
-                  <a:schemeClr val="bg1">
-                    <a:lumMod val="60000"/>
-                    <a:lumOff val="40000"/>
-                  </a:schemeClr>
-                </a:solidFill>
-              </a:rPr>
-              <a:t>себе</a:t>
-            </a:r>
-            <a:r>
-              <a:rPr lang="en-US" sz="3350" b="1" dirty="0">
-                <a:solidFill>
-                  <a:schemeClr val="bg1">
-                    <a:lumMod val="60000"/>
-                    <a:lumOff val="40000"/>
-                  </a:schemeClr>
-                </a:solidFill>
-              </a:rPr>
-              <a:t> </a:t>
-            </a:r>
-            <a:r>
-              <a:rPr lang="en-US" sz="3350" dirty="0" err="1">
+              <a:t>елемент сам по себе </a:t>
+            </a:r>
+            <a:r>
+              <a:rPr lang="en-US" sz="3350" dirty="0">
                 <a:solidFill>
                   <a:schemeClr val="bg2"/>
                 </a:solidFill>
               </a:rPr>
-              <a:t>си</a:t>
-            </a:r>
-            <a:r>
-              <a:rPr lang="en-US" sz="3350" dirty="0">
-                <a:solidFill>
-                  <a:schemeClr val="bg2"/>
-                </a:solidFill>
-              </a:rPr>
-              <a:t> е </a:t>
-            </a:r>
-            <a:r>
-              <a:rPr lang="en-US" sz="3350" dirty="0" err="1">
-                <a:solidFill>
-                  <a:schemeClr val="bg2"/>
-                </a:solidFill>
-              </a:rPr>
-              <a:t>масив</a:t>
-            </a:r>
-            <a:endParaRPr lang="en-US" sz="3350" b="1" dirty="0" err="1">
+              <a:t>си е масив</a:t>
+            </a:r>
+            <a:endParaRPr lang="en-US" sz="3350" b="1" dirty="0">
               <a:solidFill>
                 <a:schemeClr val="bg2"/>
               </a:solidFill>
@@ -31176,14 +28848,14 @@
           <a:lstStyle/>
           <a:p>
             <a:r>
-              <a:rPr lang="en-US" sz="8800">
+              <a:rPr lang="en-US" sz="8800" dirty="0">
                 <a:solidFill>
                   <a:srgbClr val="234465"/>
                 </a:solidFill>
               </a:rPr>
               <a:t>Въпроси?</a:t>
             </a:r>
-            <a:endParaRPr lang="en-US" sz="8800"/>
+            <a:endParaRPr lang="en-US" sz="8800" dirty="0"/>
           </a:p>
         </p:txBody>
       </p:sp>
@@ -31293,24 +28965,12 @@
           <a:lstStyle/>
           <a:p>
             <a:r>
-              <a:rPr lang="en-US" sz="4400" b="0" dirty="0" err="1">
-                <a:cs typeface="Arial"/>
-              </a:rPr>
-              <a:t>Определение</a:t>
-            </a:r>
-            <a:r>
               <a:rPr lang="en-US" sz="4400" b="0" dirty="0">
                 <a:cs typeface="Arial"/>
               </a:rPr>
-              <a:t> и </a:t>
-            </a:r>
-            <a:r>
-              <a:rPr lang="en-US" sz="4400" b="0" dirty="0" err="1">
-                <a:cs typeface="Arial"/>
-              </a:rPr>
-              <a:t>използване</a:t>
-            </a:r>
-            <a:endParaRPr lang="bg-BG" sz="4400" b="0" dirty="0" err="1"/>
+              <a:t>Определение и използване</a:t>
+            </a:r>
+            <a:endParaRPr lang="bg-BG" sz="4400" b="0" dirty="0"/>
           </a:p>
         </p:txBody>
       </p:sp>
@@ -31362,34 +29022,14 @@
               <a:defRPr/>
             </a:pPr>
             <a:r>
-              <a:rPr lang="en-GB" sz="5350" dirty="0" err="1">
+              <a:rPr lang="en-GB" sz="5350" dirty="0">
                 <a:solidFill>
                   <a:srgbClr val="234465"/>
                 </a:solidFill>
                 <a:latin typeface="Calibri" panose="020F0502020204030204"/>
                 <a:cs typeface="Calibri"/>
               </a:rPr>
-              <a:t>Многомерни</a:t>
-            </a:r>
-            <a:r>
-              <a:rPr lang="en-GB" sz="5350" dirty="0">
-                <a:solidFill>
-                  <a:srgbClr val="234465"/>
-                </a:solidFill>
-                <a:latin typeface="Calibri" panose="020F0502020204030204"/>
-                <a:cs typeface="Calibri"/>
-              </a:rPr>
-              <a:t> </a:t>
-            </a:r>
-            <a:r>
-              <a:rPr lang="en-GB" sz="5350" dirty="0" err="1">
-                <a:solidFill>
-                  <a:srgbClr val="234465"/>
-                </a:solidFill>
-                <a:latin typeface="Calibri" panose="020F0502020204030204"/>
-                <a:cs typeface="Calibri"/>
-              </a:rPr>
-              <a:t>масиви</a:t>
+              <a:t>Многомерни масиви</a:t>
             </a:r>
           </a:p>
         </p:txBody>
@@ -31464,34 +29104,34 @@
               </a:lnSpc>
             </a:pPr>
             <a:r>
-              <a:rPr lang="bg-BG"/>
+              <a:rPr lang="bg-BG" dirty="0"/>
               <a:t>Този курс</a:t>
             </a:r>
             <a:r>
-              <a:rPr lang="en-US"/>
+              <a:rPr lang="en-US" dirty="0"/>
               <a:t> (</a:t>
             </a:r>
             <a:r>
-              <a:rPr lang="bg-BG"/>
+              <a:rPr lang="bg-BG" dirty="0"/>
               <a:t>презентации, примери, демонстрационен код, упражнения, домашни, видео и други активи</a:t>
             </a:r>
             <a:r>
-              <a:rPr lang="en-US"/>
+              <a:rPr lang="en-US" dirty="0"/>
               <a:t>) </a:t>
             </a:r>
             <a:r>
-              <a:rPr lang="bg-BG"/>
+              <a:rPr lang="bg-BG" dirty="0"/>
               <a:t>представлява</a:t>
             </a:r>
             <a:r>
-              <a:rPr lang="en-US"/>
+              <a:rPr lang="en-US" dirty="0"/>
               <a:t> </a:t>
             </a:r>
             <a:r>
-              <a:rPr lang="bg-BG" b="1"/>
+              <a:rPr lang="bg-BG" b="1" dirty="0"/>
               <a:t>защитено авторско съдържание</a:t>
             </a:r>
-            <a:endParaRPr lang="en-US"/>
+            <a:endParaRPr lang="en-US" dirty="0"/>
           </a:p>
           <a:p>
             <a:pPr>
@@ -31500,15 +29140,15 @@
               </a:lnSpc>
             </a:pPr>
             <a:r>
-              <a:rPr lang="bg-BG"/>
+              <a:rPr lang="bg-BG" dirty="0"/>
               <a:t>Нерегламентирано копиране</a:t>
             </a:r>
             <a:r>
-              <a:rPr lang="en-US"/>
+              <a:rPr lang="en-US" dirty="0"/>
               <a:t>,</a:t>
             </a:r>
             <a:r>
-              <a:rPr lang="bg-BG"/>
+              <a:rPr lang="bg-BG" dirty="0"/>
               <a:t> разпространение или използване е незаконно</a:t>
             </a:r>
           </a:p>
@@ -31519,24 +29159,24 @@
               </a:lnSpc>
             </a:pPr>
             <a:r>
-              <a:rPr lang="en-US"/>
+              <a:rPr lang="en-US" dirty="0"/>
               <a:t>© </a:t>
             </a:r>
             <a:r>
-              <a:rPr lang="bg-BG"/>
+              <a:rPr lang="bg-BG" dirty="0"/>
               <a:t>СофтУни</a:t>
             </a:r>
             <a:r>
-              <a:rPr lang="en-US"/>
+              <a:rPr lang="en-US" dirty="0"/>
               <a:t> – </a:t>
             </a:r>
             <a:r>
-              <a:rPr lang="en-US">
+              <a:rPr lang="en-US" dirty="0">
                 <a:hlinkClick r:id="rId3"/>
               </a:rPr>
               <a:t>https://softuni.org</a:t>
             </a:r>
-            <a:endParaRPr lang="en-US"/>
+            <a:endParaRPr lang="en-US" dirty="0"/>
           </a:p>
           <a:p>
             <a:pPr>
@@ -31545,24 +29185,24 @@
               </a:lnSpc>
             </a:pPr>
             <a:r>
-              <a:rPr lang="en-US"/>
+              <a:rPr lang="en-US" dirty="0"/>
               <a:t>© </a:t>
             </a:r>
             <a:r>
-              <a:rPr lang="bg-BG"/>
+              <a:rPr lang="bg-BG" dirty="0"/>
               <a:t>Софтуерен университет</a:t>
             </a:r>
             <a:r>
-              <a:rPr lang="en-US"/>
+              <a:rPr lang="en-US" dirty="0"/>
               <a:t> – </a:t>
             </a:r>
             <a:r>
-              <a:rPr lang="en-US">
+              <a:rPr lang="en-US" dirty="0">
                 <a:hlinkClick r:id="rId4"/>
               </a:rPr>
               <a:t>https://softuni.bg</a:t>
             </a:r>
-            <a:endParaRPr lang="bg-BG"/>
+            <a:endParaRPr lang="bg-BG" dirty="0"/>
           </a:p>
           <a:p>
             <a:pPr>
@@ -31570,7 +29210,7 @@
                 <a:spcPct val="120000"/>
               </a:lnSpc>
             </a:pPr>
-            <a:endParaRPr lang="bg-BG"/>
+            <a:endParaRPr lang="bg-BG" dirty="0"/>
           </a:p>
         </p:txBody>
       </p:sp>
@@ -31637,7 +29277,7 @@
           <a:lstStyle/>
           <a:p>
             <a:r>
-              <a:rPr lang="bg-BG"/>
+              <a:rPr lang="bg-BG" dirty="0"/>
               <a:t>Лиценз</a:t>
             </a:r>
           </a:p>
@@ -31681,7 +29321,7 @@
               <a:pPr/>
               <a:t>30</a:t>
             </a:fld>
-            <a:endParaRPr lang="en-US" noProof="0"/>
+            <a:endParaRPr lang="en-US" noProof="0" dirty="0"/>
           </a:p>
         </p:txBody>
       </p:sp>
@@ -31738,7 +29378,7 @@
           <p:nvPr>
             <p:extLst>
               <p:ext uri="{D42A27DB-BD31-4B8C-83A1-F6EECF244321}">
-                <p14:modId xmlns:p14="http://schemas.microsoft.com/office/powerpoint/2010/main" val="3821196706"/>
+                <p14:modId xmlns:p14="http://schemas.microsoft.com/office/powerpoint/2010/main" val="1650565863"/>
               </p:ext>
             </p:extLst>
           </p:nvPr>
@@ -31815,7 +29455,7 @@
                         <a:tabLst/>
                       </a:pPr>
                       <a:r>
-                        <a:rPr lang="en-US" sz="2800" b="1" i="0" u="none" strike="noStrike" kern="1200" cap="none" normalizeH="0" baseline="0" dirty="0" err="1">
+                        <a:rPr lang="en-US" sz="2800" b="1" i="0" u="none" strike="noStrike" kern="1200" cap="none" normalizeH="0" baseline="0" dirty="0">
                           <a:ln>
                             <a:noFill/>
                           </a:ln>
@@ -31829,7 +29469,7 @@
                         </a:rPr>
                         <a:t>Ред</a:t>
                       </a:r>
-                      <a:endParaRPr kumimoji="1" lang="en-US" sz="2800" b="1" i="0" u="none" strike="noStrike" kern="1200" cap="none" normalizeH="0" baseline="0" dirty="0" err="1">
+                      <a:endParaRPr kumimoji="1" lang="en-US" sz="2800" b="1" i="0" u="none" strike="noStrike" kern="1200" cap="none" normalizeH="0" baseline="0" dirty="0">
                         <a:ln>
                           <a:noFill/>
                         </a:ln>
@@ -31927,7 +29567,7 @@
                         <a:defRPr/>
                       </a:pPr>
                       <a:r>
-                        <a:rPr lang="en-GB" sz="2800" b="1" i="0" u="none" strike="noStrike" kern="1200" cap="none" normalizeH="0" baseline="0" dirty="0" err="1">
+                        <a:rPr lang="en-GB" sz="2800" b="1" i="0" u="none" strike="noStrike" kern="1200" cap="none" normalizeH="0" baseline="0" dirty="0">
                           <a:ln>
                             <a:noFill/>
                           </a:ln>
@@ -31941,7 +29581,7 @@
                         </a:rPr>
                         <a:t>Колони</a:t>
                       </a:r>
-                      <a:endParaRPr kumimoji="1" lang="bg-BG" dirty="0" err="1"/>
+                      <a:endParaRPr kumimoji="1" lang="bg-BG" dirty="0"/>
                     </a:p>
                   </a:txBody>
                   <a:tcPr marL="142689" marR="142689" marT="45708" marB="45708" anchor="ctr" horzOverflow="overflow">
@@ -34315,90 +31955,21 @@
               </a:buClr>
             </a:pPr>
             <a:r>
-              <a:rPr lang="en-US" sz="3400" dirty="0" err="1">
-                <a:ea typeface="+mn-lt"/>
-                <a:cs typeface="+mn-lt"/>
-              </a:rPr>
-              <a:t>Масивът</a:t>
-            </a:r>
-            <a:r>
               <a:rPr lang="en-US" sz="3400" dirty="0">
                 <a:ea typeface="+mn-lt"/>
                 <a:cs typeface="+mn-lt"/>
               </a:rPr>
-              <a:t> е </a:t>
-            </a:r>
-            <a:r>
-              <a:rPr lang="en-US" sz="3400" dirty="0" err="1">
+              <a:t>Масивът е систематично подреждане на </a:t>
+            </a:r>
+            <a:r>
+              <a:rPr lang="en-US" sz="3400" b="1" dirty="0">
+                <a:solidFill>
+                  <a:schemeClr val="bg1"/>
+                </a:solidFill>
                 <a:ea typeface="+mn-lt"/>
                 <a:cs typeface="+mn-lt"/>
               </a:rPr>
-              <a:t>систематично</a:t>
-            </a:r>
-            <a:r>
-              <a:rPr lang="en-US" sz="3400" dirty="0">
-                <a:ea typeface="+mn-lt"/>
-                <a:cs typeface="+mn-lt"/>
-              </a:rPr>
-              <a:t> </a:t>
-            </a:r>
-            <a:r>
-              <a:rPr lang="en-US" sz="3400" dirty="0" err="1">
-                <a:ea typeface="+mn-lt"/>
-                <a:cs typeface="+mn-lt"/>
-              </a:rPr>
-              <a:t>подреждане</a:t>
-            </a:r>
-            <a:r>
-              <a:rPr lang="en-US" sz="3400" dirty="0">
-                <a:ea typeface="+mn-lt"/>
-                <a:cs typeface="+mn-lt"/>
-              </a:rPr>
-              <a:t> </a:t>
-            </a:r>
-            <a:r>
-              <a:rPr lang="en-US" sz="3400" dirty="0" err="1">
-                <a:ea typeface="+mn-lt"/>
-                <a:cs typeface="+mn-lt"/>
-              </a:rPr>
-              <a:t>на</a:t>
-            </a:r>
-            <a:r>
-              <a:rPr lang="en-US" sz="3400" dirty="0">
-                <a:ea typeface="+mn-lt"/>
-                <a:cs typeface="+mn-lt"/>
-              </a:rPr>
-              <a:t> </a:t>
-            </a:r>
-            <a:r>
-              <a:rPr lang="en-US" sz="3400" b="1" dirty="0" err="1">
-                <a:solidFill>
-                  <a:schemeClr val="bg1"/>
-                </a:solidFill>
-                <a:ea typeface="+mn-lt"/>
-                <a:cs typeface="+mn-lt"/>
-              </a:rPr>
-              <a:t>подобни</a:t>
-            </a:r>
-            <a:r>
-              <a:rPr lang="en-US" sz="3400" b="1" dirty="0">
-                <a:solidFill>
-                  <a:schemeClr val="bg1"/>
-                </a:solidFill>
-                <a:ea typeface="+mn-lt"/>
-                <a:cs typeface="+mn-lt"/>
-              </a:rPr>
-              <a:t> </a:t>
-            </a:r>
-            <a:r>
-              <a:rPr lang="en-US" sz="3400" b="1" dirty="0" err="1">
-                <a:solidFill>
-                  <a:schemeClr val="bg1"/>
-                </a:solidFill>
-                <a:ea typeface="+mn-lt"/>
-                <a:cs typeface="+mn-lt"/>
-              </a:rPr>
-              <a:t>обекти</a:t>
+              <a:t>подобни обекти</a:t>
             </a:r>
             <a:endParaRPr lang="en-US" sz="3400" b="1" dirty="0">
               <a:solidFill>
@@ -34422,59 +31993,11 @@
                   <a:schemeClr val="bg1"/>
                 </a:solidFill>
               </a:rPr>
-              <a:t>Многомерните </a:t>
-            </a:r>
-            <a:r>
-              <a:rPr lang="en-US" sz="3400" b="1" dirty="0" err="1">
-                <a:solidFill>
-                  <a:schemeClr val="bg1"/>
-                </a:solidFill>
-              </a:rPr>
-              <a:t>масиви</a:t>
-            </a:r>
-            <a:r>
-              <a:rPr lang="en-US" sz="3400" b="1" dirty="0">
-                <a:solidFill>
-                  <a:schemeClr val="bg1"/>
-                </a:solidFill>
-              </a:rPr>
-              <a:t> </a:t>
-            </a:r>
-            <a:r>
-              <a:rPr lang="en-US" sz="3400" dirty="0" err="1"/>
-              <a:t>имат</a:t>
+              <a:t>Многомерните масиви </a:t>
             </a:r>
             <a:r>
               <a:rPr lang="en-US" sz="3400" dirty="0"/>
-              <a:t> </a:t>
-            </a:r>
-            <a:r>
-              <a:rPr lang="en-US" sz="3400" dirty="0" err="1"/>
-              <a:t>повече</a:t>
-            </a:r>
-            <a:r>
-              <a:rPr lang="en-US" sz="3400" dirty="0"/>
-              <a:t> </a:t>
-            </a:r>
-            <a:r>
-              <a:rPr lang="en-US" sz="3400" dirty="0" err="1"/>
-              <a:t>от</a:t>
-            </a:r>
-            <a:r>
-              <a:rPr lang="en-US" sz="3400" dirty="0"/>
-              <a:t> </a:t>
-            </a:r>
-            <a:r>
-              <a:rPr lang="en-US" sz="3400" dirty="0" err="1"/>
-              <a:t>едно</a:t>
-            </a:r>
-            <a:r>
-              <a:rPr lang="en-US" sz="3400" dirty="0"/>
-              <a:t> </a:t>
-            </a:r>
-            <a:r>
-              <a:rPr lang="en-US" sz="3400" dirty="0" err="1"/>
-              <a:t>измерение</a:t>
+              <a:t>имат повече от едно измерение</a:t>
             </a:r>
             <a:endParaRPr lang="en-US" sz="3400" dirty="0">
               <a:cs typeface="Calibri"/>
@@ -34490,52 +32013,8 @@
               </a:buClr>
             </a:pPr>
             <a:r>
-              <a:rPr lang="en-US" sz="3200" dirty="0" err="1"/>
-              <a:t>Най-често</a:t>
-            </a:r>
-            <a:r>
               <a:rPr lang="en-US" sz="3200" dirty="0"/>
-              <a:t> </a:t>
-            </a:r>
-            <a:r>
-              <a:rPr lang="en-US" sz="3200" dirty="0" err="1"/>
-              <a:t>използваните</a:t>
-            </a:r>
-            <a:r>
-              <a:rPr lang="en-US" sz="3200" dirty="0"/>
-              <a:t> </a:t>
-            </a:r>
-            <a:r>
-              <a:rPr lang="en-US" sz="3200" dirty="0" err="1"/>
-              <a:t>многомерни</a:t>
-            </a:r>
-            <a:r>
-              <a:rPr lang="en-US" sz="3200" dirty="0"/>
-              <a:t> </a:t>
-            </a:r>
-            <a:r>
-              <a:rPr lang="en-US" sz="3200" dirty="0" err="1"/>
-              <a:t>масиви</a:t>
-            </a:r>
-            <a:r>
-              <a:rPr lang="en-US" sz="3200" dirty="0"/>
-              <a:t> </a:t>
-            </a:r>
-            <a:r>
-              <a:rPr lang="en-US" sz="3200" dirty="0" err="1"/>
-              <a:t>са</a:t>
-            </a:r>
-            <a:r>
-              <a:rPr lang="en-US" sz="3200" dirty="0"/>
-              <a:t> </a:t>
-            </a:r>
-            <a:r>
-              <a:rPr lang="en-US" sz="3200" dirty="0" err="1"/>
-              <a:t>от</a:t>
-            </a:r>
-            <a:r>
-              <a:rPr lang="en-US" sz="3200" dirty="0"/>
-              <a:t> </a:t>
+              <a:t>Най-често използваните многомерни масиви са от </a:t>
             </a:r>
             <a:r>
               <a:rPr lang="en-US" sz="3200" b="1" dirty="0">
@@ -34570,28 +32049,8 @@
           <a:lstStyle/>
           <a:p>
             <a:r>
-              <a:rPr lang="en-US" sz="3950" dirty="0" err="1"/>
-              <a:t>Какво</a:t>
-            </a:r>
-            <a:r>
               <a:rPr lang="en-US" sz="3950" dirty="0"/>
-              <a:t> е </a:t>
-            </a:r>
-            <a:r>
-              <a:rPr lang="en-US" sz="3950" dirty="0" err="1"/>
-              <a:t>многомерен</a:t>
-            </a:r>
-            <a:r>
-              <a:rPr lang="en-US" sz="3950" dirty="0"/>
-              <a:t> </a:t>
-            </a:r>
-            <a:r>
-              <a:rPr lang="en-US" sz="3950" dirty="0" err="1"/>
-              <a:t>масив</a:t>
-            </a:r>
-            <a:r>
-              <a:rPr lang="en-US" sz="3950" dirty="0"/>
-              <a:t>?</a:t>
+              <a:t>Какво е многомерен масив?</a:t>
             </a:r>
             <a:endParaRPr lang="bg-BG" sz="3950" dirty="0"/>
           </a:p>
@@ -34659,46 +32118,14 @@
           <a:p>
             <a:pPr algn="ctr"/>
             <a:r>
-              <a:rPr lang="en-US" sz="2350" b="1" dirty="0" err="1">
+              <a:rPr lang="en-US" sz="2350" b="1" dirty="0">
                 <a:solidFill>
                   <a:srgbClr val="FFFFFF"/>
                 </a:solidFill>
               </a:rPr>
-              <a:t>Индекс</a:t>
-            </a:r>
-            <a:r>
-              <a:rPr lang="en-US" sz="2350" b="1" dirty="0">
-                <a:solidFill>
-                  <a:srgbClr val="FFFFFF"/>
-                </a:solidFill>
-              </a:rPr>
-              <a:t> </a:t>
-            </a:r>
-            <a:r>
-              <a:rPr lang="en-US" sz="2350" b="1" dirty="0" err="1">
-                <a:solidFill>
-                  <a:srgbClr val="FFFFFF"/>
-                </a:solidFill>
-              </a:rPr>
-              <a:t>на</a:t>
-            </a:r>
-            <a:r>
-              <a:rPr lang="en-US" sz="2350" b="1" dirty="0">
-                <a:solidFill>
-                  <a:srgbClr val="FFFFFF"/>
-                </a:solidFill>
-              </a:rPr>
-              <a:t> </a:t>
-            </a:r>
-            <a:r>
-              <a:rPr lang="en-US" sz="2350" b="1" dirty="0" err="1">
-                <a:solidFill>
-                  <a:srgbClr val="FFFFFF"/>
-                </a:solidFill>
-              </a:rPr>
-              <a:t>реда</a:t>
-            </a:r>
-            <a:endParaRPr lang="bg-BG" sz="2399" b="1" dirty="0" err="1">
+              <a:t>Индекс на реда</a:t>
+            </a:r>
+            <a:endParaRPr lang="bg-BG" sz="2399" b="1" dirty="0">
               <a:solidFill>
                 <a:srgbClr val="FFFFFF"/>
               </a:solidFill>
@@ -34768,46 +32195,14 @@
           <a:p>
             <a:pPr algn="ctr"/>
             <a:r>
-              <a:rPr lang="en-US" sz="2350" b="1" dirty="0" err="1">
+              <a:rPr lang="en-US" sz="2350" b="1" dirty="0">
                 <a:solidFill>
                   <a:srgbClr val="FFFFFF"/>
                 </a:solidFill>
               </a:rPr>
-              <a:t>Индекс</a:t>
-            </a:r>
-            <a:r>
-              <a:rPr lang="en-US" sz="2350" b="1" dirty="0">
-                <a:solidFill>
-                  <a:srgbClr val="FFFFFF"/>
-                </a:solidFill>
-              </a:rPr>
-              <a:t> </a:t>
-            </a:r>
-            <a:r>
-              <a:rPr lang="en-US" sz="2350" b="1" dirty="0" err="1">
-                <a:solidFill>
-                  <a:srgbClr val="FFFFFF"/>
-                </a:solidFill>
-              </a:rPr>
-              <a:t>на</a:t>
-            </a:r>
-            <a:r>
-              <a:rPr lang="en-US" sz="2350" b="1" dirty="0">
-                <a:solidFill>
-                  <a:srgbClr val="FFFFFF"/>
-                </a:solidFill>
-              </a:rPr>
-              <a:t> </a:t>
-            </a:r>
-            <a:r>
-              <a:rPr lang="en-US" sz="2350" b="1" dirty="0" err="1">
-                <a:solidFill>
-                  <a:srgbClr val="FFFFFF"/>
-                </a:solidFill>
-              </a:rPr>
-              <a:t>колоната</a:t>
-            </a:r>
-            <a:endParaRPr lang="bg-BG" dirty="0" err="1"/>
+              <a:t>Индекс на колоната</a:t>
+            </a:r>
+            <a:endParaRPr lang="bg-BG" dirty="0"/>
           </a:p>
         </p:txBody>
       </p:sp>
@@ -35272,58 +32667,12 @@
               </a:buClr>
             </a:pPr>
             <a:r>
-              <a:rPr lang="en-US" sz="3600" dirty="0" err="1">
-                <a:ea typeface="+mn-lt"/>
-                <a:cs typeface="+mn-lt"/>
-              </a:rPr>
-              <a:t>Създаване</a:t>
-            </a:r>
-            <a:r>
               <a:rPr lang="en-US" sz="3600" dirty="0">
                 <a:ea typeface="+mn-lt"/>
                 <a:cs typeface="+mn-lt"/>
               </a:rPr>
-              <a:t> </a:t>
-            </a:r>
-            <a:r>
-              <a:rPr lang="en-US" sz="3600" dirty="0" err="1">
-                <a:ea typeface="+mn-lt"/>
-                <a:cs typeface="+mn-lt"/>
-              </a:rPr>
-              <a:t>на</a:t>
-            </a:r>
-            <a:r>
-              <a:rPr lang="en-US" sz="3600" dirty="0">
-                <a:ea typeface="+mn-lt"/>
-                <a:cs typeface="+mn-lt"/>
-              </a:rPr>
-              <a:t> </a:t>
-            </a:r>
-            <a:r>
-              <a:rPr lang="en-US" sz="3600" dirty="0" err="1">
-                <a:ea typeface="+mn-lt"/>
-                <a:cs typeface="+mn-lt"/>
-              </a:rPr>
-              <a:t>многомерен</a:t>
-            </a:r>
-            <a:r>
-              <a:rPr lang="en-US" sz="3600" dirty="0">
-                <a:ea typeface="+mn-lt"/>
-                <a:cs typeface="+mn-lt"/>
-              </a:rPr>
-              <a:t> </a:t>
-            </a:r>
-            <a:r>
-              <a:rPr lang="en-US" sz="3600" dirty="0" err="1">
-                <a:ea typeface="+mn-lt"/>
-                <a:cs typeface="+mn-lt"/>
-              </a:rPr>
-              <a:t>масив</a:t>
-            </a:r>
-            <a:endParaRPr lang="en-US" sz="3600" dirty="0">
-              <a:ea typeface="+mn-lt"/>
-              <a:cs typeface="+mn-lt"/>
-            </a:endParaRPr>
+              <a:t>Създаване на многомерен масив</a:t>
+            </a:r>
           </a:p>
           <a:p>
             <a:pPr marL="837565" lvl="1" indent="-456565">
@@ -35335,28 +32684,8 @@
               </a:buClr>
             </a:pPr>
             <a:r>
-              <a:rPr lang="en-US" sz="3400" dirty="0" err="1"/>
-              <a:t>Използваме</a:t>
-            </a:r>
-            <a:r>
               <a:rPr lang="en-US" sz="3400" dirty="0"/>
-              <a:t> </a:t>
-            </a:r>
-            <a:r>
-              <a:rPr lang="en-US" sz="3400" dirty="0" err="1"/>
-              <a:t>ключовата</a:t>
-            </a:r>
-            <a:r>
-              <a:rPr lang="en-US" sz="3400" dirty="0"/>
-              <a:t> </a:t>
-            </a:r>
-            <a:r>
-              <a:rPr lang="en-US" sz="3400" dirty="0" err="1"/>
-              <a:t>дума</a:t>
-            </a:r>
-            <a:r>
-              <a:rPr lang="en-US" sz="3400" dirty="0"/>
-              <a:t> </a:t>
+              <a:t>Използваме ключовата дума </a:t>
             </a:r>
             <a:r>
               <a:rPr lang="en-US" sz="3400" b="1" dirty="0">
@@ -35383,66 +32712,10 @@
               </a:buClr>
             </a:pPr>
             <a:r>
-              <a:rPr lang="en-US" sz="3400" dirty="0" err="1"/>
-              <a:t>Трябва</a:t>
-            </a:r>
-            <a:r>
               <a:rPr lang="en-US" sz="3400" dirty="0"/>
-              <a:t> </a:t>
-            </a:r>
-            <a:r>
-              <a:rPr lang="en-US" sz="3400" dirty="0" err="1"/>
-              <a:t>да</a:t>
-            </a:r>
-            <a:r>
-              <a:rPr lang="en-US" sz="3400" dirty="0"/>
-              <a:t> </a:t>
-            </a:r>
-            <a:r>
-              <a:rPr lang="en-US" sz="3400" dirty="0" err="1"/>
-              <a:t>се</a:t>
-            </a:r>
-            <a:r>
-              <a:rPr lang="en-US" sz="3400" dirty="0"/>
-              <a:t> </a:t>
-            </a:r>
-            <a:r>
-              <a:rPr lang="en-US" sz="3400" dirty="0" err="1"/>
-              <a:t>определи</a:t>
-            </a:r>
-            <a:r>
-              <a:rPr lang="en-US" sz="3400" dirty="0"/>
-              <a:t> </a:t>
-            </a:r>
-            <a:r>
-              <a:rPr lang="en-US" sz="3400" dirty="0" err="1"/>
-              <a:t>размера</a:t>
-            </a:r>
-            <a:r>
-              <a:rPr lang="en-US" sz="3400" dirty="0"/>
-              <a:t> </a:t>
-            </a:r>
-            <a:r>
-              <a:rPr lang="en-US" sz="3400" dirty="0" err="1"/>
-              <a:t>на</a:t>
-            </a:r>
-            <a:r>
-              <a:rPr lang="en-US" sz="3400" dirty="0"/>
-              <a:t> </a:t>
-            </a:r>
-            <a:r>
-              <a:rPr lang="en-US" sz="3400" dirty="0" err="1"/>
-              <a:t>всяко</a:t>
-            </a:r>
-            <a:r>
-              <a:rPr lang="en-US" sz="3400" dirty="0"/>
-              <a:t> </a:t>
-            </a:r>
-            <a:r>
-              <a:rPr lang="en-US" sz="3400" dirty="0" err="1"/>
-              <a:t>измерение</a:t>
-            </a:r>
-            <a:endParaRPr lang="en-US" sz="3400" dirty="0" err="1">
+              <a:t>Трябва да се определи размера на всяко измерение</a:t>
+            </a:r>
+            <a:endParaRPr lang="en-US" sz="3400" dirty="0">
               <a:cs typeface="Calibri"/>
             </a:endParaRPr>
           </a:p>
@@ -35504,32 +32777,16 @@
               </a:buClr>
             </a:pPr>
             <a:r>
-              <a:rPr lang="en-GB" sz="3400" dirty="0" err="1"/>
-              <a:t>Този</a:t>
-            </a:r>
-            <a:r>
               <a:rPr lang="en-GB" sz="3400" dirty="0"/>
-              <a:t> </a:t>
-            </a:r>
-            <a:r>
-              <a:rPr lang="en-GB" sz="3400" dirty="0" err="1"/>
-              <a:t>синтаксис</a:t>
-            </a:r>
-            <a:r>
-              <a:rPr lang="en-GB" sz="3400" dirty="0"/>
-              <a:t> </a:t>
+              <a:t>Този синтаксис </a:t>
             </a:r>
             <a:r>
               <a:rPr lang="bg-BG" sz="3400" dirty="0"/>
               <a:t>се използва </a:t>
             </a:r>
             <a:r>
-              <a:rPr lang="en-GB" sz="3400" dirty="0" err="1"/>
-              <a:t>само</a:t>
-            </a:r>
-            <a:r>
               <a:rPr lang="en-GB" sz="3400" dirty="0"/>
-              <a:t> </a:t>
+              <a:t>само </a:t>
             </a:r>
             <a:r>
               <a:rPr lang="bg-BG" sz="3400" dirty="0"/>
@@ -35563,34 +32820,10 @@
           <a:lstStyle/>
           <a:p>
             <a:r>
-              <a:rPr lang="en-US" sz="3950" dirty="0" err="1"/>
-              <a:t>Създаване</a:t>
-            </a:r>
-            <a:r>
               <a:rPr lang="en-US" sz="3950" dirty="0"/>
-              <a:t> </a:t>
-            </a:r>
-            <a:r>
-              <a:rPr lang="en-US" sz="3950" dirty="0" err="1"/>
-              <a:t>на</a:t>
-            </a:r>
-            <a:r>
-              <a:rPr lang="en-US" sz="3950" dirty="0"/>
-              <a:t> </a:t>
-            </a:r>
-            <a:r>
-              <a:rPr lang="en-US" sz="3950" dirty="0" err="1"/>
-              <a:t>многомерен</a:t>
-            </a:r>
-            <a:r>
-              <a:rPr lang="en-US" sz="3950" dirty="0"/>
-              <a:t> </a:t>
-            </a:r>
-            <a:r>
-              <a:rPr lang="en-US" sz="3950" dirty="0" err="1"/>
-              <a:t>масив</a:t>
-            </a:r>
-            <a:endParaRPr lang="en-US" dirty="0" err="1"/>
+              <a:t>Създаване на многомерен масив</a:t>
+            </a:r>
+            <a:endParaRPr lang="en-US" dirty="0"/>
           </a:p>
         </p:txBody>
       </p:sp>
@@ -36378,28 +33611,8 @@
               </a:buClr>
             </a:pPr>
             <a:r>
-              <a:rPr lang="en-US" sz="3600" dirty="0" err="1"/>
-              <a:t>Създаване</a:t>
-            </a:r>
-            <a:r>
               <a:rPr lang="en-US" sz="3600" dirty="0"/>
-              <a:t> </a:t>
-            </a:r>
-            <a:r>
-              <a:rPr lang="en-US" sz="3600" dirty="0" err="1"/>
-              <a:t>чрез</a:t>
-            </a:r>
-            <a:r>
-              <a:rPr lang="en-US" sz="3600" dirty="0"/>
-              <a:t> </a:t>
-            </a:r>
-            <a:r>
-              <a:rPr lang="en-US" sz="3600" dirty="0" err="1"/>
-              <a:t>стойности</a:t>
-            </a:r>
-            <a:r>
-              <a:rPr lang="en-US" sz="3600" dirty="0"/>
-              <a:t>:</a:t>
+              <a:t>Създаване чрез стойности:</a:t>
             </a:r>
             <a:endParaRPr lang="bg-BG" dirty="0"/>
           </a:p>
@@ -36469,63 +33682,15 @@
             </a:pPr>
             <a:r>
               <a:rPr lang="en-US" sz="3600" dirty="0"/>
-              <a:t>Многомерните </a:t>
-            </a:r>
-            <a:r>
-              <a:rPr lang="en-US" sz="3600" dirty="0" err="1"/>
-              <a:t>масиви</a:t>
-            </a:r>
-            <a:r>
-              <a:rPr lang="en-US" sz="3600" dirty="0"/>
-              <a:t> </a:t>
-            </a:r>
-            <a:r>
-              <a:rPr lang="en-US" sz="3600" dirty="0" err="1"/>
-              <a:t>представляват</a:t>
-            </a:r>
-            <a:r>
-              <a:rPr lang="en-US" sz="3600" dirty="0"/>
-              <a:t> </a:t>
-            </a:r>
-            <a:r>
-              <a:rPr lang="en-US" sz="3600" b="1" dirty="0" err="1">
+              <a:t>Многомерните масиви представляват </a:t>
+            </a:r>
+            <a:r>
+              <a:rPr lang="en-US" sz="3600" b="1" dirty="0">
                 <a:solidFill>
                   <a:schemeClr val="bg1"/>
                 </a:solidFill>
               </a:rPr>
-              <a:t>редове</a:t>
-            </a:r>
-            <a:r>
-              <a:rPr lang="en-US" sz="3600" b="1" dirty="0">
-                <a:solidFill>
-                  <a:schemeClr val="bg1"/>
-                </a:solidFill>
-              </a:rPr>
-              <a:t> </a:t>
-            </a:r>
-            <a:r>
-              <a:rPr lang="en-US" sz="3600" b="1" dirty="0" err="1">
-                <a:solidFill>
-                  <a:schemeClr val="bg1"/>
-                </a:solidFill>
-              </a:rPr>
-              <a:t>със</a:t>
-            </a:r>
-            <a:r>
-              <a:rPr lang="en-US" sz="3600" b="1" dirty="0">
-                <a:solidFill>
-                  <a:schemeClr val="bg1"/>
-                </a:solidFill>
-              </a:rPr>
-              <a:t> </a:t>
-            </a:r>
-            <a:r>
-              <a:rPr lang="en-US" sz="3600" b="1" dirty="0" err="1">
-                <a:solidFill>
-                  <a:schemeClr val="bg1"/>
-                </a:solidFill>
-              </a:rPr>
-              <a:t>стойности</a:t>
+              <a:t>редове със стойности</a:t>
             </a:r>
             <a:endParaRPr lang="en-US" sz="3600" b="1" dirty="0">
               <a:solidFill>
@@ -36544,60 +33709,8 @@
               </a:buClr>
             </a:pPr>
             <a:r>
-              <a:rPr lang="en-US" sz="3600" dirty="0" err="1"/>
-              <a:t>Редиците</a:t>
-            </a:r>
-            <a:r>
               <a:rPr lang="en-US" sz="3600" dirty="0"/>
-              <a:t> </a:t>
-            </a:r>
-            <a:r>
-              <a:rPr lang="en-US" sz="3600" dirty="0" err="1"/>
-              <a:t>са</a:t>
-            </a:r>
-            <a:r>
-              <a:rPr lang="en-US" sz="3600" dirty="0"/>
-              <a:t> </a:t>
-            </a:r>
-            <a:r>
-              <a:rPr lang="en-US" sz="3600" dirty="0" err="1"/>
-              <a:t>първото</a:t>
-            </a:r>
-            <a:r>
-              <a:rPr lang="en-US" sz="3600" dirty="0"/>
-              <a:t> </a:t>
-            </a:r>
-            <a:r>
-              <a:rPr lang="en-US" sz="3600" dirty="0" err="1"/>
-              <a:t>измерение</a:t>
-            </a:r>
-            <a:r>
-              <a:rPr lang="en-US" sz="3600" dirty="0"/>
-              <a:t>, а </a:t>
-            </a:r>
-            <a:r>
-              <a:rPr lang="en-US" sz="3600" dirty="0" err="1"/>
-              <a:t>колоните</a:t>
-            </a:r>
-            <a:r>
-              <a:rPr lang="en-US" sz="3600" dirty="0"/>
-              <a:t> </a:t>
-            </a:r>
-            <a:r>
-              <a:rPr lang="en-US" sz="3600" dirty="0" err="1"/>
-              <a:t>са</a:t>
-            </a:r>
-            <a:r>
-              <a:rPr lang="en-US" sz="3600" dirty="0"/>
-              <a:t> </a:t>
-            </a:r>
-            <a:r>
-              <a:rPr lang="en-US" sz="3600" dirty="0" err="1"/>
-              <a:t>второто</a:t>
-            </a:r>
-            <a:r>
-              <a:rPr lang="en-US" sz="3600" dirty="0"/>
-              <a:t> </a:t>
+              <a:t>Редиците са първото измерение, а колоните са второто </a:t>
             </a:r>
             <a:endParaRPr lang="en-US" sz="3600" dirty="0">
               <a:cs typeface="Calibri"/>
@@ -36652,55 +33765,13 @@
           <a:lstStyle/>
           <a:p>
             <a:r>
-              <a:rPr lang="en-US" sz="3950" dirty="0" err="1">
-                <a:ea typeface="+mj-lt"/>
-                <a:cs typeface="+mj-lt"/>
-              </a:rPr>
-              <a:t>Създаване</a:t>
-            </a:r>
-            <a:r>
               <a:rPr lang="en-US" sz="3950" dirty="0">
                 <a:ea typeface="+mj-lt"/>
                 <a:cs typeface="+mj-lt"/>
               </a:rPr>
-              <a:t> </a:t>
-            </a:r>
-            <a:r>
-              <a:rPr lang="en-US" sz="3950" dirty="0" err="1">
-                <a:ea typeface="+mj-lt"/>
-                <a:cs typeface="+mj-lt"/>
-              </a:rPr>
-              <a:t>на</a:t>
-            </a:r>
-            <a:r>
-              <a:rPr lang="en-US" sz="3950" dirty="0">
-                <a:ea typeface="+mj-lt"/>
-                <a:cs typeface="+mj-lt"/>
-              </a:rPr>
-              <a:t> </a:t>
-            </a:r>
-            <a:r>
-              <a:rPr lang="en-US" sz="3950" dirty="0" err="1">
-                <a:ea typeface="+mj-lt"/>
-                <a:cs typeface="+mj-lt"/>
-              </a:rPr>
-              <a:t>многомерен</a:t>
-            </a:r>
-            <a:r>
-              <a:rPr lang="en-US" sz="3950" dirty="0">
-                <a:ea typeface="+mj-lt"/>
-                <a:cs typeface="+mj-lt"/>
-              </a:rPr>
-              <a:t> </a:t>
-            </a:r>
-            <a:r>
-              <a:rPr lang="en-US" sz="3950" dirty="0" err="1">
-                <a:ea typeface="+mj-lt"/>
-                <a:cs typeface="+mj-lt"/>
-              </a:rPr>
-              <a:t>масив</a:t>
-            </a:r>
-            <a:endParaRPr lang="en-US" sz="3950" b="0" dirty="0" err="1">
+              <a:t>Създаване на многомерен масив</a:t>
+            </a:r>
+            <a:endParaRPr lang="en-US" sz="3950" b="0" dirty="0">
               <a:ea typeface="+mj-lt"/>
               <a:cs typeface="+mj-lt"/>
             </a:endParaRPr>
@@ -37450,92 +34521,20 @@
               </a:buClr>
             </a:pPr>
             <a:r>
-              <a:rPr lang="en-US" sz="3350" dirty="0" err="1">
+              <a:rPr lang="en-US" sz="3350" dirty="0">
                 <a:solidFill>
                   <a:srgbClr val="234465"/>
                 </a:solidFill>
               </a:rPr>
-              <a:t>Достъп</a:t>
-            </a:r>
-            <a:r>
-              <a:rPr lang="en-US" sz="3350" dirty="0">
-                <a:solidFill>
-                  <a:srgbClr val="234465"/>
-                </a:solidFill>
-              </a:rPr>
-              <a:t> </a:t>
-            </a:r>
-            <a:r>
-              <a:rPr lang="en-US" sz="3350" dirty="0" err="1">
-                <a:solidFill>
-                  <a:srgbClr val="234465"/>
-                </a:solidFill>
-              </a:rPr>
-              <a:t>до</a:t>
-            </a:r>
-            <a:r>
-              <a:rPr lang="en-US" sz="3350" dirty="0">
-                <a:solidFill>
-                  <a:srgbClr val="234465"/>
-                </a:solidFill>
-              </a:rPr>
-              <a:t> </a:t>
-            </a:r>
-            <a:r>
-              <a:rPr lang="en-US" sz="3350" dirty="0" err="1">
-                <a:solidFill>
-                  <a:srgbClr val="234465"/>
-                </a:solidFill>
-              </a:rPr>
-              <a:t>елемент</a:t>
-            </a:r>
-            <a:r>
-              <a:rPr lang="en-US" sz="3350" dirty="0">
-                <a:solidFill>
-                  <a:srgbClr val="234465"/>
-                </a:solidFill>
-              </a:rPr>
-              <a:t> </a:t>
-            </a:r>
-            <a:r>
-              <a:rPr lang="en-US" sz="3350" dirty="0" err="1">
-                <a:solidFill>
-                  <a:srgbClr val="234465"/>
-                </a:solidFill>
-              </a:rPr>
-              <a:t>от</a:t>
-            </a:r>
-            <a:r>
-              <a:rPr lang="en-US" sz="3350" dirty="0">
-                <a:solidFill>
-                  <a:srgbClr val="234465"/>
-                </a:solidFill>
-              </a:rPr>
-              <a:t> </a:t>
-            </a:r>
-            <a:r>
-              <a:rPr lang="en-US" sz="3350" b="1" dirty="0" err="1">
+              <a:t>Достъп до елемент от </a:t>
+            </a:r>
+            <a:r>
+              <a:rPr lang="en-US" sz="3350" b="1" dirty="0">
                 <a:solidFill>
                   <a:schemeClr val="bg1"/>
                 </a:solidFill>
               </a:rPr>
-              <a:t>масив</a:t>
-            </a:r>
-            <a:r>
-              <a:rPr lang="en-US" sz="3350" b="1" dirty="0">
-                <a:solidFill>
-                  <a:schemeClr val="bg1"/>
-                </a:solidFill>
-              </a:rPr>
-              <a:t> с N </a:t>
-            </a:r>
-            <a:r>
-              <a:rPr lang="en-US" sz="3350" b="1" dirty="0" err="1">
-                <a:solidFill>
-                  <a:schemeClr val="bg1"/>
-                </a:solidFill>
-              </a:rPr>
-              <a:t>измерения</a:t>
+              <a:t>масив с N измерения</a:t>
             </a:r>
             <a:r>
               <a:rPr lang="en-US" sz="3350" dirty="0"/>
@@ -37575,28 +34574,28 @@
               </a:buClr>
             </a:pPr>
             <a:r>
-              <a:rPr lang="en-US" sz="3350" b="1" dirty="0" err="1">
+              <a:rPr lang="en-US" sz="3350" b="1" dirty="0">
                 <a:solidFill>
                   <a:schemeClr val="bg1"/>
                 </a:solidFill>
               </a:rPr>
-              <a:t>Взимане</a:t>
-            </a:r>
-            <a:r>
-              <a:rPr lang="en-US" sz="3350" b="1" dirty="0">
-                <a:solidFill>
-                  <a:schemeClr val="bg1"/>
-                </a:solidFill>
-              </a:rPr>
-              <a:t> </a:t>
-            </a:r>
-            <a:r>
-              <a:rPr lang="en-US" sz="3350" dirty="0" err="1">
+              <a:t>Взимане </a:t>
+            </a:r>
+            <a:r>
+              <a:rPr lang="en-US" sz="3350" dirty="0">
                 <a:solidFill>
                   <a:srgbClr val="234465"/>
                 </a:solidFill>
               </a:rPr>
-              <a:t>на</a:t>
+              <a:t>на стойност</a:t>
+            </a:r>
+            <a:r>
+              <a:rPr lang="bg-BG" sz="3350" dirty="0">
+                <a:solidFill>
+                  <a:srgbClr val="234465"/>
+                </a:solidFill>
+              </a:rPr>
+              <a:t>т</a:t>
             </a:r>
             <a:r>
               <a:rPr lang="en-US" sz="3350" dirty="0">
@@ -37604,63 +34603,7 @@
                   <a:srgbClr val="234465"/>
                 </a:solidFill>
               </a:rPr>
-              <a:t> </a:t>
-            </a:r>
-            <a:r>
-              <a:rPr lang="en-US" sz="3350" dirty="0" err="1">
-                <a:solidFill>
-                  <a:srgbClr val="234465"/>
-                </a:solidFill>
-              </a:rPr>
-              <a:t>стойност</a:t>
-            </a:r>
-            <a:r>
-              <a:rPr lang="bg-BG" sz="3350" dirty="0" err="1">
-                <a:solidFill>
-                  <a:srgbClr val="234465"/>
-                </a:solidFill>
-              </a:rPr>
-              <a:t>т</a:t>
-            </a:r>
-            <a:r>
-              <a:rPr lang="en-US" sz="3350" dirty="0" err="1">
-                <a:solidFill>
-                  <a:srgbClr val="234465"/>
-                </a:solidFill>
-              </a:rPr>
-              <a:t>а</a:t>
-            </a:r>
-            <a:r>
-              <a:rPr lang="en-US" sz="3350" dirty="0">
-                <a:solidFill>
-                  <a:srgbClr val="234465"/>
-                </a:solidFill>
-              </a:rPr>
-              <a:t> </a:t>
-            </a:r>
-            <a:r>
-              <a:rPr lang="en-US" sz="3350" dirty="0" err="1">
-                <a:solidFill>
-                  <a:srgbClr val="234465"/>
-                </a:solidFill>
-              </a:rPr>
-              <a:t>на</a:t>
-            </a:r>
-            <a:r>
-              <a:rPr lang="en-US" sz="3350" dirty="0">
-                <a:solidFill>
-                  <a:srgbClr val="234465"/>
-                </a:solidFill>
-              </a:rPr>
-              <a:t> </a:t>
-            </a:r>
-            <a:r>
-              <a:rPr lang="en-US" sz="3350" dirty="0" err="1">
-                <a:solidFill>
-                  <a:srgbClr val="234465"/>
-                </a:solidFill>
-              </a:rPr>
-              <a:t>елемента</a:t>
+              <a:t>а на елемента</a:t>
             </a:r>
             <a:r>
               <a:rPr lang="en-US" sz="3350" dirty="0"/>
@@ -37740,7 +34683,7 @@
               <a:t> </a:t>
             </a:r>
             <a:r>
-              <a:rPr lang="en-US" sz="3350" dirty="0" err="1">
+              <a:rPr lang="en-US" sz="3350" dirty="0">
                 <a:solidFill>
                   <a:srgbClr val="234465"/>
                 </a:solidFill>
@@ -37749,31 +34692,7 @@
             </a:r>
             <a:r>
               <a:rPr lang="en-US" sz="3350" dirty="0"/>
-              <a:t> </a:t>
-            </a:r>
-            <a:r>
-              <a:rPr lang="en-US" sz="3350" dirty="0" err="1"/>
-              <a:t>стойност</a:t>
-            </a:r>
-            <a:r>
-              <a:rPr lang="en-US" sz="3350" dirty="0"/>
-              <a:t> </a:t>
-            </a:r>
-            <a:r>
-              <a:rPr lang="en-US" sz="3350" dirty="0" err="1"/>
-              <a:t>на</a:t>
-            </a:r>
-            <a:r>
-              <a:rPr lang="en-US" sz="3350" dirty="0"/>
-              <a:t> </a:t>
-            </a:r>
-            <a:r>
-              <a:rPr lang="en-US" sz="3350" dirty="0" err="1"/>
-              <a:t>елемента</a:t>
-            </a:r>
-            <a:r>
-              <a:rPr lang="en-US" sz="3350" dirty="0"/>
-              <a:t>:</a:t>
+              <a:t> стойност на елемента:</a:t>
             </a:r>
             <a:endParaRPr lang="en-US" sz="3350" dirty="0">
               <a:cs typeface="Calibri"/>
@@ -37810,34 +34729,10 @@
           <a:lstStyle/>
           <a:p>
             <a:r>
-              <a:rPr lang="en-US" sz="3950" dirty="0" err="1">
-                <a:cs typeface="Calibri"/>
-              </a:rPr>
-              <a:t>Достъп</a:t>
-            </a:r>
-            <a:r>
               <a:rPr lang="en-US" sz="3950" dirty="0">
                 <a:cs typeface="Calibri"/>
               </a:rPr>
-              <a:t> </a:t>
-            </a:r>
-            <a:r>
-              <a:rPr lang="en-US" sz="3950" dirty="0" err="1">
-                <a:cs typeface="Calibri"/>
-              </a:rPr>
-              <a:t>до</a:t>
-            </a:r>
-            <a:r>
-              <a:rPr lang="en-US" sz="3950" dirty="0">
-                <a:cs typeface="Calibri"/>
-              </a:rPr>
-              <a:t> </a:t>
-            </a:r>
-            <a:r>
-              <a:rPr lang="en-US" sz="3950" dirty="0" err="1">
-                <a:cs typeface="Calibri"/>
-              </a:rPr>
-              <a:t>елементи</a:t>
+              <a:t>Достъп до елементи</a:t>
             </a:r>
           </a:p>
         </p:txBody>
@@ -38304,25 +35199,16 @@
           <a:p>
             <a:pPr algn="ctr"/>
             <a:r>
-              <a:rPr lang="en-GB" sz="2350" b="1" dirty="0" err="1">
+              <a:rPr lang="en-GB" sz="2350" b="1" dirty="0">
                 <a:solidFill>
                   <a:srgbClr val="FFFFFF"/>
                 </a:solidFill>
                 <a:cs typeface="Calibri"/>
               </a:rPr>
-              <a:t>Връща</a:t>
+              <a:t>Връща </a:t>
             </a:r>
             <a:r>
               <a:rPr lang="en-GB" sz="2350" b="1" dirty="0">
-                <a:solidFill>
-                  <a:srgbClr val="FFFFFF"/>
-                </a:solidFill>
-                <a:cs typeface="Calibri"/>
-              </a:rPr>
-              <a:t> </a:t>
-            </a:r>
-            <a:r>
-              <a:rPr lang="en-GB" sz="2350" b="1" dirty="0" err="1">
                 <a:solidFill>
                   <a:schemeClr val="bg1">
                     <a:lumMod val="60000"/>
@@ -38340,34 +35226,7 @@
                 </a:solidFill>
                 <a:cs typeface="Calibri"/>
               </a:rPr>
-              <a:t> </a:t>
-            </a:r>
-            <a:r>
-              <a:rPr lang="en-GB" sz="2350" b="1" dirty="0" err="1">
-                <a:solidFill>
-                  <a:srgbClr val="FFFFFF"/>
-                </a:solidFill>
-                <a:cs typeface="Calibri"/>
-              </a:rPr>
-              <a:t>на</a:t>
-            </a:r>
-            <a:r>
-              <a:rPr lang="en-GB" sz="2350" b="1" dirty="0">
-                <a:solidFill>
-                  <a:srgbClr val="FFFFFF"/>
-                </a:solidFill>
-                <a:cs typeface="Calibri"/>
-              </a:rPr>
-              <a:t> </a:t>
-            </a:r>
-            <a:r>
-              <a:rPr lang="en-GB" sz="2350" b="1" dirty="0" err="1">
-                <a:solidFill>
-                  <a:srgbClr val="FFFFFF"/>
-                </a:solidFill>
-                <a:cs typeface="Calibri"/>
-              </a:rPr>
-              <a:t>измерението</a:t>
+              <a:t> на измерението</a:t>
             </a:r>
           </a:p>
         </p:txBody>
@@ -38848,28 +35707,8 @@
           <a:lstStyle/>
           <a:p>
             <a:r>
-              <a:rPr lang="en-US" sz="3950" dirty="0" err="1"/>
-              <a:t>Отпечатване</a:t>
-            </a:r>
-            <a:r>
               <a:rPr lang="en-US" sz="3950" dirty="0"/>
-              <a:t> </a:t>
-            </a:r>
-            <a:r>
-              <a:rPr lang="en-US" sz="3950" dirty="0" err="1"/>
-              <a:t>на</a:t>
-            </a:r>
-            <a:r>
-              <a:rPr lang="en-US" sz="3950" dirty="0"/>
-              <a:t> </a:t>
-            </a:r>
-            <a:r>
-              <a:rPr lang="en-US" sz="3950" dirty="0" err="1"/>
-              <a:t>матрица</a:t>
-            </a:r>
-            <a:r>
-              <a:rPr lang="en-US" sz="3950" dirty="0"/>
-              <a:t> – </a:t>
+              <a:t>Отпечатване на матрица – </a:t>
             </a:r>
             <a:r>
               <a:rPr lang="en-US" sz="3950" dirty="0" err="1"/>
@@ -39716,20 +36555,12 @@
               </a:buClr>
             </a:pPr>
             <a:r>
-              <a:rPr lang="en-GB" sz="3350" b="1" dirty="0" err="1">
+              <a:rPr lang="en-GB" sz="3350" b="1" dirty="0">
                 <a:solidFill>
                   <a:schemeClr val="bg1"/>
                 </a:solidFill>
               </a:rPr>
-              <a:t>Чрез</a:t>
-            </a:r>
-            <a:r>
-              <a:rPr lang="en-GB" sz="3350" b="1" dirty="0">
-                <a:solidFill>
-                  <a:schemeClr val="bg1"/>
-                </a:solidFill>
-              </a:rPr>
-              <a:t> </a:t>
+              <a:t>Чрез </a:t>
             </a:r>
             <a:r>
               <a:rPr lang="en-GB" sz="3350" b="1" dirty="0">
@@ -39747,65 +36578,13 @@
                   <a:schemeClr val="bg1"/>
                 </a:solidFill>
               </a:rPr>
-              <a:t>-</a:t>
-            </a:r>
-            <a:r>
-              <a:rPr lang="en-GB" sz="3350" b="1" dirty="0" err="1">
-                <a:solidFill>
-                  <a:schemeClr val="bg1"/>
-                </a:solidFill>
-              </a:rPr>
-              <a:t>цикъл</a:t>
+              <a:t>-цикъл</a:t>
             </a:r>
             <a:r>
               <a:rPr lang="en-GB" sz="3350" dirty="0"/>
-              <a:t> </a:t>
-            </a:r>
-            <a:r>
-              <a:rPr lang="en-GB" sz="3350" dirty="0" err="1"/>
-              <a:t>минаваме</a:t>
-            </a:r>
-            <a:r>
-              <a:rPr lang="en-GB" sz="3350" dirty="0"/>
-              <a:t> </a:t>
-            </a:r>
-            <a:r>
-              <a:rPr lang="en-GB" sz="3350" dirty="0" err="1"/>
-              <a:t>през</a:t>
-            </a:r>
-            <a:r>
-              <a:rPr lang="en-GB" sz="3350" dirty="0"/>
-              <a:t> </a:t>
-            </a:r>
-            <a:r>
-              <a:rPr lang="en-GB" sz="3350" dirty="0" err="1"/>
-              <a:t>всички</a:t>
-            </a:r>
-            <a:r>
-              <a:rPr lang="en-GB" sz="3350" dirty="0"/>
-              <a:t> </a:t>
-            </a:r>
-            <a:r>
-              <a:rPr lang="en-GB" sz="3350" dirty="0" err="1"/>
-              <a:t>елементи</a:t>
-            </a:r>
-            <a:r>
-              <a:rPr lang="en-GB" sz="3350" dirty="0"/>
-              <a:t> </a:t>
-            </a:r>
-            <a:r>
-              <a:rPr lang="en-GB" sz="3350" dirty="0" err="1"/>
-              <a:t>на</a:t>
-            </a:r>
-            <a:r>
-              <a:rPr lang="en-GB" sz="3350" dirty="0"/>
-              <a:t> </a:t>
-            </a:r>
-            <a:r>
-              <a:rPr lang="en-GB" sz="3350" dirty="0" err="1"/>
-              <a:t>матрицата</a:t>
-            </a:r>
-            <a:endParaRPr lang="bg-BG" sz="3350" dirty="0" err="1"/>
+              <a:t> минаваме през всички елементи на матрицата</a:t>
+            </a:r>
+            <a:endParaRPr lang="bg-BG" sz="3350" dirty="0"/>
           </a:p>
         </p:txBody>
       </p:sp>
@@ -39825,46 +36604,11 @@
           <a:lstStyle/>
           <a:p>
             <a:r>
-              <a:rPr lang="en-US" sz="3950" dirty="0" err="1">
-                <a:ea typeface="+mj-lt"/>
-                <a:cs typeface="+mj-lt"/>
-              </a:rPr>
-              <a:t>Отпечатване</a:t>
-            </a:r>
-            <a:r>
               <a:rPr lang="en-US" sz="3950" dirty="0">
                 <a:ea typeface="+mj-lt"/>
                 <a:cs typeface="+mj-lt"/>
               </a:rPr>
-              <a:t> </a:t>
-            </a:r>
-            <a:r>
-              <a:rPr lang="en-US" sz="3950" dirty="0" err="1">
-                <a:ea typeface="+mj-lt"/>
-                <a:cs typeface="+mj-lt"/>
-              </a:rPr>
-              <a:t>на</a:t>
-            </a:r>
-            <a:r>
-              <a:rPr lang="en-US" sz="3950" dirty="0">
-                <a:ea typeface="+mj-lt"/>
-                <a:cs typeface="+mj-lt"/>
-              </a:rPr>
-              <a:t> </a:t>
-            </a:r>
-            <a:r>
-              <a:rPr lang="en-US" sz="3950" dirty="0" err="1">
-                <a:ea typeface="+mj-lt"/>
-                <a:cs typeface="+mj-lt"/>
-              </a:rPr>
-              <a:t>матрица</a:t>
-            </a:r>
-            <a:r>
-              <a:rPr lang="en-US" sz="3950" dirty="0">
-                <a:ea typeface="+mj-lt"/>
-                <a:cs typeface="+mj-lt"/>
-              </a:rPr>
-              <a:t> – </a:t>
+              <a:t>Отпечатване на матрица – </a:t>
             </a:r>
             <a:r>
               <a:rPr lang="en-US" sz="3950" dirty="0" err="1">
